--- a/capstone-aaronkim.pptx
+++ b/capstone-aaronkim.pptx
@@ -5,7 +5,7 @@
     <p:sldMasterId id="2147483648" r:id="rId1"/>
   </p:sldMasterIdLst>
   <p:notesMasterIdLst>
-    <p:notesMasterId r:id="rId23"/>
+    <p:notesMasterId r:id="rId21"/>
   </p:notesMasterIdLst>
   <p:sldIdLst>
     <p:sldId id="257" r:id="rId2"/>
@@ -21,14 +21,12 @@
     <p:sldId id="272" r:id="rId12"/>
     <p:sldId id="262" r:id="rId13"/>
     <p:sldId id="273" r:id="rId14"/>
-    <p:sldId id="274" r:id="rId15"/>
-    <p:sldId id="275" r:id="rId16"/>
-    <p:sldId id="276" r:id="rId17"/>
-    <p:sldId id="277" r:id="rId18"/>
-    <p:sldId id="263" r:id="rId19"/>
-    <p:sldId id="264" r:id="rId20"/>
-    <p:sldId id="278" r:id="rId21"/>
-    <p:sldId id="279" r:id="rId22"/>
+    <p:sldId id="275" r:id="rId15"/>
+    <p:sldId id="276" r:id="rId16"/>
+    <p:sldId id="277" r:id="rId17"/>
+    <p:sldId id="263" r:id="rId18"/>
+    <p:sldId id="264" r:id="rId19"/>
+    <p:sldId id="279" r:id="rId20"/>
   </p:sldIdLst>
   <p:sldSz cx="12192000" cy="6858000"/>
   <p:notesSz cx="6858000" cy="9144000"/>
@@ -127,6 +125,11 @@
       </a:defRPr>
     </a:lvl9pPr>
   </p:defaultTextStyle>
+  <p:extLst>
+    <p:ext uri="{EFAFB233-063F-42B5-8137-9DF3F51BA10A}">
+      <p15:sldGuideLst xmlns:p15="http://schemas.microsoft.com/office/powerpoint/2012/main"/>
+    </p:ext>
+  </p:extLst>
 </p:presentation>
 </file>
 
@@ -478,6 +481,438 @@
     </a:lvl9pPr>
   </p:notesStyle>
 </p:notesMaster>
+</file>
+
+<file path=ppt/notesSlides/notesSlide1.xml><?xml version="1.0" encoding="utf-8"?>
+<p:notes xmlns:a="http://schemas.openxmlformats.org/drawingml/2006/main" xmlns:r="http://schemas.openxmlformats.org/officeDocument/2006/relationships" xmlns:p="http://schemas.openxmlformats.org/presentationml/2006/main">
+  <p:cSld>
+    <p:spTree>
+      <p:nvGrpSpPr>
+        <p:cNvPr id="1" name=""/>
+        <p:cNvGrpSpPr/>
+        <p:nvPr/>
+      </p:nvGrpSpPr>
+      <p:grpSpPr>
+        <a:xfrm>
+          <a:off x="0" y="0"/>
+          <a:ext cx="0" cy="0"/>
+          <a:chOff x="0" y="0"/>
+          <a:chExt cx="0" cy="0"/>
+        </a:xfrm>
+      </p:grpSpPr>
+      <p:sp>
+        <p:nvSpPr>
+          <p:cNvPr id="2" name="Slide Image Placeholder 1"/>
+          <p:cNvSpPr>
+            <a:spLocks noGrp="1" noRot="1" noChangeAspect="1"/>
+          </p:cNvSpPr>
+          <p:nvPr>
+            <p:ph type="sldImg"/>
+          </p:nvPr>
+        </p:nvSpPr>
+        <p:spPr/>
+      </p:sp>
+      <p:sp>
+        <p:nvSpPr>
+          <p:cNvPr id="3" name="Notes Placeholder 2"/>
+          <p:cNvSpPr>
+            <a:spLocks noGrp="1"/>
+          </p:cNvSpPr>
+          <p:nvPr>
+            <p:ph type="body" idx="1"/>
+          </p:nvPr>
+        </p:nvSpPr>
+        <p:spPr/>
+        <p:txBody>
+          <a:bodyPr/>
+          <a:lstStyle/>
+          <a:p>
+            <a:r>
+              <a:rPr lang="en-US" dirty="0" smtClean="0"/>
+              <a:t>Why silhouette</a:t>
+            </a:r>
+            <a:r>
+              <a:rPr lang="en-US" baseline="0" dirty="0" smtClean="0"/>
+              <a:t> score? </a:t>
+            </a:r>
+            <a:r>
+              <a:rPr lang="en-US" sz="1200" b="0" i="0" kern="1200" dirty="0" smtClean="0">
+                <a:solidFill>
+                  <a:schemeClr val="tx1"/>
+                </a:solidFill>
+                <a:effectLst/>
+                <a:latin typeface="+mn-lt"/>
+                <a:ea typeface="+mn-ea"/>
+                <a:cs typeface="+mn-cs"/>
+              </a:rPr>
+              <a:t>The Silhouette Coefficient is a measure of how well samples are clustered with samples that are similar to themselves. (</a:t>
+            </a:r>
+            <a:r>
+              <a:rPr lang="en-US" sz="1200" b="0" i="0" kern="1200" dirty="0" err="1" smtClean="0">
+                <a:solidFill>
+                  <a:schemeClr val="tx1"/>
+                </a:solidFill>
+                <a:effectLst/>
+                <a:latin typeface="+mn-lt"/>
+                <a:ea typeface="+mn-ea"/>
+                <a:cs typeface="+mn-cs"/>
+              </a:rPr>
+              <a:t>Sklearn</a:t>
+            </a:r>
+            <a:r>
+              <a:rPr lang="en-US" sz="1200" b="0" i="0" kern="1200" dirty="0" smtClean="0">
+                <a:solidFill>
+                  <a:schemeClr val="tx1"/>
+                </a:solidFill>
+                <a:effectLst/>
+                <a:latin typeface="+mn-lt"/>
+                <a:ea typeface="+mn-ea"/>
+                <a:cs typeface="+mn-cs"/>
+              </a:rPr>
+              <a:t> documentation)</a:t>
+            </a:r>
+            <a:endParaRPr lang="en-US" dirty="0"/>
+          </a:p>
+        </p:txBody>
+      </p:sp>
+      <p:sp>
+        <p:nvSpPr>
+          <p:cNvPr id="4" name="Slide Number Placeholder 3"/>
+          <p:cNvSpPr>
+            <a:spLocks noGrp="1"/>
+          </p:cNvSpPr>
+          <p:nvPr>
+            <p:ph type="sldNum" sz="quarter" idx="10"/>
+          </p:nvPr>
+        </p:nvSpPr>
+        <p:spPr/>
+        <p:txBody>
+          <a:bodyPr/>
+          <a:lstStyle/>
+          <a:p>
+            <a:fld id="{2BB6E61D-7567-8F48-BCF4-B7FD38D54E94}" type="slidenum">
+              <a:rPr lang="en-US" smtClean="0"/>
+              <a:t>9</a:t>
+            </a:fld>
+            <a:endParaRPr lang="en-US"/>
+          </a:p>
+        </p:txBody>
+      </p:sp>
+    </p:spTree>
+    <p:extLst>
+      <p:ext uri="{BB962C8B-B14F-4D97-AF65-F5344CB8AC3E}">
+        <p14:creationId xmlns:p14="http://schemas.microsoft.com/office/powerpoint/2010/main" val="361414145"/>
+      </p:ext>
+    </p:extLst>
+  </p:cSld>
+  <p:clrMapOvr>
+    <a:masterClrMapping/>
+  </p:clrMapOvr>
+</p:notes>
+</file>
+
+<file path=ppt/notesSlides/notesSlide2.xml><?xml version="1.0" encoding="utf-8"?>
+<p:notes xmlns:a="http://schemas.openxmlformats.org/drawingml/2006/main" xmlns:r="http://schemas.openxmlformats.org/officeDocument/2006/relationships" xmlns:p="http://schemas.openxmlformats.org/presentationml/2006/main">
+  <p:cSld>
+    <p:spTree>
+      <p:nvGrpSpPr>
+        <p:cNvPr id="1" name=""/>
+        <p:cNvGrpSpPr/>
+        <p:nvPr/>
+      </p:nvGrpSpPr>
+      <p:grpSpPr>
+        <a:xfrm>
+          <a:off x="0" y="0"/>
+          <a:ext cx="0" cy="0"/>
+          <a:chOff x="0" y="0"/>
+          <a:chExt cx="0" cy="0"/>
+        </a:xfrm>
+      </p:grpSpPr>
+      <p:sp>
+        <p:nvSpPr>
+          <p:cNvPr id="2" name="Slide Image Placeholder 1"/>
+          <p:cNvSpPr>
+            <a:spLocks noGrp="1" noRot="1" noChangeAspect="1"/>
+          </p:cNvSpPr>
+          <p:nvPr>
+            <p:ph type="sldImg"/>
+          </p:nvPr>
+        </p:nvSpPr>
+        <p:spPr/>
+      </p:sp>
+      <p:sp>
+        <p:nvSpPr>
+          <p:cNvPr id="3" name="Notes Placeholder 2"/>
+          <p:cNvSpPr>
+            <a:spLocks noGrp="1"/>
+          </p:cNvSpPr>
+          <p:nvPr>
+            <p:ph type="body" idx="1"/>
+          </p:nvPr>
+        </p:nvSpPr>
+        <p:spPr/>
+        <p:txBody>
+          <a:bodyPr/>
+          <a:lstStyle/>
+          <a:p>
+            <a:r>
+              <a:rPr lang="en-US" dirty="0" err="1" smtClean="0"/>
+              <a:t>tsne</a:t>
+            </a:r>
+            <a:r>
+              <a:rPr lang="en-US" dirty="0" smtClean="0"/>
+              <a:t> - </a:t>
+            </a:r>
+            <a:r>
+              <a:rPr lang="en-US" sz="1200" b="0" i="0" kern="1200" dirty="0" smtClean="0">
+                <a:solidFill>
+                  <a:schemeClr val="tx1"/>
+                </a:solidFill>
+                <a:effectLst/>
+                <a:latin typeface="+mn-lt"/>
+                <a:ea typeface="+mn-ea"/>
+                <a:cs typeface="+mn-cs"/>
+              </a:rPr>
+              <a:t>t-distributed Stochastic Neighbor Embedding.</a:t>
+            </a:r>
+          </a:p>
+          <a:p>
+            <a:endParaRPr lang="en-US" sz="1200" b="0" i="0" kern="1200" dirty="0" smtClean="0">
+              <a:solidFill>
+                <a:schemeClr val="tx1"/>
+              </a:solidFill>
+              <a:effectLst/>
+              <a:latin typeface="+mn-lt"/>
+              <a:ea typeface="+mn-ea"/>
+              <a:cs typeface="+mn-cs"/>
+            </a:endParaRPr>
+          </a:p>
+          <a:p>
+            <a:r>
+              <a:rPr lang="en-US" sz="1200" b="0" i="0" kern="1200" dirty="0" smtClean="0">
+                <a:solidFill>
+                  <a:schemeClr val="tx1"/>
+                </a:solidFill>
+                <a:effectLst/>
+                <a:latin typeface="+mn-lt"/>
+                <a:ea typeface="+mn-ea"/>
+                <a:cs typeface="+mn-cs"/>
+              </a:rPr>
+              <a:t>Caveats:</a:t>
+            </a:r>
+          </a:p>
+          <a:p>
+            <a:r>
+              <a:rPr lang="en-US" sz="1200" b="0" i="0" kern="1200" dirty="0" smtClean="0">
+                <a:solidFill>
+                  <a:schemeClr val="tx1"/>
+                </a:solidFill>
+                <a:effectLst/>
+                <a:latin typeface="+mn-lt"/>
+                <a:ea typeface="+mn-ea"/>
+                <a:cs typeface="+mn-cs"/>
+              </a:rPr>
+              <a:t>1.</a:t>
+            </a:r>
+            <a:r>
+              <a:rPr lang="en-US" sz="1200" b="0" i="0" kern="1200" baseline="0" dirty="0" smtClean="0">
+                <a:solidFill>
+                  <a:schemeClr val="tx1"/>
+                </a:solidFill>
+                <a:effectLst/>
+                <a:latin typeface="+mn-lt"/>
+                <a:ea typeface="+mn-ea"/>
+                <a:cs typeface="+mn-cs"/>
+              </a:rPr>
+              <a:t> Data can possibly be considered dense </a:t>
+            </a:r>
+            <a:r>
+              <a:rPr lang="mr-IN" sz="1200" b="0" i="0" kern="1200" baseline="0" dirty="0" smtClean="0">
+                <a:solidFill>
+                  <a:schemeClr val="tx1"/>
+                </a:solidFill>
+                <a:effectLst/>
+                <a:latin typeface="+mn-lt"/>
+                <a:ea typeface="+mn-ea"/>
+                <a:cs typeface="+mn-cs"/>
+              </a:rPr>
+              <a:t>–</a:t>
+            </a:r>
+            <a:r>
+              <a:rPr lang="en-US" sz="1200" b="0" i="0" kern="1200" baseline="0" dirty="0" smtClean="0">
+                <a:solidFill>
+                  <a:schemeClr val="tx1"/>
+                </a:solidFill>
+                <a:effectLst/>
+                <a:latin typeface="+mn-lt"/>
+                <a:ea typeface="+mn-ea"/>
+                <a:cs typeface="+mn-cs"/>
+              </a:rPr>
+              <a:t> points of travel are not wide-spread.</a:t>
+            </a:r>
+            <a:endParaRPr lang="en-US" sz="1200" b="0" i="0" kern="1200" dirty="0" smtClean="0">
+              <a:solidFill>
+                <a:schemeClr val="tx1"/>
+              </a:solidFill>
+              <a:effectLst/>
+              <a:latin typeface="+mn-lt"/>
+              <a:ea typeface="+mn-ea"/>
+              <a:cs typeface="+mn-cs"/>
+            </a:endParaRPr>
+          </a:p>
+        </p:txBody>
+      </p:sp>
+      <p:sp>
+        <p:nvSpPr>
+          <p:cNvPr id="4" name="Slide Number Placeholder 3"/>
+          <p:cNvSpPr>
+            <a:spLocks noGrp="1"/>
+          </p:cNvSpPr>
+          <p:nvPr>
+            <p:ph type="sldNum" sz="quarter" idx="10"/>
+          </p:nvPr>
+        </p:nvSpPr>
+        <p:spPr/>
+        <p:txBody>
+          <a:bodyPr/>
+          <a:lstStyle/>
+          <a:p>
+            <a:fld id="{2BB6E61D-7567-8F48-BCF4-B7FD38D54E94}" type="slidenum">
+              <a:rPr lang="en-US" smtClean="0"/>
+              <a:t>10</a:t>
+            </a:fld>
+            <a:endParaRPr lang="en-US"/>
+          </a:p>
+        </p:txBody>
+      </p:sp>
+    </p:spTree>
+    <p:extLst>
+      <p:ext uri="{BB962C8B-B14F-4D97-AF65-F5344CB8AC3E}">
+        <p14:creationId xmlns:p14="http://schemas.microsoft.com/office/powerpoint/2010/main" val="1602047797"/>
+      </p:ext>
+    </p:extLst>
+  </p:cSld>
+  <p:clrMapOvr>
+    <a:masterClrMapping/>
+  </p:clrMapOvr>
+</p:notes>
+</file>
+
+<file path=ppt/notesSlides/notesSlide3.xml><?xml version="1.0" encoding="utf-8"?>
+<p:notes xmlns:a="http://schemas.openxmlformats.org/drawingml/2006/main" xmlns:r="http://schemas.openxmlformats.org/officeDocument/2006/relationships" xmlns:p="http://schemas.openxmlformats.org/presentationml/2006/main">
+  <p:cSld>
+    <p:spTree>
+      <p:nvGrpSpPr>
+        <p:cNvPr id="1" name=""/>
+        <p:cNvGrpSpPr/>
+        <p:nvPr/>
+      </p:nvGrpSpPr>
+      <p:grpSpPr>
+        <a:xfrm>
+          <a:off x="0" y="0"/>
+          <a:ext cx="0" cy="0"/>
+          <a:chOff x="0" y="0"/>
+          <a:chExt cx="0" cy="0"/>
+        </a:xfrm>
+      </p:grpSpPr>
+      <p:sp>
+        <p:nvSpPr>
+          <p:cNvPr id="2" name="Slide Image Placeholder 1"/>
+          <p:cNvSpPr>
+            <a:spLocks noGrp="1" noRot="1" noChangeAspect="1"/>
+          </p:cNvSpPr>
+          <p:nvPr>
+            <p:ph type="sldImg"/>
+          </p:nvPr>
+        </p:nvSpPr>
+        <p:spPr/>
+      </p:sp>
+      <p:sp>
+        <p:nvSpPr>
+          <p:cNvPr id="3" name="Notes Placeholder 2"/>
+          <p:cNvSpPr>
+            <a:spLocks noGrp="1"/>
+          </p:cNvSpPr>
+          <p:nvPr>
+            <p:ph type="body" idx="1"/>
+          </p:nvPr>
+        </p:nvSpPr>
+        <p:spPr/>
+        <p:txBody>
+          <a:bodyPr/>
+          <a:lstStyle/>
+          <a:p>
+            <a:r>
+              <a:rPr lang="en-US" dirty="0" smtClean="0"/>
+              <a:t>2-3 </a:t>
+            </a:r>
+            <a:r>
+              <a:rPr lang="en-US" dirty="0" err="1" smtClean="0"/>
+              <a:t>std</a:t>
+            </a:r>
+            <a:r>
+              <a:rPr lang="en-US" dirty="0" smtClean="0"/>
+              <a:t> deviations -&gt; 95% to 99.7% of data.</a:t>
+            </a:r>
+          </a:p>
+          <a:p>
+            <a:endParaRPr lang="en-US" dirty="0" smtClean="0"/>
+          </a:p>
+          <a:p>
+            <a:r>
+              <a:rPr lang="en-US" dirty="0" smtClean="0"/>
+              <a:t>It</a:t>
+            </a:r>
+            <a:r>
+              <a:rPr lang="en-US" baseline="0" dirty="0" smtClean="0"/>
+              <a:t> may be possible that users who are highly mobile may not meet this threshold. User challenge-response trends (predictive indicator of whether the user will get location based challenge corrections correct) may override this threshold and bring down the restriction to 1 </a:t>
+            </a:r>
+            <a:r>
+              <a:rPr lang="en-US" baseline="0" dirty="0" err="1" smtClean="0"/>
+              <a:t>std</a:t>
+            </a:r>
+            <a:r>
+              <a:rPr lang="en-US" baseline="0" dirty="0" smtClean="0"/>
+              <a:t> deviation from the mean towards the max</a:t>
+            </a:r>
+            <a:endParaRPr lang="en-US" dirty="0"/>
+          </a:p>
+        </p:txBody>
+      </p:sp>
+      <p:sp>
+        <p:nvSpPr>
+          <p:cNvPr id="4" name="Slide Number Placeholder 3"/>
+          <p:cNvSpPr>
+            <a:spLocks noGrp="1"/>
+          </p:cNvSpPr>
+          <p:nvPr>
+            <p:ph type="sldNum" sz="quarter" idx="10"/>
+          </p:nvPr>
+        </p:nvSpPr>
+        <p:spPr/>
+        <p:txBody>
+          <a:bodyPr/>
+          <a:lstStyle/>
+          <a:p>
+            <a:fld id="{2BB6E61D-7567-8F48-BCF4-B7FD38D54E94}" type="slidenum">
+              <a:rPr lang="en-US" smtClean="0"/>
+              <a:t>14</a:t>
+            </a:fld>
+            <a:endParaRPr lang="en-US"/>
+          </a:p>
+        </p:txBody>
+      </p:sp>
+    </p:spTree>
+    <p:extLst>
+      <p:ext uri="{BB962C8B-B14F-4D97-AF65-F5344CB8AC3E}">
+        <p14:creationId xmlns:p14="http://schemas.microsoft.com/office/powerpoint/2010/main" val="1520570625"/>
+      </p:ext>
+    </p:extLst>
+  </p:cSld>
+  <p:clrMapOvr>
+    <a:masterClrMapping/>
+  </p:clrMapOvr>
+</p:notes>
 </file>
 
 <file path=ppt/slideLayouts/slideLayout1.xml><?xml version="1.0" encoding="utf-8"?>
@@ -6059,15 +6494,7 @@
           <a:p>
             <a:r>
               <a:rPr lang="en-US" b="1" dirty="0" smtClean="0"/>
-              <a:t>General </a:t>
-            </a:r>
-            <a:r>
-              <a:rPr lang="en-US" b="1" dirty="0" smtClean="0"/>
-              <a:t>Assembly - DSI </a:t>
-            </a:r>
-            <a:r>
-              <a:rPr lang="en-US" b="1" dirty="0" smtClean="0"/>
-              <a:t>Capstone Project</a:t>
+              <a:t>General Assembly - DSI Capstone Project</a:t>
             </a:r>
             <a:endParaRPr lang="en-US" b="1" dirty="0"/>
           </a:p>
@@ -6112,13 +6539,8 @@
           <a:p>
             <a:r>
               <a:rPr lang="en-US" sz="3200" b="1" dirty="0" smtClean="0"/>
-              <a:t>Aaron </a:t>
-            </a:r>
-            <a:r>
-              <a:rPr lang="en-US" sz="3200" b="1" dirty="0" smtClean="0"/>
-              <a:t>Kim</a:t>
-            </a:r>
-            <a:endParaRPr lang="en-US" sz="3200" b="1" dirty="0" smtClean="0"/>
+              <a:t>Aaron Kim</a:t>
+            </a:r>
           </a:p>
         </p:txBody>
       </p:sp>
@@ -6666,7 +7088,7 @@
           </p:nvPr>
         </p:nvPicPr>
         <p:blipFill>
-          <a:blip r:embed="rId2">
+          <a:blip r:embed="rId3">
             <a:extLst>
               <a:ext uri="{28A0092B-C50C-407E-A947-70E740481C1C}">
                 <a14:useLocalDpi xmlns:a14="http://schemas.microsoft.com/office/drawing/2010/main" val="0"/>
@@ -6900,7 +7322,7 @@
         <p:spPr>
           <a:xfrm>
             <a:off x="1141414" y="1674687"/>
-            <a:ext cx="3699527" cy="4336147"/>
+            <a:ext cx="4060506" cy="4336147"/>
           </a:xfrm>
           <a:prstGeom prst="rect">
             <a:avLst/>
@@ -7341,7 +7763,37 @@
             </a:pPr>
             <a:r>
               <a:rPr lang="en-US" sz="2800" dirty="0" smtClean="0"/>
-              <a:t>Re-plotting after using TSNE reveals definite poi, whether clustered in a particular area, or specific poi which the user appears to frequent often</a:t>
+              <a:t>TSNE suggests existence of poi</a:t>
+            </a:r>
+          </a:p>
+          <a:p>
+            <a:pPr marL="0" indent="0">
+              <a:buNone/>
+            </a:pPr>
+            <a:r>
+              <a:rPr lang="en-US" sz="2800" dirty="0" smtClean="0"/>
+              <a:t>user </a:t>
+            </a:r>
+            <a:r>
+              <a:rPr lang="en-US" sz="2800" dirty="0" smtClean="0"/>
+              <a:t>appears to frequent </a:t>
+            </a:r>
+            <a:r>
+              <a:rPr lang="en-US" sz="2800" dirty="0" smtClean="0"/>
+              <a:t>a few specific locations </a:t>
+            </a:r>
+            <a:r>
+              <a:rPr lang="en-US" sz="2800" dirty="0" smtClean="0"/>
+              <a:t>often</a:t>
+            </a:r>
+          </a:p>
+          <a:p>
+            <a:pPr marL="0" indent="0">
+              <a:buNone/>
+            </a:pPr>
+            <a:r>
+              <a:rPr lang="en-US" sz="2800" dirty="0" smtClean="0"/>
+              <a:t>(circled in red)</a:t>
             </a:r>
             <a:endParaRPr lang="en-US" sz="2800" dirty="0"/>
           </a:p>
@@ -7614,7 +8066,6 @@
               <a:rPr lang="en-US" sz="4000" dirty="0" smtClean="0"/>
               <a:t>Identify features of poi for challenge extraction</a:t>
             </a:r>
-            <a:endParaRPr lang="en-US" sz="4000" dirty="0" smtClean="0"/>
           </a:p>
         </p:txBody>
       </p:sp>
@@ -7747,7 +8198,6 @@
               <a:rPr lang="en-US" sz="3200" dirty="0" smtClean="0"/>
               <a:t>Weekday/Weekend only</a:t>
             </a:r>
-            <a:endParaRPr lang="en-US" sz="3200" dirty="0" smtClean="0"/>
           </a:p>
         </p:txBody>
       </p:sp>
@@ -7812,139 +8262,6 @@
           <a:p>
             <a:r>
               <a:rPr lang="en-US" sz="4400" b="1" dirty="0" smtClean="0"/>
-              <a:t>process</a:t>
-            </a:r>
-            <a:endParaRPr lang="en-US" sz="3600" b="1" dirty="0"/>
-          </a:p>
-        </p:txBody>
-      </p:sp>
-      <p:sp>
-        <p:nvSpPr>
-          <p:cNvPr id="3" name="Content Placeholder 2"/>
-          <p:cNvSpPr>
-            <a:spLocks noGrp="1"/>
-          </p:cNvSpPr>
-          <p:nvPr>
-            <p:ph idx="1"/>
-          </p:nvPr>
-        </p:nvSpPr>
-        <p:spPr>
-          <a:xfrm>
-            <a:off x="1141413" y="1674688"/>
-            <a:ext cx="9905998" cy="4116512"/>
-          </a:xfrm>
-        </p:spPr>
-        <p:txBody>
-          <a:bodyPr anchor="t" anchorCtr="0">
-            <a:noAutofit/>
-          </a:bodyPr>
-          <a:lstStyle/>
-          <a:p>
-            <a:pPr marL="0" indent="0">
-              <a:buNone/>
-            </a:pPr>
-            <a:r>
-              <a:rPr lang="en-US" sz="3200" dirty="0" smtClean="0"/>
-              <a:t>POI features selected:</a:t>
-            </a:r>
-          </a:p>
-          <a:p>
-            <a:pPr lvl="1"/>
-            <a:r>
-              <a:rPr lang="en-US" sz="3200" dirty="0" smtClean="0"/>
-              <a:t># of </a:t>
-            </a:r>
-            <a:r>
-              <a:rPr lang="en-US" sz="3200" dirty="0" err="1" smtClean="0"/>
-              <a:t>datapoints</a:t>
-            </a:r>
-            <a:endParaRPr lang="en-US" sz="3200" dirty="0" smtClean="0"/>
-          </a:p>
-          <a:p>
-            <a:pPr lvl="1"/>
-            <a:r>
-              <a:rPr lang="en-US" sz="3200" dirty="0" smtClean="0"/>
-              <a:t>Standard deviation (lower=better)</a:t>
-            </a:r>
-          </a:p>
-          <a:p>
-            <a:pPr lvl="1"/>
-            <a:r>
-              <a:rPr lang="en-US" sz="3200" dirty="0" smtClean="0"/>
-              <a:t>Days visited (weekday vs weekend)</a:t>
-            </a:r>
-          </a:p>
-          <a:p>
-            <a:pPr lvl="1"/>
-            <a:r>
-              <a:rPr lang="en-US" sz="3200" dirty="0" smtClean="0"/>
-              <a:t>Weekday/Weekend only</a:t>
-            </a:r>
-            <a:endParaRPr lang="en-US" sz="3200" dirty="0" smtClean="0"/>
-          </a:p>
-        </p:txBody>
-      </p:sp>
-    </p:spTree>
-    <p:extLst>
-      <p:ext uri="{BB962C8B-B14F-4D97-AF65-F5344CB8AC3E}">
-        <p14:creationId xmlns:p14="http://schemas.microsoft.com/office/powerpoint/2010/main" val="1846215655"/>
-      </p:ext>
-    </p:extLst>
-  </p:cSld>
-  <p:clrMapOvr>
-    <a:masterClrMapping/>
-  </p:clrMapOvr>
-  <p:timing>
-    <p:tnLst>
-      <p:par>
-        <p:cTn id="1" dur="indefinite" restart="never" nodeType="tmRoot"/>
-      </p:par>
-    </p:tnLst>
-  </p:timing>
-</p:sld>
-</file>
-
-<file path=ppt/slides/slide15.xml><?xml version="1.0" encoding="utf-8"?>
-<p:sld xmlns:a="http://schemas.openxmlformats.org/drawingml/2006/main" xmlns:r="http://schemas.openxmlformats.org/officeDocument/2006/relationships" xmlns:p="http://schemas.openxmlformats.org/presentationml/2006/main">
-  <p:cSld>
-    <p:spTree>
-      <p:nvGrpSpPr>
-        <p:cNvPr id="1" name=""/>
-        <p:cNvGrpSpPr/>
-        <p:nvPr/>
-      </p:nvGrpSpPr>
-      <p:grpSpPr>
-        <a:xfrm>
-          <a:off x="0" y="0"/>
-          <a:ext cx="0" cy="0"/>
-          <a:chOff x="0" y="0"/>
-          <a:chExt cx="0" cy="0"/>
-        </a:xfrm>
-      </p:grpSpPr>
-      <p:sp>
-        <p:nvSpPr>
-          <p:cNvPr id="2" name="Title 1"/>
-          <p:cNvSpPr>
-            <a:spLocks noGrp="1"/>
-          </p:cNvSpPr>
-          <p:nvPr>
-            <p:ph type="title"/>
-          </p:nvPr>
-        </p:nvSpPr>
-        <p:spPr>
-          <a:xfrm>
-            <a:off x="1141413" y="609600"/>
-            <a:ext cx="9905998" cy="767137"/>
-          </a:xfrm>
-        </p:spPr>
-        <p:txBody>
-          <a:bodyPr>
-            <a:normAutofit/>
-          </a:bodyPr>
-          <a:lstStyle/>
-          <a:p>
-            <a:r>
-              <a:rPr lang="en-US" sz="4400" b="1" dirty="0" smtClean="0"/>
               <a:t>Poi selection</a:t>
             </a:r>
             <a:endParaRPr lang="en-US" sz="3600" b="1" dirty="0"/>
@@ -7960,7 +8277,7 @@
           <p:nvPr/>
         </p:nvPicPr>
         <p:blipFill>
-          <a:blip r:embed="rId2">
+          <a:blip r:embed="rId3">
             <a:extLst>
               <a:ext uri="{28A0092B-C50C-407E-A947-70E740481C1C}">
                 <a14:useLocalDpi xmlns:a14="http://schemas.microsoft.com/office/drawing/2010/main" val="0"/>
@@ -7990,7 +8307,7 @@
           <p:nvPr/>
         </p:nvPicPr>
         <p:blipFill>
-          <a:blip r:embed="rId3">
+          <a:blip r:embed="rId4">
             <a:extLst>
               <a:ext uri="{28A0092B-C50C-407E-A947-70E740481C1C}">
                 <a14:useLocalDpi xmlns:a14="http://schemas.microsoft.com/office/drawing/2010/main" val="0"/>
@@ -8020,7 +8337,7 @@
           <p:nvPr/>
         </p:nvPicPr>
         <p:blipFill>
-          <a:blip r:embed="rId4">
+          <a:blip r:embed="rId5">
             <a:extLst>
               <a:ext uri="{28A0092B-C50C-407E-A947-70E740481C1C}">
                 <a14:useLocalDpi xmlns:a14="http://schemas.microsoft.com/office/drawing/2010/main" val="0"/>
@@ -8068,7 +8385,22 @@
             </a:pPr>
             <a:r>
               <a:rPr lang="en-US" sz="2400" dirty="0" smtClean="0"/>
-              <a:t>2. get distribution stats via the .describe() method, look for data points between 2~3 </a:t>
+              <a:t>2. get distribution stats via the .describe() method, </a:t>
+            </a:r>
+            <a:r>
+              <a:rPr lang="en-US" sz="2400" dirty="0" smtClean="0"/>
+              <a:t>look</a:t>
+            </a:r>
+            <a:br>
+              <a:rPr lang="en-US" sz="2400" dirty="0" smtClean="0"/>
+            </a:br>
+            <a:r>
+              <a:rPr lang="en-US" sz="2400" dirty="0" smtClean="0"/>
+              <a:t>    </a:t>
+            </a:r>
+            <a:r>
+              <a:rPr lang="en-US" sz="2400" dirty="0" smtClean="0"/>
+              <a:t>for data points between 2~3 </a:t>
             </a:r>
             <a:r>
               <a:rPr lang="en-US" sz="2400" dirty="0" err="1" smtClean="0"/>
@@ -8076,9 +8408,23 @@
             </a:r>
             <a:r>
               <a:rPr lang="en-US" sz="2400" dirty="0" smtClean="0"/>
-              <a:t> deviations from the mean towards the max</a:t>
-            </a:r>
-            <a:endParaRPr lang="en-US" sz="2400" dirty="0" smtClean="0"/>
+              <a:t> deviations from the </a:t>
+            </a:r>
+            <a:r>
+              <a:rPr lang="en-US" sz="2400" dirty="0" smtClean="0"/>
+              <a:t/>
+            </a:r>
+            <a:br>
+              <a:rPr lang="en-US" sz="2400" dirty="0" smtClean="0"/>
+            </a:br>
+            <a:r>
+              <a:rPr lang="en-US" sz="2400" dirty="0" smtClean="0"/>
+              <a:t>    mean </a:t>
+            </a:r>
+            <a:r>
+              <a:rPr lang="en-US" sz="2400" dirty="0" smtClean="0"/>
+              <a:t>towards the max</a:t>
+            </a:r>
           </a:p>
         </p:txBody>
       </p:sp>
@@ -8529,15 +8875,26 @@
             </a:lvl9pPr>
           </a:lstStyle>
           <a:p>
-            <a:pPr marL="0" indent="0">
+            <a:pPr marL="457200" indent="-457200">
               <a:buFont typeface="Arial"/>
-              <a:buNone/>
+              <a:buAutoNum type="arabicPeriod"/>
             </a:pPr>
             <a:r>
               <a:rPr lang="en-US" sz="2400" dirty="0" smtClean="0"/>
-              <a:t>1. After assignment of poi id (based on cluster labels), group and order by count.</a:t>
-            </a:r>
-            <a:endParaRPr lang="en-US" sz="2400" dirty="0" smtClean="0"/>
+              <a:t>After </a:t>
+            </a:r>
+            <a:r>
+              <a:rPr lang="en-US" sz="2400" dirty="0" smtClean="0"/>
+              <a:t>assignment of poi id (based on cluster labels</a:t>
+            </a:r>
+            <a:r>
+              <a:rPr lang="en-US" sz="2400" dirty="0" smtClean="0"/>
+              <a:t>),   group </a:t>
+            </a:r>
+            <a:r>
+              <a:rPr lang="en-US" sz="2400" dirty="0" smtClean="0"/>
+              <a:t>and order by count.</a:t>
+            </a:r>
           </a:p>
         </p:txBody>
       </p:sp>
@@ -8994,9 +9351,38 @@
             </a:pPr>
             <a:r>
               <a:rPr lang="en-US" sz="2400" dirty="0" smtClean="0"/>
-              <a:t>3. selected poi ids considered significant (likely to be recalled correctly) </a:t>
-            </a:r>
-            <a:endParaRPr lang="en-US" sz="2400" dirty="0" smtClean="0"/>
+              <a:t>3. selected poi ids considered </a:t>
+            </a:r>
+            <a:r>
+              <a:rPr lang="en-US" sz="2400" dirty="0" smtClean="0"/>
+              <a:t/>
+            </a:r>
+            <a:br>
+              <a:rPr lang="en-US" sz="2400" dirty="0" smtClean="0"/>
+            </a:br>
+            <a:r>
+              <a:rPr lang="en-US" sz="2400" dirty="0" smtClean="0"/>
+              <a:t>    significant </a:t>
+            </a:r>
+            <a:r>
+              <a:rPr lang="en-US" sz="2400" dirty="0" smtClean="0"/>
+              <a:t>(likely to be </a:t>
+            </a:r>
+            <a:r>
+              <a:rPr lang="en-US" sz="2400" dirty="0" smtClean="0"/>
+              <a:t>recalled</a:t>
+            </a:r>
+            <a:br>
+              <a:rPr lang="en-US" sz="2400" dirty="0" smtClean="0"/>
+            </a:br>
+            <a:r>
+              <a:rPr lang="en-US" sz="2400" dirty="0" smtClean="0"/>
+              <a:t>    </a:t>
+            </a:r>
+            <a:r>
+              <a:rPr lang="en-US" sz="2400" dirty="0" smtClean="0"/>
+              <a:t>correctly) </a:t>
+            </a:r>
           </a:p>
         </p:txBody>
       </p:sp>
@@ -9080,7 +9466,7 @@
         </p:nvCxnSpPr>
         <p:spPr>
           <a:xfrm>
-            <a:off x="8681479" y="5007779"/>
+            <a:off x="9227438" y="5007779"/>
             <a:ext cx="349623" cy="270814"/>
           </a:xfrm>
           <a:prstGeom prst="straightConnector1">
@@ -9128,7 +9514,7 @@
 </p:sld>
 </file>
 
-<file path=ppt/slides/slide16.xml><?xml version="1.0" encoding="utf-8"?>
+<file path=ppt/slides/slide15.xml><?xml version="1.0" encoding="utf-8"?>
 <p:sld xmlns:a="http://schemas.openxmlformats.org/drawingml/2006/main" xmlns:r="http://schemas.openxmlformats.org/officeDocument/2006/relationships" xmlns:p="http://schemas.openxmlformats.org/presentationml/2006/main">
   <p:cSld>
     <p:spTree>
@@ -9249,7 +9635,6 @@
               <a:rPr lang="en-US" sz="3200" dirty="0" smtClean="0"/>
               <a:t>Given that the location data is based on my own location history, I can verify that these locations are significant</a:t>
             </a:r>
-            <a:endParaRPr lang="en-US" sz="3200" dirty="0" smtClean="0"/>
           </a:p>
         </p:txBody>
       </p:sp>
@@ -9273,7 +9658,7 @@
 </p:sld>
 </file>
 
-<file path=ppt/slides/slide17.xml><?xml version="1.0" encoding="utf-8"?>
+<file path=ppt/slides/slide16.xml><?xml version="1.0" encoding="utf-8"?>
 <p:sld xmlns:a="http://schemas.openxmlformats.org/drawingml/2006/main" xmlns:r="http://schemas.openxmlformats.org/officeDocument/2006/relationships" xmlns:p="http://schemas.openxmlformats.org/presentationml/2006/main">
   <p:cSld>
     <p:spTree>
@@ -9547,7 +9932,6 @@
               <a:rPr lang="en-US" sz="3200" dirty="0" smtClean="0"/>
               <a:t>How do we narrow down our challenge from the set of significant poi?</a:t>
             </a:r>
-            <a:endParaRPr lang="en-US" sz="3200" dirty="0" smtClean="0"/>
           </a:p>
         </p:txBody>
       </p:sp>
@@ -9856,7 +10240,7 @@
 </p:sld>
 </file>
 
-<file path=ppt/slides/slide18.xml><?xml version="1.0" encoding="utf-8"?>
+<file path=ppt/slides/slide17.xml><?xml version="1.0" encoding="utf-8"?>
 <p:sld xmlns:a="http://schemas.openxmlformats.org/drawingml/2006/main" xmlns:r="http://schemas.openxmlformats.org/officeDocument/2006/relationships" xmlns:p="http://schemas.openxmlformats.org/presentationml/2006/main">
   <p:cSld>
     <p:spTree>
@@ -10075,6 +10459,114 @@
 </p:sld>
 </file>
 
+<file path=ppt/slides/slide18.xml><?xml version="1.0" encoding="utf-8"?>
+<p:sld xmlns:a="http://schemas.openxmlformats.org/drawingml/2006/main" xmlns:r="http://schemas.openxmlformats.org/officeDocument/2006/relationships" xmlns:p="http://schemas.openxmlformats.org/presentationml/2006/main">
+  <p:cSld>
+    <p:spTree>
+      <p:nvGrpSpPr>
+        <p:cNvPr id="1" name=""/>
+        <p:cNvGrpSpPr/>
+        <p:nvPr/>
+      </p:nvGrpSpPr>
+      <p:grpSpPr>
+        <a:xfrm>
+          <a:off x="0" y="0"/>
+          <a:ext cx="0" cy="0"/>
+          <a:chOff x="0" y="0"/>
+          <a:chExt cx="0" cy="0"/>
+        </a:xfrm>
+      </p:grpSpPr>
+      <p:sp>
+        <p:nvSpPr>
+          <p:cNvPr id="2" name="Title 1"/>
+          <p:cNvSpPr>
+            <a:spLocks noGrp="1"/>
+          </p:cNvSpPr>
+          <p:nvPr>
+            <p:ph type="title"/>
+          </p:nvPr>
+        </p:nvSpPr>
+        <p:spPr>
+          <a:xfrm>
+            <a:off x="1141413" y="609600"/>
+            <a:ext cx="9905998" cy="767137"/>
+          </a:xfrm>
+        </p:spPr>
+        <p:txBody>
+          <a:bodyPr>
+            <a:normAutofit/>
+          </a:bodyPr>
+          <a:lstStyle/>
+          <a:p>
+            <a:r>
+              <a:rPr lang="en-US" sz="4400" b="1" dirty="0" smtClean="0"/>
+              <a:t>DEMO</a:t>
+            </a:r>
+            <a:endParaRPr lang="en-US" sz="3600" b="1" dirty="0"/>
+          </a:p>
+        </p:txBody>
+      </p:sp>
+      <p:sp>
+        <p:nvSpPr>
+          <p:cNvPr id="3" name="Content Placeholder 2"/>
+          <p:cNvSpPr>
+            <a:spLocks noGrp="1"/>
+          </p:cNvSpPr>
+          <p:nvPr>
+            <p:ph idx="1"/>
+          </p:nvPr>
+        </p:nvSpPr>
+        <p:spPr>
+          <a:xfrm>
+            <a:off x="1141413" y="1674688"/>
+            <a:ext cx="9905998" cy="4116512"/>
+          </a:xfrm>
+        </p:spPr>
+        <p:txBody>
+          <a:bodyPr anchor="t" anchorCtr="0">
+            <a:noAutofit/>
+          </a:bodyPr>
+          <a:lstStyle/>
+          <a:p>
+            <a:r>
+              <a:rPr lang="en-US" sz="4000" dirty="0" smtClean="0"/>
+              <a:t>Not limited to a single answer</a:t>
+            </a:r>
+          </a:p>
+          <a:p>
+            <a:r>
+              <a:rPr lang="en-US" sz="4000" dirty="0" smtClean="0"/>
+              <a:t>Challenge questions and responses are meaningful only to the user</a:t>
+            </a:r>
+          </a:p>
+          <a:p>
+            <a:r>
+              <a:rPr lang="en-US" sz="4000" dirty="0" smtClean="0"/>
+              <a:t>Challenge responses will change depending on user behavior</a:t>
+            </a:r>
+          </a:p>
+        </p:txBody>
+      </p:sp>
+    </p:spTree>
+    <p:extLst>
+      <p:ext uri="{BB962C8B-B14F-4D97-AF65-F5344CB8AC3E}">
+        <p14:creationId xmlns:p14="http://schemas.microsoft.com/office/powerpoint/2010/main" val="647952235"/>
+      </p:ext>
+    </p:extLst>
+  </p:cSld>
+  <p:clrMapOvr>
+    <a:masterClrMapping/>
+  </p:clrMapOvr>
+  <p:timing>
+    <p:tnLst>
+      <p:par>
+        <p:cTn id="1" dur="indefinite" restart="never" nodeType="tmRoot"/>
+      </p:par>
+    </p:tnLst>
+  </p:timing>
+</p:sld>
+</file>
+
 <file path=ppt/slides/slide19.xml><?xml version="1.0" encoding="utf-8"?>
 <p:sld xmlns:a="http://schemas.openxmlformats.org/drawingml/2006/main" xmlns:r="http://schemas.openxmlformats.org/officeDocument/2006/relationships" xmlns:p="http://schemas.openxmlformats.org/presentationml/2006/main">
   <p:cSld>
@@ -10102,72 +10594,23 @@
             <p:ph type="title"/>
           </p:nvPr>
         </p:nvSpPr>
-        <p:spPr>
-          <a:xfrm>
-            <a:off x="1141413" y="609600"/>
-            <a:ext cx="9905998" cy="767137"/>
-          </a:xfrm>
-        </p:spPr>
-        <p:txBody>
-          <a:bodyPr>
-            <a:normAutofit/>
-          </a:bodyPr>
+        <p:spPr/>
+        <p:txBody>
+          <a:bodyPr/>
           <a:lstStyle/>
           <a:p>
             <a:r>
-              <a:rPr lang="en-US" sz="4400" b="1" dirty="0" smtClean="0"/>
-              <a:t>DEMO</a:t>
-            </a:r>
-            <a:endParaRPr lang="en-US" sz="3600" b="1" dirty="0"/>
-          </a:p>
-        </p:txBody>
-      </p:sp>
-      <p:sp>
-        <p:nvSpPr>
-          <p:cNvPr id="3" name="Content Placeholder 2"/>
-          <p:cNvSpPr>
-            <a:spLocks noGrp="1"/>
-          </p:cNvSpPr>
-          <p:nvPr>
-            <p:ph idx="1"/>
-          </p:nvPr>
-        </p:nvSpPr>
-        <p:spPr>
-          <a:xfrm>
-            <a:off x="1141413" y="1674688"/>
-            <a:ext cx="9905998" cy="4116512"/>
-          </a:xfrm>
-        </p:spPr>
-        <p:txBody>
-          <a:bodyPr anchor="t" anchorCtr="0">
-            <a:noAutofit/>
-          </a:bodyPr>
-          <a:lstStyle/>
-          <a:p>
-            <a:r>
-              <a:rPr lang="en-US" sz="4000" dirty="0" smtClean="0"/>
-              <a:t>Not limited to a single answer</a:t>
-            </a:r>
-          </a:p>
-          <a:p>
-            <a:r>
-              <a:rPr lang="en-US" sz="4000" dirty="0" smtClean="0"/>
-              <a:t>Challenge questions and responses are meaningful only to the user</a:t>
-            </a:r>
-          </a:p>
-          <a:p>
-            <a:r>
-              <a:rPr lang="en-US" sz="4000" dirty="0" smtClean="0"/>
-              <a:t>Challenge responses will change depending on user behavior</a:t>
-            </a:r>
-            <a:endParaRPr lang="en-US" sz="4000" dirty="0" smtClean="0"/>
+              <a:rPr lang="en-US" dirty="0" smtClean="0"/>
+              <a:t>Thank You</a:t>
+            </a:r>
+            <a:endParaRPr lang="en-US" dirty="0"/>
           </a:p>
         </p:txBody>
       </p:sp>
     </p:spTree>
     <p:extLst>
       <p:ext uri="{BB962C8B-B14F-4D97-AF65-F5344CB8AC3E}">
-        <p14:creationId xmlns:p14="http://schemas.microsoft.com/office/powerpoint/2010/main" val="647952235"/>
+        <p14:creationId xmlns:p14="http://schemas.microsoft.com/office/powerpoint/2010/main" val="2083541145"/>
       </p:ext>
     </p:extLst>
   </p:cSld>
@@ -10363,1225 +10806,6 @@
 </p:sld>
 </file>
 
-<file path=ppt/slides/slide20.xml><?xml version="1.0" encoding="utf-8"?>
-<p:sld xmlns:a="http://schemas.openxmlformats.org/drawingml/2006/main" xmlns:r="http://schemas.openxmlformats.org/officeDocument/2006/relationships" xmlns:p="http://schemas.openxmlformats.org/presentationml/2006/main">
-  <p:cSld>
-    <p:spTree>
-      <p:nvGrpSpPr>
-        <p:cNvPr id="1" name=""/>
-        <p:cNvGrpSpPr/>
-        <p:nvPr/>
-      </p:nvGrpSpPr>
-      <p:grpSpPr>
-        <a:xfrm>
-          <a:off x="0" y="0"/>
-          <a:ext cx="0" cy="0"/>
-          <a:chOff x="0" y="0"/>
-          <a:chExt cx="0" cy="0"/>
-        </a:xfrm>
-      </p:grpSpPr>
-      <p:sp>
-        <p:nvSpPr>
-          <p:cNvPr id="2" name="Cloud 1"/>
-          <p:cNvSpPr/>
-          <p:nvPr/>
-        </p:nvSpPr>
-        <p:spPr>
-          <a:xfrm>
-            <a:off x="7136179" y="824579"/>
-            <a:ext cx="1642660" cy="1050611"/>
-          </a:xfrm>
-          <a:prstGeom prst="cloud">
-            <a:avLst/>
-          </a:prstGeom>
-          <a:solidFill>
-            <a:schemeClr val="tx2"/>
-          </a:solidFill>
-        </p:spPr>
-        <p:style>
-          <a:lnRef idx="2">
-            <a:schemeClr val="accent1">
-              <a:shade val="50000"/>
-            </a:schemeClr>
-          </a:lnRef>
-          <a:fillRef idx="1">
-            <a:schemeClr val="accent1"/>
-          </a:fillRef>
-          <a:effectRef idx="0">
-            <a:schemeClr val="accent1"/>
-          </a:effectRef>
-          <a:fontRef idx="minor">
-            <a:schemeClr val="lt1"/>
-          </a:fontRef>
-        </p:style>
-        <p:txBody>
-          <a:bodyPr rtlCol="0" anchor="ctr"/>
-          <a:lstStyle/>
-          <a:p>
-            <a:pPr algn="ctr"/>
-            <a:r>
-              <a:rPr lang="en-US" dirty="0" smtClean="0">
-                <a:solidFill>
-                  <a:schemeClr val="bg1"/>
-                </a:solidFill>
-              </a:rPr>
-              <a:t>User</a:t>
-            </a:r>
-          </a:p>
-          <a:p>
-            <a:pPr algn="ctr"/>
-            <a:r>
-              <a:rPr lang="en-US" dirty="0" smtClean="0">
-                <a:solidFill>
-                  <a:schemeClr val="bg1"/>
-                </a:solidFill>
-              </a:rPr>
-              <a:t>Activity</a:t>
-            </a:r>
-            <a:endParaRPr lang="en-US" dirty="0">
-              <a:solidFill>
-                <a:schemeClr val="bg1"/>
-              </a:solidFill>
-            </a:endParaRPr>
-          </a:p>
-        </p:txBody>
-      </p:sp>
-      <p:sp>
-        <p:nvSpPr>
-          <p:cNvPr id="3" name="Can 2"/>
-          <p:cNvSpPr/>
-          <p:nvPr/>
-        </p:nvSpPr>
-        <p:spPr>
-          <a:xfrm>
-            <a:off x="9501598" y="844660"/>
-            <a:ext cx="1357745" cy="1427018"/>
-          </a:xfrm>
-          <a:prstGeom prst="can">
-            <a:avLst/>
-          </a:prstGeom>
-          <a:solidFill>
-            <a:schemeClr val="tx2"/>
-          </a:solidFill>
-        </p:spPr>
-        <p:style>
-          <a:lnRef idx="2">
-            <a:schemeClr val="accent1">
-              <a:shade val="50000"/>
-            </a:schemeClr>
-          </a:lnRef>
-          <a:fillRef idx="1">
-            <a:schemeClr val="accent1"/>
-          </a:fillRef>
-          <a:effectRef idx="0">
-            <a:schemeClr val="accent1"/>
-          </a:effectRef>
-          <a:fontRef idx="minor">
-            <a:schemeClr val="lt1"/>
-          </a:fontRef>
-        </p:style>
-        <p:txBody>
-          <a:bodyPr rtlCol="0" anchor="ctr"/>
-          <a:lstStyle/>
-          <a:p>
-            <a:pPr algn="ctr"/>
-            <a:r>
-              <a:rPr lang="en-US" dirty="0" smtClean="0">
-                <a:solidFill>
-                  <a:schemeClr val="bg1"/>
-                </a:solidFill>
-              </a:rPr>
-              <a:t>User</a:t>
-            </a:r>
-          </a:p>
-          <a:p>
-            <a:pPr algn="ctr"/>
-            <a:r>
-              <a:rPr lang="en-US" dirty="0" smtClean="0">
-                <a:solidFill>
-                  <a:schemeClr val="bg1"/>
-                </a:solidFill>
-              </a:rPr>
-              <a:t>Data</a:t>
-            </a:r>
-            <a:endParaRPr lang="en-US" dirty="0">
-              <a:solidFill>
-                <a:schemeClr val="bg1"/>
-              </a:solidFill>
-            </a:endParaRPr>
-          </a:p>
-        </p:txBody>
-      </p:sp>
-      <p:grpSp>
-        <p:nvGrpSpPr>
-          <p:cNvPr id="16" name="Group 15"/>
-          <p:cNvGrpSpPr/>
-          <p:nvPr/>
-        </p:nvGrpSpPr>
-        <p:grpSpPr>
-          <a:xfrm>
-            <a:off x="6483325" y="3228190"/>
-            <a:ext cx="4376018" cy="3030096"/>
-            <a:chOff x="802961" y="849175"/>
-            <a:chExt cx="4376018" cy="3030096"/>
-          </a:xfrm>
-        </p:grpSpPr>
-        <p:sp>
-          <p:nvSpPr>
-            <p:cNvPr id="6" name="TextBox 5"/>
-            <p:cNvSpPr txBox="1"/>
-            <p:nvPr/>
-          </p:nvSpPr>
-          <p:spPr>
-            <a:xfrm>
-              <a:off x="802961" y="849175"/>
-              <a:ext cx="4376018" cy="3030096"/>
-            </a:xfrm>
-            <a:prstGeom prst="rect">
-              <a:avLst/>
-            </a:prstGeom>
-            <a:solidFill>
-              <a:schemeClr val="tx2"/>
-            </a:solidFill>
-          </p:spPr>
-          <p:txBody>
-            <a:bodyPr wrap="square" rtlCol="0">
-              <a:noAutofit/>
-            </a:bodyPr>
-            <a:lstStyle/>
-            <a:p>
-              <a:endParaRPr lang="en-US"/>
-            </a:p>
-          </p:txBody>
-        </p:sp>
-        <p:sp>
-          <p:nvSpPr>
-            <p:cNvPr id="8" name="TextBox 7"/>
-            <p:cNvSpPr txBox="1"/>
-            <p:nvPr/>
-          </p:nvSpPr>
-          <p:spPr>
-            <a:xfrm>
-              <a:off x="3098475" y="1189382"/>
-              <a:ext cx="1723359" cy="2375754"/>
-            </a:xfrm>
-            <a:prstGeom prst="rect">
-              <a:avLst/>
-            </a:prstGeom>
-            <a:noFill/>
-            <a:ln>
-              <a:solidFill>
-                <a:schemeClr val="bg1"/>
-              </a:solidFill>
-            </a:ln>
-          </p:spPr>
-          <p:txBody>
-            <a:bodyPr wrap="square" rtlCol="0" anchor="ctr" anchorCtr="0">
-              <a:noAutofit/>
-            </a:bodyPr>
-            <a:lstStyle/>
-            <a:p>
-              <a:pPr algn="ctr"/>
-              <a:r>
-                <a:rPr lang="en-US" dirty="0" smtClean="0">
-                  <a:solidFill>
-                    <a:schemeClr val="bg1"/>
-                  </a:solidFill>
-                </a:rPr>
-                <a:t>Data Processing</a:t>
-              </a:r>
-            </a:p>
-          </p:txBody>
-        </p:sp>
-        <p:sp>
-          <p:nvSpPr>
-            <p:cNvPr id="10" name="TextBox 9"/>
-            <p:cNvSpPr txBox="1"/>
-            <p:nvPr/>
-          </p:nvSpPr>
-          <p:spPr>
-            <a:xfrm>
-              <a:off x="1141501" y="1166190"/>
-              <a:ext cx="1723358" cy="2398945"/>
-            </a:xfrm>
-            <a:prstGeom prst="rect">
-              <a:avLst/>
-            </a:prstGeom>
-            <a:noFill/>
-            <a:ln>
-              <a:solidFill>
-                <a:schemeClr val="bg1"/>
-              </a:solidFill>
-            </a:ln>
-          </p:spPr>
-          <p:txBody>
-            <a:bodyPr wrap="square" rtlCol="0" anchor="ctr" anchorCtr="0">
-              <a:noAutofit/>
-            </a:bodyPr>
-            <a:lstStyle/>
-            <a:p>
-              <a:pPr algn="ctr"/>
-              <a:r>
-                <a:rPr lang="en-US" dirty="0" smtClean="0">
-                  <a:solidFill>
-                    <a:schemeClr val="bg1"/>
-                  </a:solidFill>
-                </a:rPr>
-                <a:t>API</a:t>
-              </a:r>
-              <a:endParaRPr lang="en-US" dirty="0">
-                <a:solidFill>
-                  <a:schemeClr val="bg1"/>
-                </a:solidFill>
-              </a:endParaRPr>
-            </a:p>
-          </p:txBody>
-        </p:sp>
-      </p:grpSp>
-      <p:sp>
-        <p:nvSpPr>
-          <p:cNvPr id="14" name="Oval 13"/>
-          <p:cNvSpPr/>
-          <p:nvPr/>
-        </p:nvSpPr>
-        <p:spPr>
-          <a:xfrm>
-            <a:off x="826330" y="1875190"/>
-            <a:ext cx="1884218" cy="1052946"/>
-          </a:xfrm>
-          <a:prstGeom prst="ellipse">
-            <a:avLst/>
-          </a:prstGeom>
-          <a:solidFill>
-            <a:schemeClr val="tx2"/>
-          </a:solidFill>
-        </p:spPr>
-        <p:style>
-          <a:lnRef idx="2">
-            <a:schemeClr val="accent1">
-              <a:shade val="50000"/>
-            </a:schemeClr>
-          </a:lnRef>
-          <a:fillRef idx="1">
-            <a:schemeClr val="accent1"/>
-          </a:fillRef>
-          <a:effectRef idx="0">
-            <a:schemeClr val="accent1"/>
-          </a:effectRef>
-          <a:fontRef idx="minor">
-            <a:schemeClr val="lt1"/>
-          </a:fontRef>
-        </p:style>
-        <p:txBody>
-          <a:bodyPr tIns="0" rtlCol="0" anchor="ctr"/>
-          <a:lstStyle/>
-          <a:p>
-            <a:pPr algn="ctr"/>
-            <a:r>
-              <a:rPr lang="en-US" dirty="0" smtClean="0">
-                <a:solidFill>
-                  <a:schemeClr val="bg1"/>
-                </a:solidFill>
-              </a:rPr>
-              <a:t>Initiate</a:t>
-            </a:r>
-          </a:p>
-          <a:p>
-            <a:pPr algn="ctr"/>
-            <a:r>
-              <a:rPr lang="en-US" dirty="0" err="1" smtClean="0">
-                <a:solidFill>
-                  <a:schemeClr val="bg1"/>
-                </a:solidFill>
-              </a:rPr>
-              <a:t>Auth</a:t>
-            </a:r>
-            <a:r>
-              <a:rPr lang="en-US" dirty="0" smtClean="0">
-                <a:solidFill>
-                  <a:schemeClr val="bg1"/>
-                </a:solidFill>
-              </a:rPr>
-              <a:t> Req.</a:t>
-            </a:r>
-            <a:endParaRPr lang="en-US" dirty="0">
-              <a:solidFill>
-                <a:schemeClr val="bg1"/>
-              </a:solidFill>
-            </a:endParaRPr>
-          </a:p>
-        </p:txBody>
-      </p:sp>
-      <p:sp>
-        <p:nvSpPr>
-          <p:cNvPr id="17" name="Diamond 16"/>
-          <p:cNvSpPr/>
-          <p:nvPr/>
-        </p:nvSpPr>
-        <p:spPr>
-          <a:xfrm>
-            <a:off x="850810" y="3515568"/>
-            <a:ext cx="2427813" cy="1514742"/>
-          </a:xfrm>
-          <a:prstGeom prst="diamond">
-            <a:avLst/>
-          </a:prstGeom>
-          <a:solidFill>
-            <a:schemeClr val="tx2"/>
-          </a:solidFill>
-        </p:spPr>
-        <p:style>
-          <a:lnRef idx="2">
-            <a:schemeClr val="accent1">
-              <a:shade val="50000"/>
-            </a:schemeClr>
-          </a:lnRef>
-          <a:fillRef idx="1">
-            <a:schemeClr val="accent1"/>
-          </a:fillRef>
-          <a:effectRef idx="0">
-            <a:schemeClr val="accent1"/>
-          </a:effectRef>
-          <a:fontRef idx="minor">
-            <a:schemeClr val="lt1"/>
-          </a:fontRef>
-        </p:style>
-        <p:txBody>
-          <a:bodyPr rtlCol="0" anchor="ctr"/>
-          <a:lstStyle/>
-          <a:p>
-            <a:pPr algn="ctr"/>
-            <a:r>
-              <a:rPr lang="en-US" smtClean="0">
-                <a:solidFill>
-                  <a:schemeClr val="bg1"/>
-                </a:solidFill>
-              </a:rPr>
-              <a:t>Pass/Fail</a:t>
-            </a:r>
-            <a:endParaRPr lang="en-US">
-              <a:solidFill>
-                <a:schemeClr val="bg1"/>
-              </a:solidFill>
-            </a:endParaRPr>
-          </a:p>
-        </p:txBody>
-      </p:sp>
-      <p:sp>
-        <p:nvSpPr>
-          <p:cNvPr id="18" name="Rectangle 17"/>
-          <p:cNvSpPr/>
-          <p:nvPr/>
-        </p:nvSpPr>
-        <p:spPr>
-          <a:xfrm>
-            <a:off x="3380417" y="2062226"/>
-            <a:ext cx="1987976" cy="662245"/>
-          </a:xfrm>
-          <a:prstGeom prst="rect">
-            <a:avLst/>
-          </a:prstGeom>
-          <a:solidFill>
-            <a:schemeClr val="tx2"/>
-          </a:solidFill>
-        </p:spPr>
-        <p:style>
-          <a:lnRef idx="2">
-            <a:schemeClr val="accent1">
-              <a:shade val="50000"/>
-            </a:schemeClr>
-          </a:lnRef>
-          <a:fillRef idx="1">
-            <a:schemeClr val="accent1"/>
-          </a:fillRef>
-          <a:effectRef idx="0">
-            <a:schemeClr val="accent1"/>
-          </a:effectRef>
-          <a:fontRef idx="minor">
-            <a:schemeClr val="lt1"/>
-          </a:fontRef>
-        </p:style>
-        <p:txBody>
-          <a:bodyPr rtlCol="0" anchor="ctr"/>
-          <a:lstStyle/>
-          <a:p>
-            <a:pPr algn="ctr"/>
-            <a:r>
-              <a:rPr lang="en-US" smtClean="0">
-                <a:solidFill>
-                  <a:schemeClr val="bg1"/>
-                </a:solidFill>
-              </a:rPr>
-              <a:t>Pull Challenge</a:t>
-            </a:r>
-            <a:endParaRPr lang="en-US">
-              <a:solidFill>
-                <a:schemeClr val="bg1"/>
-              </a:solidFill>
-            </a:endParaRPr>
-          </a:p>
-        </p:txBody>
-      </p:sp>
-      <p:cxnSp>
-        <p:nvCxnSpPr>
-          <p:cNvPr id="21" name="Elbow Connector 20"/>
-          <p:cNvCxnSpPr>
-            <a:endCxn id="10" idx="0"/>
-          </p:cNvCxnSpPr>
-          <p:nvPr/>
-        </p:nvCxnSpPr>
-        <p:spPr>
-          <a:xfrm>
-            <a:off x="5401336" y="2231942"/>
-            <a:ext cx="2282208" cy="1313263"/>
-          </a:xfrm>
-          <a:prstGeom prst="bentConnector2">
-            <a:avLst/>
-          </a:prstGeom>
-          <a:ln w="57150" cmpd="sng">
-            <a:solidFill>
-              <a:srgbClr val="0070C0"/>
-            </a:solidFill>
-            <a:headEnd type="none"/>
-            <a:tailEnd type="triangle"/>
-          </a:ln>
-        </p:spPr>
-        <p:style>
-          <a:lnRef idx="1">
-            <a:schemeClr val="accent1"/>
-          </a:lnRef>
-          <a:fillRef idx="0">
-            <a:schemeClr val="accent1"/>
-          </a:fillRef>
-          <a:effectRef idx="0">
-            <a:schemeClr val="accent1"/>
-          </a:effectRef>
-          <a:fontRef idx="minor">
-            <a:schemeClr val="tx1"/>
-          </a:fontRef>
-        </p:style>
-      </p:cxnSp>
-      <p:cxnSp>
-        <p:nvCxnSpPr>
-          <p:cNvPr id="28" name="Elbow Connector 27"/>
-          <p:cNvCxnSpPr/>
-          <p:nvPr/>
-        </p:nvCxnSpPr>
-        <p:spPr>
-          <a:xfrm>
-            <a:off x="5368393" y="2540669"/>
-            <a:ext cx="1453472" cy="1698544"/>
-          </a:xfrm>
-          <a:prstGeom prst="bentConnector3">
-            <a:avLst>
-              <a:gd name="adj1" fmla="val 50000"/>
-            </a:avLst>
-          </a:prstGeom>
-          <a:ln w="57150" cmpd="sng">
-            <a:solidFill>
-              <a:srgbClr val="0070C0"/>
-            </a:solidFill>
-            <a:headEnd type="triangle"/>
-            <a:tailEnd type="none"/>
-          </a:ln>
-        </p:spPr>
-        <p:style>
-          <a:lnRef idx="1">
-            <a:schemeClr val="accent1"/>
-          </a:lnRef>
-          <a:fillRef idx="0">
-            <a:schemeClr val="accent1"/>
-          </a:fillRef>
-          <a:effectRef idx="0">
-            <a:schemeClr val="accent1"/>
-          </a:effectRef>
-          <a:fontRef idx="minor">
-            <a:schemeClr val="tx1"/>
-          </a:fontRef>
-        </p:style>
-      </p:cxnSp>
-      <p:cxnSp>
-        <p:nvCxnSpPr>
-          <p:cNvPr id="34" name="Straight Arrow Connector 33"/>
-          <p:cNvCxnSpPr>
-            <a:stCxn id="18" idx="2"/>
-            <a:endCxn id="17" idx="0"/>
-          </p:cNvCxnSpPr>
-          <p:nvPr/>
-        </p:nvCxnSpPr>
-        <p:spPr>
-          <a:xfrm flipH="1">
-            <a:off x="2064717" y="2724471"/>
-            <a:ext cx="2309688" cy="791097"/>
-          </a:xfrm>
-          <a:prstGeom prst="straightConnector1">
-            <a:avLst/>
-          </a:prstGeom>
-          <a:ln w="50800">
-            <a:solidFill>
-              <a:schemeClr val="tx2"/>
-            </a:solidFill>
-            <a:tailEnd type="triangle"/>
-          </a:ln>
-        </p:spPr>
-        <p:style>
-          <a:lnRef idx="1">
-            <a:schemeClr val="accent1"/>
-          </a:lnRef>
-          <a:fillRef idx="0">
-            <a:schemeClr val="accent1"/>
-          </a:fillRef>
-          <a:effectRef idx="0">
-            <a:schemeClr val="accent1"/>
-          </a:effectRef>
-          <a:fontRef idx="minor">
-            <a:schemeClr val="tx1"/>
-          </a:fontRef>
-        </p:style>
-      </p:cxnSp>
-      <p:cxnSp>
-        <p:nvCxnSpPr>
-          <p:cNvPr id="36" name="Straight Arrow Connector 35"/>
-          <p:cNvCxnSpPr>
-            <a:stCxn id="14" idx="6"/>
-            <a:endCxn id="18" idx="1"/>
-          </p:cNvCxnSpPr>
-          <p:nvPr/>
-        </p:nvCxnSpPr>
-        <p:spPr>
-          <a:xfrm flipV="1">
-            <a:off x="2710548" y="2393349"/>
-            <a:ext cx="669869" cy="8314"/>
-          </a:xfrm>
-          <a:prstGeom prst="straightConnector1">
-            <a:avLst/>
-          </a:prstGeom>
-          <a:ln w="50800">
-            <a:solidFill>
-              <a:schemeClr val="tx2"/>
-            </a:solidFill>
-            <a:tailEnd type="triangle"/>
-          </a:ln>
-        </p:spPr>
-        <p:style>
-          <a:lnRef idx="1">
-            <a:schemeClr val="accent1"/>
-          </a:lnRef>
-          <a:fillRef idx="0">
-            <a:schemeClr val="accent1"/>
-          </a:fillRef>
-          <a:effectRef idx="0">
-            <a:schemeClr val="accent1"/>
-          </a:effectRef>
-          <a:fontRef idx="minor">
-            <a:schemeClr val="tx1"/>
-          </a:fontRef>
-        </p:style>
-      </p:cxnSp>
-      <p:cxnSp>
-        <p:nvCxnSpPr>
-          <p:cNvPr id="38" name="Straight Arrow Connector 37"/>
-          <p:cNvCxnSpPr>
-            <a:stCxn id="2" idx="0"/>
-          </p:cNvCxnSpPr>
-          <p:nvPr/>
-        </p:nvCxnSpPr>
-        <p:spPr>
-          <a:xfrm>
-            <a:off x="8777470" y="1349885"/>
-            <a:ext cx="724128" cy="26852"/>
-          </a:xfrm>
-          <a:prstGeom prst="straightConnector1">
-            <a:avLst/>
-          </a:prstGeom>
-          <a:ln w="50800">
-            <a:solidFill>
-              <a:schemeClr val="tx2"/>
-            </a:solidFill>
-            <a:tailEnd type="triangle"/>
-          </a:ln>
-        </p:spPr>
-        <p:style>
-          <a:lnRef idx="1">
-            <a:schemeClr val="accent1"/>
-          </a:lnRef>
-          <a:fillRef idx="0">
-            <a:schemeClr val="accent1"/>
-          </a:fillRef>
-          <a:effectRef idx="0">
-            <a:schemeClr val="accent1"/>
-          </a:effectRef>
-          <a:fontRef idx="minor">
-            <a:schemeClr val="tx1"/>
-          </a:fontRef>
-        </p:style>
-      </p:cxnSp>
-      <p:cxnSp>
-        <p:nvCxnSpPr>
-          <p:cNvPr id="40" name="Straight Arrow Connector 39"/>
-          <p:cNvCxnSpPr>
-            <a:stCxn id="3" idx="3"/>
-          </p:cNvCxnSpPr>
-          <p:nvPr/>
-        </p:nvCxnSpPr>
-        <p:spPr>
-          <a:xfrm>
-            <a:off x="10180471" y="2271678"/>
-            <a:ext cx="16474" cy="956512"/>
-          </a:xfrm>
-          <a:prstGeom prst="straightConnector1">
-            <a:avLst/>
-          </a:prstGeom>
-          <a:ln w="50800">
-            <a:solidFill>
-              <a:schemeClr val="tx2"/>
-            </a:solidFill>
-            <a:tailEnd type="triangle"/>
-          </a:ln>
-        </p:spPr>
-        <p:style>
-          <a:lnRef idx="1">
-            <a:schemeClr val="accent1"/>
-          </a:lnRef>
-          <a:fillRef idx="0">
-            <a:schemeClr val="accent1"/>
-          </a:fillRef>
-          <a:effectRef idx="0">
-            <a:schemeClr val="accent1"/>
-          </a:effectRef>
-          <a:fontRef idx="minor">
-            <a:schemeClr val="tx1"/>
-          </a:fontRef>
-        </p:style>
-      </p:cxnSp>
-      <p:sp>
-        <p:nvSpPr>
-          <p:cNvPr id="48" name="Rectangle 47"/>
-          <p:cNvSpPr/>
-          <p:nvPr/>
-        </p:nvSpPr>
-        <p:spPr>
-          <a:xfrm>
-            <a:off x="4028374" y="3568286"/>
-            <a:ext cx="1593272" cy="1468582"/>
-          </a:xfrm>
-          <a:prstGeom prst="rect">
-            <a:avLst/>
-          </a:prstGeom>
-          <a:solidFill>
-            <a:schemeClr val="tx2"/>
-          </a:solidFill>
-        </p:spPr>
-        <p:style>
-          <a:lnRef idx="2">
-            <a:schemeClr val="accent1">
-              <a:shade val="50000"/>
-            </a:schemeClr>
-          </a:lnRef>
-          <a:fillRef idx="1">
-            <a:schemeClr val="accent1"/>
-          </a:fillRef>
-          <a:effectRef idx="0">
-            <a:schemeClr val="accent1"/>
-          </a:effectRef>
-          <a:fontRef idx="minor">
-            <a:schemeClr val="lt1"/>
-          </a:fontRef>
-        </p:style>
-        <p:txBody>
-          <a:bodyPr rtlCol="0" anchor="ctr"/>
-          <a:lstStyle/>
-          <a:p>
-            <a:pPr algn="ctr"/>
-            <a:r>
-              <a:rPr lang="en-US" dirty="0" smtClean="0">
-                <a:solidFill>
-                  <a:schemeClr val="bg1"/>
-                </a:solidFill>
-              </a:rPr>
-              <a:t>Feedback and Pull new Challenge</a:t>
-            </a:r>
-            <a:endParaRPr lang="en-US" dirty="0">
-              <a:solidFill>
-                <a:schemeClr val="bg1"/>
-              </a:solidFill>
-            </a:endParaRPr>
-          </a:p>
-        </p:txBody>
-      </p:sp>
-      <p:cxnSp>
-        <p:nvCxnSpPr>
-          <p:cNvPr id="51" name="Straight Arrow Connector 50"/>
-          <p:cNvCxnSpPr>
-            <a:stCxn id="17" idx="3"/>
-            <a:endCxn id="48" idx="1"/>
-          </p:cNvCxnSpPr>
-          <p:nvPr/>
-        </p:nvCxnSpPr>
-        <p:spPr>
-          <a:xfrm>
-            <a:off x="3278623" y="4272939"/>
-            <a:ext cx="749751" cy="29638"/>
-          </a:xfrm>
-          <a:prstGeom prst="straightConnector1">
-            <a:avLst/>
-          </a:prstGeom>
-          <a:ln w="50800">
-            <a:solidFill>
-              <a:schemeClr val="tx2"/>
-            </a:solidFill>
-            <a:tailEnd type="triangle"/>
-          </a:ln>
-        </p:spPr>
-        <p:style>
-          <a:lnRef idx="1">
-            <a:schemeClr val="accent1"/>
-          </a:lnRef>
-          <a:fillRef idx="0">
-            <a:schemeClr val="accent1"/>
-          </a:fillRef>
-          <a:effectRef idx="0">
-            <a:schemeClr val="accent1"/>
-          </a:effectRef>
-          <a:fontRef idx="minor">
-            <a:schemeClr val="tx1"/>
-          </a:fontRef>
-        </p:style>
-      </p:cxnSp>
-      <p:cxnSp>
-        <p:nvCxnSpPr>
-          <p:cNvPr id="53" name="Straight Arrow Connector 52"/>
-          <p:cNvCxnSpPr/>
-          <p:nvPr/>
-        </p:nvCxnSpPr>
-        <p:spPr>
-          <a:xfrm flipH="1" flipV="1">
-            <a:off x="4585551" y="2724471"/>
-            <a:ext cx="381662" cy="843815"/>
-          </a:xfrm>
-          <a:prstGeom prst="straightConnector1">
-            <a:avLst/>
-          </a:prstGeom>
-          <a:ln w="50800">
-            <a:solidFill>
-              <a:schemeClr val="tx2"/>
-            </a:solidFill>
-            <a:tailEnd type="triangle"/>
-          </a:ln>
-        </p:spPr>
-        <p:style>
-          <a:lnRef idx="1">
-            <a:schemeClr val="accent1"/>
-          </a:lnRef>
-          <a:fillRef idx="0">
-            <a:schemeClr val="accent1"/>
-          </a:fillRef>
-          <a:effectRef idx="0">
-            <a:schemeClr val="accent1"/>
-          </a:effectRef>
-          <a:fontRef idx="minor">
-            <a:schemeClr val="tx1"/>
-          </a:fontRef>
-        </p:style>
-      </p:cxnSp>
-      <p:sp>
-        <p:nvSpPr>
-          <p:cNvPr id="54" name="Octagon 53"/>
-          <p:cNvSpPr/>
-          <p:nvPr/>
-        </p:nvSpPr>
-        <p:spPr>
-          <a:xfrm>
-            <a:off x="2521527" y="5076873"/>
-            <a:ext cx="1356947" cy="1282364"/>
-          </a:xfrm>
-          <a:prstGeom prst="octagon">
-            <a:avLst/>
-          </a:prstGeom>
-          <a:solidFill>
-            <a:srgbClr val="FF0000"/>
-          </a:solidFill>
-        </p:spPr>
-        <p:style>
-          <a:lnRef idx="2">
-            <a:schemeClr val="accent1">
-              <a:shade val="50000"/>
-            </a:schemeClr>
-          </a:lnRef>
-          <a:fillRef idx="1">
-            <a:schemeClr val="accent1"/>
-          </a:fillRef>
-          <a:effectRef idx="0">
-            <a:schemeClr val="accent1"/>
-          </a:effectRef>
-          <a:fontRef idx="minor">
-            <a:schemeClr val="lt1"/>
-          </a:fontRef>
-        </p:style>
-        <p:txBody>
-          <a:bodyPr lIns="0" tIns="0" rIns="0" bIns="0" rtlCol="0" anchor="ctr"/>
-          <a:lstStyle/>
-          <a:p>
-            <a:pPr algn="ctr"/>
-            <a:r>
-              <a:rPr lang="en-US" sz="2000" b="1" dirty="0" smtClean="0">
-                <a:solidFill>
-                  <a:schemeClr val="bg1"/>
-                </a:solidFill>
-              </a:rPr>
-              <a:t>Lockout</a:t>
-            </a:r>
-            <a:endParaRPr lang="en-US" sz="2000" b="1" dirty="0">
-              <a:solidFill>
-                <a:schemeClr val="bg1"/>
-              </a:solidFill>
-            </a:endParaRPr>
-          </a:p>
-        </p:txBody>
-      </p:sp>
-      <p:sp>
-        <p:nvSpPr>
-          <p:cNvPr id="55" name="Smiley Face 54"/>
-          <p:cNvSpPr/>
-          <p:nvPr/>
-        </p:nvSpPr>
-        <p:spPr>
-          <a:xfrm>
-            <a:off x="484909" y="5059948"/>
-            <a:ext cx="1283530" cy="1299288"/>
-          </a:xfrm>
-          <a:prstGeom prst="smileyFace">
-            <a:avLst/>
-          </a:prstGeom>
-          <a:solidFill>
-            <a:srgbClr val="00B050"/>
-          </a:solidFill>
-        </p:spPr>
-        <p:style>
-          <a:lnRef idx="2">
-            <a:schemeClr val="accent1">
-              <a:shade val="50000"/>
-            </a:schemeClr>
-          </a:lnRef>
-          <a:fillRef idx="1">
-            <a:schemeClr val="accent1"/>
-          </a:fillRef>
-          <a:effectRef idx="0">
-            <a:schemeClr val="accent1"/>
-          </a:effectRef>
-          <a:fontRef idx="minor">
-            <a:schemeClr val="lt1"/>
-          </a:fontRef>
-        </p:style>
-        <p:txBody>
-          <a:bodyPr rtlCol="0" anchor="ctr"/>
-          <a:lstStyle/>
-          <a:p>
-            <a:pPr algn="ctr"/>
-            <a:endParaRPr lang="en-US"/>
-          </a:p>
-        </p:txBody>
-      </p:sp>
-      <p:cxnSp>
-        <p:nvCxnSpPr>
-          <p:cNvPr id="57" name="Straight Arrow Connector 56"/>
-          <p:cNvCxnSpPr>
-            <a:stCxn id="17" idx="2"/>
-            <a:endCxn id="54" idx="5"/>
-          </p:cNvCxnSpPr>
-          <p:nvPr/>
-        </p:nvCxnSpPr>
-        <p:spPr>
-          <a:xfrm>
-            <a:off x="2064717" y="5030310"/>
-            <a:ext cx="456810" cy="422155"/>
-          </a:xfrm>
-          <a:prstGeom prst="straightConnector1">
-            <a:avLst/>
-          </a:prstGeom>
-          <a:ln w="50800">
-            <a:solidFill>
-              <a:srgbClr val="FF0000"/>
-            </a:solidFill>
-            <a:tailEnd type="triangle"/>
-          </a:ln>
-        </p:spPr>
-        <p:style>
-          <a:lnRef idx="1">
-            <a:schemeClr val="accent1"/>
-          </a:lnRef>
-          <a:fillRef idx="0">
-            <a:schemeClr val="accent1"/>
-          </a:fillRef>
-          <a:effectRef idx="0">
-            <a:schemeClr val="accent1"/>
-          </a:effectRef>
-          <a:fontRef idx="minor">
-            <a:schemeClr val="tx1"/>
-          </a:fontRef>
-        </p:style>
-      </p:cxnSp>
-      <p:cxnSp>
-        <p:nvCxnSpPr>
-          <p:cNvPr id="59" name="Straight Arrow Connector 58"/>
-          <p:cNvCxnSpPr>
-            <a:stCxn id="17" idx="1"/>
-            <a:endCxn id="55" idx="0"/>
-          </p:cNvCxnSpPr>
-          <p:nvPr/>
-        </p:nvCxnSpPr>
-        <p:spPr>
-          <a:xfrm>
-            <a:off x="850810" y="4272939"/>
-            <a:ext cx="275864" cy="787009"/>
-          </a:xfrm>
-          <a:prstGeom prst="straightConnector1">
-            <a:avLst/>
-          </a:prstGeom>
-          <a:ln w="50800">
-            <a:solidFill>
-              <a:srgbClr val="00B050"/>
-            </a:solidFill>
-            <a:tailEnd type="triangle"/>
-          </a:ln>
-        </p:spPr>
-        <p:style>
-          <a:lnRef idx="1">
-            <a:schemeClr val="accent1"/>
-          </a:lnRef>
-          <a:fillRef idx="0">
-            <a:schemeClr val="accent1"/>
-          </a:fillRef>
-          <a:effectRef idx="0">
-            <a:schemeClr val="accent1"/>
-          </a:effectRef>
-          <a:fontRef idx="minor">
-            <a:schemeClr val="tx1"/>
-          </a:fontRef>
-        </p:style>
-      </p:cxnSp>
-      <p:sp>
-        <p:nvSpPr>
-          <p:cNvPr id="60" name="Title 1"/>
-          <p:cNvSpPr txBox="1">
-            <a:spLocks/>
-          </p:cNvSpPr>
-          <p:nvPr/>
-        </p:nvSpPr>
-        <p:spPr>
-          <a:xfrm>
-            <a:off x="826331" y="609600"/>
-            <a:ext cx="5995534" cy="767137"/>
-          </a:xfrm>
-          <a:prstGeom prst="rect">
-            <a:avLst/>
-          </a:prstGeom>
-        </p:spPr>
-        <p:txBody>
-          <a:bodyPr>
-            <a:normAutofit fontScale="92500"/>
-          </a:bodyPr>
-          <a:lstStyle>
-            <a:lvl1pPr algn="l" defTabSz="457200" rtl="0" eaLnBrk="1" latinLnBrk="0" hangingPunct="1">
-              <a:spcBef>
-                <a:spcPct val="0"/>
-              </a:spcBef>
-              <a:buNone/>
-              <a:defRPr sz="3200" kern="1200" cap="all">
-                <a:ln w="3175" cmpd="sng">
-                  <a:noFill/>
-                </a:ln>
-                <a:gradFill flip="none" rotWithShape="1">
-                  <a:gsLst>
-                    <a:gs pos="0">
-                      <a:schemeClr val="tx1"/>
-                    </a:gs>
-                    <a:gs pos="100000">
-                      <a:schemeClr val="tx1">
-                        <a:lumMod val="65000"/>
-                      </a:schemeClr>
-                    </a:gs>
-                  </a:gsLst>
-                  <a:lin ang="5580000" scaled="0"/>
-                  <a:tileRect/>
-                </a:gradFill>
-                <a:effectLst>
-                  <a:glow rad="38100">
-                    <a:schemeClr val="bg1">
-                      <a:lumMod val="65000"/>
-                      <a:lumOff val="35000"/>
-                      <a:alpha val="40000"/>
-                    </a:schemeClr>
-                  </a:glow>
-                  <a:outerShdw blurRad="28575" dist="38100" dir="14040000" algn="tl" rotWithShape="0">
-                    <a:srgbClr val="000000">
-                      <a:alpha val="25000"/>
-                    </a:srgbClr>
-                  </a:outerShdw>
-                </a:effectLst>
-                <a:latin typeface="+mj-lt"/>
-                <a:ea typeface="+mj-ea"/>
-                <a:cs typeface="+mj-cs"/>
-              </a:defRPr>
-            </a:lvl1pPr>
-            <a:lvl2pPr eaLnBrk="1" hangingPunct="1">
-              <a:defRPr>
-                <a:solidFill>
-                  <a:schemeClr val="tx2"/>
-                </a:solidFill>
-              </a:defRPr>
-            </a:lvl2pPr>
-            <a:lvl3pPr eaLnBrk="1" hangingPunct="1">
-              <a:defRPr>
-                <a:solidFill>
-                  <a:schemeClr val="tx2"/>
-                </a:solidFill>
-              </a:defRPr>
-            </a:lvl3pPr>
-            <a:lvl4pPr eaLnBrk="1" hangingPunct="1">
-              <a:defRPr>
-                <a:solidFill>
-                  <a:schemeClr val="tx2"/>
-                </a:solidFill>
-              </a:defRPr>
-            </a:lvl4pPr>
-            <a:lvl5pPr eaLnBrk="1" hangingPunct="1">
-              <a:defRPr>
-                <a:solidFill>
-                  <a:schemeClr val="tx2"/>
-                </a:solidFill>
-              </a:defRPr>
-            </a:lvl5pPr>
-            <a:lvl6pPr eaLnBrk="1" hangingPunct="1">
-              <a:defRPr>
-                <a:solidFill>
-                  <a:schemeClr val="tx2"/>
-                </a:solidFill>
-              </a:defRPr>
-            </a:lvl6pPr>
-            <a:lvl7pPr eaLnBrk="1" hangingPunct="1">
-              <a:defRPr>
-                <a:solidFill>
-                  <a:schemeClr val="tx2"/>
-                </a:solidFill>
-              </a:defRPr>
-            </a:lvl7pPr>
-            <a:lvl8pPr eaLnBrk="1" hangingPunct="1">
-              <a:defRPr>
-                <a:solidFill>
-                  <a:schemeClr val="tx2"/>
-                </a:solidFill>
-              </a:defRPr>
-            </a:lvl8pPr>
-            <a:lvl9pPr eaLnBrk="1" hangingPunct="1">
-              <a:defRPr>
-                <a:solidFill>
-                  <a:schemeClr val="tx2"/>
-                </a:solidFill>
-              </a:defRPr>
-            </a:lvl9pPr>
-          </a:lstStyle>
-          <a:p>
-            <a:r>
-              <a:rPr lang="en-US" sz="4400" b="1" dirty="0" smtClean="0"/>
-              <a:t>Challenge logic</a:t>
-            </a:r>
-            <a:r>
-              <a:rPr lang="en-US" sz="4400" b="1" dirty="0" smtClean="0"/>
-              <a:t> </a:t>
-            </a:r>
-            <a:r>
-              <a:rPr lang="en-US" sz="2800" dirty="0" smtClean="0"/>
-              <a:t>(v1</a:t>
-            </a:r>
-            <a:r>
-              <a:rPr lang="en-US" sz="2800" dirty="0" smtClean="0"/>
-              <a:t>)</a:t>
-            </a:r>
-            <a:endParaRPr lang="en-US" sz="2800" dirty="0"/>
-          </a:p>
-        </p:txBody>
-      </p:sp>
-    </p:spTree>
-    <p:extLst>
-      <p:ext uri="{BB962C8B-B14F-4D97-AF65-F5344CB8AC3E}">
-        <p14:creationId xmlns:p14="http://schemas.microsoft.com/office/powerpoint/2010/main" val="120696426"/>
-      </p:ext>
-    </p:extLst>
-  </p:cSld>
-  <p:clrMapOvr>
-    <a:masterClrMapping/>
-  </p:clrMapOvr>
-  <p:timing>
-    <p:tnLst>
-      <p:par>
-        <p:cTn id="1" dur="indefinite" restart="never" nodeType="tmRoot"/>
-      </p:par>
-    </p:tnLst>
-  </p:timing>
-</p:sld>
-</file>
-
-<file path=ppt/slides/slide21.xml><?xml version="1.0" encoding="utf-8"?>
-<p:sld xmlns:a="http://schemas.openxmlformats.org/drawingml/2006/main" xmlns:r="http://schemas.openxmlformats.org/officeDocument/2006/relationships" xmlns:p="http://schemas.openxmlformats.org/presentationml/2006/main">
-  <p:cSld>
-    <p:spTree>
-      <p:nvGrpSpPr>
-        <p:cNvPr id="1" name=""/>
-        <p:cNvGrpSpPr/>
-        <p:nvPr/>
-      </p:nvGrpSpPr>
-      <p:grpSpPr>
-        <a:xfrm>
-          <a:off x="0" y="0"/>
-          <a:ext cx="0" cy="0"/>
-          <a:chOff x="0" y="0"/>
-          <a:chExt cx="0" cy="0"/>
-        </a:xfrm>
-      </p:grpSpPr>
-      <p:sp>
-        <p:nvSpPr>
-          <p:cNvPr id="2" name="Title 1"/>
-          <p:cNvSpPr>
-            <a:spLocks noGrp="1"/>
-          </p:cNvSpPr>
-          <p:nvPr>
-            <p:ph type="title"/>
-          </p:nvPr>
-        </p:nvSpPr>
-        <p:spPr/>
-        <p:txBody>
-          <a:bodyPr/>
-          <a:lstStyle/>
-          <a:p>
-            <a:r>
-              <a:rPr lang="en-US" dirty="0" smtClean="0"/>
-              <a:t>Thank You</a:t>
-            </a:r>
-            <a:endParaRPr lang="en-US" dirty="0"/>
-          </a:p>
-        </p:txBody>
-      </p:sp>
-    </p:spTree>
-    <p:extLst>
-      <p:ext uri="{BB962C8B-B14F-4D97-AF65-F5344CB8AC3E}">
-        <p14:creationId xmlns:p14="http://schemas.microsoft.com/office/powerpoint/2010/main" val="2083541145"/>
-      </p:ext>
-    </p:extLst>
-  </p:cSld>
-  <p:clrMapOvr>
-    <a:masterClrMapping/>
-  </p:clrMapOvr>
-  <p:timing>
-    <p:tnLst>
-      <p:par>
-        <p:cTn id="1" dur="indefinite" restart="never" nodeType="tmRoot"/>
-      </p:par>
-    </p:tnLst>
-  </p:timing>
-</p:sld>
-</file>
-
 <file path=ppt/slides/slide3.xml><?xml version="1.0" encoding="utf-8"?>
 <p:sld xmlns:a="http://schemas.openxmlformats.org/drawingml/2006/main" xmlns:r="http://schemas.openxmlformats.org/officeDocument/2006/relationships" xmlns:p="http://schemas.openxmlformats.org/presentationml/2006/main">
   <p:cSld>
@@ -11691,7 +10915,15 @@
             </a:r>
             <a:r>
               <a:rPr lang="en-US" sz="4000" b="1" u="sng" dirty="0" smtClean="0"/>
-              <a:t>User behavior</a:t>
+              <a:t>u</a:t>
+            </a:r>
+            <a:r>
+              <a:rPr lang="en-US" sz="4000" b="1" u="sng" dirty="0" smtClean="0"/>
+              <a:t>ser </a:t>
+            </a:r>
+            <a:r>
+              <a:rPr lang="en-US" sz="4000" b="1" u="sng" dirty="0" smtClean="0"/>
+              <a:t>behavior</a:t>
             </a:r>
           </a:p>
         </p:txBody>
@@ -11777,8 +11009,8 @@
         </p:nvSpPr>
         <p:spPr>
           <a:xfrm>
-            <a:off x="1141413" y="1674688"/>
-            <a:ext cx="9905998" cy="4116512"/>
+            <a:off x="934720" y="2072640"/>
+            <a:ext cx="10464800" cy="3718560"/>
           </a:xfrm>
         </p:spPr>
         <p:txBody>
@@ -11787,21 +11019,50 @@
           </a:bodyPr>
           <a:lstStyle/>
           <a:p>
-            <a:r>
-              <a:rPr lang="en-US" sz="4000" dirty="0" smtClean="0"/>
+            <a:pPr marL="0" indent="0" algn="ctr">
+              <a:buNone/>
+            </a:pPr>
+            <a:r>
+              <a:rPr lang="en-US" sz="3600" dirty="0" smtClean="0"/>
               <a:t>Reduce/eliminate “forgot password” requests</a:t>
             </a:r>
           </a:p>
           <a:p>
-            <a:r>
-              <a:rPr lang="en-US" sz="4000" dirty="0" smtClean="0"/>
-              <a:t>Replace current concept of a “password”</a:t>
-            </a:r>
-          </a:p>
-          <a:p>
-            <a:r>
-              <a:rPr lang="en-US" sz="4000" dirty="0" smtClean="0"/>
-              <a:t>Improve security by ”training” security to the user</a:t>
+            <a:pPr marL="0" indent="0" algn="ctr">
+              <a:buNone/>
+            </a:pPr>
+            <a:endParaRPr lang="en-US" sz="3600" dirty="0" smtClean="0"/>
+          </a:p>
+          <a:p>
+            <a:pPr marL="0" indent="0" algn="ctr">
+              <a:buNone/>
+            </a:pPr>
+            <a:r>
+              <a:rPr lang="en-US" sz="3600" dirty="0" smtClean="0"/>
+              <a:t>Replace </a:t>
+            </a:r>
+            <a:r>
+              <a:rPr lang="en-US" sz="3600" dirty="0" smtClean="0"/>
+              <a:t>current concept of a “password”</a:t>
+            </a:r>
+          </a:p>
+          <a:p>
+            <a:pPr marL="0" indent="0" algn="ctr">
+              <a:buNone/>
+            </a:pPr>
+            <a:endParaRPr lang="en-US" sz="3600" dirty="0" smtClean="0"/>
+          </a:p>
+          <a:p>
+            <a:pPr marL="0" indent="0" algn="ctr">
+              <a:buNone/>
+            </a:pPr>
+            <a:r>
+              <a:rPr lang="en-US" sz="3600" dirty="0" smtClean="0"/>
+              <a:t>Improve </a:t>
+            </a:r>
+            <a:r>
+              <a:rPr lang="en-US" sz="3600" dirty="0" smtClean="0"/>
+              <a:t>security by ”training” security to the user</a:t>
             </a:r>
           </a:p>
         </p:txBody>
@@ -12027,7 +11288,6 @@
               <a:rPr lang="en-US" sz="4000" dirty="0" smtClean="0"/>
               <a:t>Data collection through background location history via google maps app</a:t>
             </a:r>
-            <a:endParaRPr lang="en-US" sz="4000" dirty="0" smtClean="0"/>
           </a:p>
         </p:txBody>
       </p:sp>
@@ -12104,8 +11364,8 @@
         </p:nvSpPr>
         <p:spPr>
           <a:xfrm>
-            <a:off x="1141413" y="1674688"/>
-            <a:ext cx="5747067" cy="1576512"/>
+            <a:off x="1141413" y="1692303"/>
+            <a:ext cx="5747067" cy="1381760"/>
           </a:xfrm>
         </p:spPr>
         <p:txBody>
@@ -12114,13 +11374,24 @@
           </a:bodyPr>
           <a:lstStyle/>
           <a:p>
+            <a:pPr marL="0" indent="0" algn="ctr">
+              <a:buNone/>
+            </a:pPr>
             <a:r>
               <a:rPr lang="en-US" sz="2800" dirty="0" smtClean="0"/>
-              <a:t>Google maps locations data in </a:t>
-            </a:r>
-            <a:r>
-              <a:rPr lang="en-US" sz="2800" smtClean="0"/>
-              <a:t>JSON format</a:t>
+              <a:t>Google maps locations </a:t>
+            </a:r>
+            <a:r>
+              <a:rPr lang="en-US" sz="2800" dirty="0" smtClean="0"/>
+              <a:t>data come prepared </a:t>
+            </a:r>
+            <a:r>
+              <a:rPr lang="en-US" sz="2800" dirty="0" smtClean="0"/>
+              <a:t>in JSON </a:t>
+            </a:r>
+            <a:r>
+              <a:rPr lang="en-US" sz="2800" dirty="0" smtClean="0"/>
+              <a:t>format</a:t>
             </a:r>
             <a:endParaRPr lang="en-US" sz="2800" dirty="0" smtClean="0"/>
           </a:p>
@@ -12364,7 +11635,7 @@
         </p:nvSpPr>
         <p:spPr>
           <a:xfrm>
-            <a:off x="1141414" y="1674688"/>
+            <a:off x="1141413" y="1786748"/>
             <a:ext cx="4129834" cy="4116512"/>
           </a:xfrm>
           <a:prstGeom prst="rect">
@@ -12807,9 +12078,16 @@
             </a:pPr>
             <a:r>
               <a:rPr lang="en-US" sz="3200" dirty="0" smtClean="0"/>
-              <a:t>Plotting of coordinates reveals a general pattern of travel, but difficult to determine any possible points of interest (POI) from this visualization </a:t>
-            </a:r>
-            <a:endParaRPr lang="en-US" sz="3200" dirty="0" smtClean="0"/>
+              <a:t>Plotting of coordinates reveals a general pattern of travel, but difficult to determine any possible </a:t>
+            </a:r>
+            <a:r>
+              <a:rPr lang="en-US" sz="3200" b="1" u="sng" dirty="0" smtClean="0"/>
+              <a:t>points of interest</a:t>
+            </a:r>
+            <a:r>
+              <a:rPr lang="en-US" sz="3200" dirty="0" smtClean="0"/>
+              <a:t> (POI) from this visualization </a:t>
+            </a:r>
           </a:p>
         </p:txBody>
       </p:sp>
@@ -12884,7 +12162,7 @@
         <p:spPr>
           <a:xfrm>
             <a:off x="1141414" y="1674688"/>
-            <a:ext cx="4129834" cy="4116512"/>
+            <a:ext cx="4129834" cy="4265084"/>
           </a:xfrm>
           <a:prstGeom prst="rect">
             <a:avLst/>
@@ -13325,7 +12603,11 @@
             </a:pPr>
             <a:r>
               <a:rPr lang="en-US" sz="2800" dirty="0" smtClean="0"/>
-              <a:t>Used K-means on an estimated range of 2 to 100 possible POI</a:t>
+              <a:t>Use K-means </a:t>
+            </a:r>
+            <a:r>
+              <a:rPr lang="en-US" sz="2800" dirty="0" smtClean="0"/>
+              <a:t>on an estimated range of 2 to 100 possible POI</a:t>
             </a:r>
           </a:p>
           <a:p>
@@ -13340,9 +12622,32 @@
             </a:pPr>
             <a:r>
               <a:rPr lang="en-US" sz="2800" dirty="0" smtClean="0"/>
-              <a:t>In this dataset, optimal number of clusters chosen at n=33 based on silhouette score.</a:t>
-            </a:r>
-            <a:endParaRPr lang="en-US" sz="2800" dirty="0" smtClean="0"/>
+              <a:t>optimal </a:t>
+            </a:r>
+            <a:r>
+              <a:rPr lang="en-US" sz="2800" dirty="0" smtClean="0"/>
+              <a:t>number of clusters chosen at n=33 </a:t>
+            </a:r>
+            <a:r>
+              <a:rPr lang="en-US" sz="2800" dirty="0" smtClean="0"/>
+              <a:t/>
+            </a:r>
+            <a:br>
+              <a:rPr lang="en-US" sz="2800" dirty="0" smtClean="0"/>
+            </a:br>
+            <a:r>
+              <a:rPr lang="en-US" sz="2400" dirty="0" smtClean="0"/>
+              <a:t>(based </a:t>
+            </a:r>
+            <a:r>
+              <a:rPr lang="en-US" sz="2400" dirty="0" smtClean="0"/>
+              <a:t>on silhouette </a:t>
+            </a:r>
+            <a:r>
+              <a:rPr lang="en-US" sz="2400" dirty="0" smtClean="0"/>
+              <a:t>score)</a:t>
+            </a:r>
+            <a:endParaRPr lang="en-US" sz="2400" dirty="0" smtClean="0"/>
           </a:p>
         </p:txBody>
       </p:sp>
@@ -13357,7 +12662,7 @@
           </p:nvPr>
         </p:nvPicPr>
         <p:blipFill>
-          <a:blip r:embed="rId2">
+          <a:blip r:embed="rId3">
             <a:extLst>
               <a:ext uri="{28A0092B-C50C-407E-A947-70E740481C1C}">
                 <a14:useLocalDpi xmlns:a14="http://schemas.microsoft.com/office/drawing/2010/main" val="0"/>
@@ -13375,6 +12680,151 @@
           </a:xfrm>
         </p:spPr>
       </p:pic>
+      <p:sp>
+        <p:nvSpPr>
+          <p:cNvPr id="5" name="Oval 4"/>
+          <p:cNvSpPr/>
+          <p:nvPr/>
+        </p:nvSpPr>
+        <p:spPr>
+          <a:xfrm>
+            <a:off x="5502479" y="2861328"/>
+            <a:ext cx="1187042" cy="1135344"/>
+          </a:xfrm>
+          <a:prstGeom prst="ellipse">
+            <a:avLst/>
+          </a:prstGeom>
+          <a:noFill/>
+          <a:ln>
+            <a:solidFill>
+              <a:srgbClr val="FF0000"/>
+            </a:solidFill>
+          </a:ln>
+        </p:spPr>
+        <p:style>
+          <a:lnRef idx="2">
+            <a:schemeClr val="accent1">
+              <a:shade val="50000"/>
+            </a:schemeClr>
+          </a:lnRef>
+          <a:fillRef idx="1">
+            <a:schemeClr val="accent1"/>
+          </a:fillRef>
+          <a:effectRef idx="0">
+            <a:schemeClr val="accent1"/>
+          </a:effectRef>
+          <a:fontRef idx="minor">
+            <a:schemeClr val="lt1"/>
+          </a:fontRef>
+        </p:style>
+        <p:txBody>
+          <a:bodyPr rot="0" spcFirstLastPara="0" vert="horz" wrap="square" lIns="91440" tIns="45720" rIns="91440" bIns="45720" numCol="1" spcCol="0" rtlCol="0" fromWordArt="0" anchor="ctr" anchorCtr="0" forceAA="0" compatLnSpc="1">
+            <a:prstTxWarp prst="textNoShape">
+              <a:avLst/>
+            </a:prstTxWarp>
+            <a:noAutofit/>
+          </a:bodyPr>
+          <a:lstStyle>
+            <a:defPPr>
+              <a:defRPr lang="en-US"/>
+            </a:defPPr>
+            <a:lvl1pPr marL="0" algn="l" defTabSz="457200" rtl="0" eaLnBrk="1" latinLnBrk="0" hangingPunct="1">
+              <a:defRPr sz="1800" kern="1200">
+                <a:solidFill>
+                  <a:schemeClr val="lt1"/>
+                </a:solidFill>
+                <a:latin typeface="+mn-lt"/>
+                <a:ea typeface="+mn-ea"/>
+                <a:cs typeface="+mn-cs"/>
+              </a:defRPr>
+            </a:lvl1pPr>
+            <a:lvl2pPr marL="457200" algn="l" defTabSz="457200" rtl="0" eaLnBrk="1" latinLnBrk="0" hangingPunct="1">
+              <a:defRPr sz="1800" kern="1200">
+                <a:solidFill>
+                  <a:schemeClr val="lt1"/>
+                </a:solidFill>
+                <a:latin typeface="+mn-lt"/>
+                <a:ea typeface="+mn-ea"/>
+                <a:cs typeface="+mn-cs"/>
+              </a:defRPr>
+            </a:lvl2pPr>
+            <a:lvl3pPr marL="914400" algn="l" defTabSz="457200" rtl="0" eaLnBrk="1" latinLnBrk="0" hangingPunct="1">
+              <a:defRPr sz="1800" kern="1200">
+                <a:solidFill>
+                  <a:schemeClr val="lt1"/>
+                </a:solidFill>
+                <a:latin typeface="+mn-lt"/>
+                <a:ea typeface="+mn-ea"/>
+                <a:cs typeface="+mn-cs"/>
+              </a:defRPr>
+            </a:lvl3pPr>
+            <a:lvl4pPr marL="1371600" algn="l" defTabSz="457200" rtl="0" eaLnBrk="1" latinLnBrk="0" hangingPunct="1">
+              <a:defRPr sz="1800" kern="1200">
+                <a:solidFill>
+                  <a:schemeClr val="lt1"/>
+                </a:solidFill>
+                <a:latin typeface="+mn-lt"/>
+                <a:ea typeface="+mn-ea"/>
+                <a:cs typeface="+mn-cs"/>
+              </a:defRPr>
+            </a:lvl4pPr>
+            <a:lvl5pPr marL="1828800" algn="l" defTabSz="457200" rtl="0" eaLnBrk="1" latinLnBrk="0" hangingPunct="1">
+              <a:defRPr sz="1800" kern="1200">
+                <a:solidFill>
+                  <a:schemeClr val="lt1"/>
+                </a:solidFill>
+                <a:latin typeface="+mn-lt"/>
+                <a:ea typeface="+mn-ea"/>
+                <a:cs typeface="+mn-cs"/>
+              </a:defRPr>
+            </a:lvl5pPr>
+            <a:lvl6pPr marL="2286000" algn="l" defTabSz="457200" rtl="0" eaLnBrk="1" latinLnBrk="0" hangingPunct="1">
+              <a:defRPr sz="1800" kern="1200">
+                <a:solidFill>
+                  <a:schemeClr val="lt1"/>
+                </a:solidFill>
+                <a:latin typeface="+mn-lt"/>
+                <a:ea typeface="+mn-ea"/>
+                <a:cs typeface="+mn-cs"/>
+              </a:defRPr>
+            </a:lvl6pPr>
+            <a:lvl7pPr marL="2743200" algn="l" defTabSz="457200" rtl="0" eaLnBrk="1" latinLnBrk="0" hangingPunct="1">
+              <a:defRPr sz="1800" kern="1200">
+                <a:solidFill>
+                  <a:schemeClr val="lt1"/>
+                </a:solidFill>
+                <a:latin typeface="+mn-lt"/>
+                <a:ea typeface="+mn-ea"/>
+                <a:cs typeface="+mn-cs"/>
+              </a:defRPr>
+            </a:lvl7pPr>
+            <a:lvl8pPr marL="3200400" algn="l" defTabSz="457200" rtl="0" eaLnBrk="1" latinLnBrk="0" hangingPunct="1">
+              <a:defRPr sz="1800" kern="1200">
+                <a:solidFill>
+                  <a:schemeClr val="lt1"/>
+                </a:solidFill>
+                <a:latin typeface="+mn-lt"/>
+                <a:ea typeface="+mn-ea"/>
+                <a:cs typeface="+mn-cs"/>
+              </a:defRPr>
+            </a:lvl8pPr>
+            <a:lvl9pPr marL="3657600" algn="l" defTabSz="457200" rtl="0" eaLnBrk="1" latinLnBrk="0" hangingPunct="1">
+              <a:defRPr sz="1800" kern="1200">
+                <a:solidFill>
+                  <a:schemeClr val="lt1"/>
+                </a:solidFill>
+                <a:latin typeface="+mn-lt"/>
+                <a:ea typeface="+mn-ea"/>
+                <a:cs typeface="+mn-cs"/>
+              </a:defRPr>
+            </a:lvl9pPr>
+          </a:lstStyle>
+          <a:p>
+            <a:pPr algn="ctr"/>
+            <a:endParaRPr lang="en-US"/>
+          </a:p>
+        </p:txBody>
+      </p:sp>
     </p:spTree>
     <p:extLst>
       <p:ext uri="{BB962C8B-B14F-4D97-AF65-F5344CB8AC3E}">

--- a/capstone-aaronkim.pptx
+++ b/capstone-aaronkim.pptx
@@ -215,7 +215,7 @@
           <a:p>
             <a:fld id="{F803246A-F97C-B84F-B8B6-D95C715A7367}" type="datetimeFigureOut">
               <a:rPr lang="en-US" smtClean="0"/>
-              <a:t>11/22/16</a:t>
+              <a:t>11/23/16</a:t>
             </a:fld>
             <a:endParaRPr lang="en-US"/>
           </a:p>
@@ -527,51 +527,32 @@
           <a:bodyPr/>
           <a:lstStyle/>
           <a:p>
+            <a:pPr marL="0" marR="0" indent="0" algn="l" defTabSz="914400" rtl="0" eaLnBrk="1" fontAlgn="auto" latinLnBrk="0" hangingPunct="1">
+              <a:lnSpc>
+                <a:spcPct val="100000"/>
+              </a:lnSpc>
+              <a:spcBef>
+                <a:spcPts val="0"/>
+              </a:spcBef>
+              <a:spcAft>
+                <a:spcPts val="0"/>
+              </a:spcAft>
+              <a:buClrTx/>
+              <a:buSzTx/>
+              <a:buFontTx/>
+              <a:buNone/>
+              <a:tabLst/>
+              <a:defRPr/>
+            </a:pPr>
             <a:r>
               <a:rPr lang="en-US" dirty="0" smtClean="0"/>
-              <a:t>Why silhouette</a:t>
+              <a:t>1. My capstone,</a:t>
             </a:r>
             <a:r>
               <a:rPr lang="en-US" baseline="0" dirty="0" smtClean="0"/>
-              <a:t> score? </a:t>
-            </a:r>
-            <a:r>
-              <a:rPr lang="en-US" sz="1200" b="0" i="0" kern="1200" dirty="0" smtClean="0">
-                <a:solidFill>
-                  <a:schemeClr val="tx1"/>
-                </a:solidFill>
-                <a:effectLst/>
-                <a:latin typeface="+mn-lt"/>
-                <a:ea typeface="+mn-ea"/>
-                <a:cs typeface="+mn-cs"/>
-              </a:rPr>
-              <a:t>The Silhouette Coefficient is a measure of how well samples are clustered with samples that are similar to themselves. (</a:t>
-            </a:r>
-            <a:r>
-              <a:rPr lang="en-US" sz="1200" b="0" i="0" kern="1200" dirty="0" err="1" smtClean="0">
-                <a:solidFill>
-                  <a:schemeClr val="tx1"/>
-                </a:solidFill>
-                <a:effectLst/>
-                <a:latin typeface="+mn-lt"/>
-                <a:ea typeface="+mn-ea"/>
-                <a:cs typeface="+mn-cs"/>
-              </a:rPr>
-              <a:t>Sklearn</a:t>
-            </a:r>
-            <a:r>
-              <a:rPr lang="en-US" sz="1200" b="0" i="0" kern="1200" dirty="0" smtClean="0">
-                <a:solidFill>
-                  <a:schemeClr val="tx1"/>
-                </a:solidFill>
-                <a:effectLst/>
-                <a:latin typeface="+mn-lt"/>
-                <a:ea typeface="+mn-ea"/>
-                <a:cs typeface="+mn-cs"/>
-              </a:rPr>
-              <a:t> documentation)</a:t>
-            </a:r>
-            <a:endParaRPr lang="en-US" dirty="0"/>
+              <a:t> though theoretical in nature, focused around practical implementation of the proposed solution using some data science.</a:t>
+            </a:r>
+            <a:endParaRPr lang="en-US" dirty="0" smtClean="0"/>
           </a:p>
         </p:txBody>
       </p:sp>
@@ -592,7 +573,7 @@
           <a:p>
             <a:fld id="{2BB6E61D-7567-8F48-BCF4-B7FD38D54E94}" type="slidenum">
               <a:rPr lang="en-US" smtClean="0"/>
-              <a:t>9</a:t>
+              <a:t>1</a:t>
             </a:fld>
             <a:endParaRPr lang="en-US"/>
           </a:p>
@@ -601,7 +582,118 @@
     </p:spTree>
     <p:extLst>
       <p:ext uri="{BB962C8B-B14F-4D97-AF65-F5344CB8AC3E}">
-        <p14:creationId xmlns:p14="http://schemas.microsoft.com/office/powerpoint/2010/main" val="361414145"/>
+        <p14:creationId xmlns:p14="http://schemas.microsoft.com/office/powerpoint/2010/main" val="881683934"/>
+      </p:ext>
+    </p:extLst>
+  </p:cSld>
+  <p:clrMapOvr>
+    <a:masterClrMapping/>
+  </p:clrMapOvr>
+</p:notes>
+</file>
+
+<file path=ppt/notesSlides/notesSlide10.xml><?xml version="1.0" encoding="utf-8"?>
+<p:notes xmlns:a="http://schemas.openxmlformats.org/drawingml/2006/main" xmlns:r="http://schemas.openxmlformats.org/officeDocument/2006/relationships" xmlns:p="http://schemas.openxmlformats.org/presentationml/2006/main">
+  <p:cSld>
+    <p:spTree>
+      <p:nvGrpSpPr>
+        <p:cNvPr id="1" name=""/>
+        <p:cNvGrpSpPr/>
+        <p:nvPr/>
+      </p:nvGrpSpPr>
+      <p:grpSpPr>
+        <a:xfrm>
+          <a:off x="0" y="0"/>
+          <a:ext cx="0" cy="0"/>
+          <a:chOff x="0" y="0"/>
+          <a:chExt cx="0" cy="0"/>
+        </a:xfrm>
+      </p:grpSpPr>
+      <p:sp>
+        <p:nvSpPr>
+          <p:cNvPr id="2" name="Slide Image Placeholder 1"/>
+          <p:cNvSpPr>
+            <a:spLocks noGrp="1" noRot="1" noChangeAspect="1"/>
+          </p:cNvSpPr>
+          <p:nvPr>
+            <p:ph type="sldImg"/>
+          </p:nvPr>
+        </p:nvSpPr>
+        <p:spPr/>
+      </p:sp>
+      <p:sp>
+        <p:nvSpPr>
+          <p:cNvPr id="3" name="Notes Placeholder 2"/>
+          <p:cNvSpPr>
+            <a:spLocks noGrp="1"/>
+          </p:cNvSpPr>
+          <p:nvPr>
+            <p:ph type="body" idx="1"/>
+          </p:nvPr>
+        </p:nvSpPr>
+        <p:spPr/>
+        <p:txBody>
+          <a:bodyPr/>
+          <a:lstStyle/>
+          <a:p>
+            <a:r>
+              <a:rPr lang="en-US" dirty="0" smtClean="0"/>
+              <a:t>Final Thoughts </a:t>
+            </a:r>
+            <a:r>
+              <a:rPr lang="mr-IN" dirty="0" smtClean="0"/>
+              <a:t>–</a:t>
+            </a:r>
+            <a:r>
+              <a:rPr lang="en-US" dirty="0" smtClean="0"/>
+              <a:t> why clustering?</a:t>
+            </a:r>
+          </a:p>
+          <a:p>
+            <a:endParaRPr lang="en-US" dirty="0" smtClean="0"/>
+          </a:p>
+          <a:p>
+            <a:r>
+              <a:rPr lang="en-US" dirty="0" smtClean="0"/>
+              <a:t>Based on the notion</a:t>
+            </a:r>
+            <a:r>
+              <a:rPr lang="en-US" baseline="0" dirty="0" smtClean="0"/>
+              <a:t> that humans are creatures of habit. </a:t>
+            </a:r>
+          </a:p>
+          <a:p>
+            <a:endParaRPr lang="en-US" dirty="0"/>
+          </a:p>
+        </p:txBody>
+      </p:sp>
+      <p:sp>
+        <p:nvSpPr>
+          <p:cNvPr id="4" name="Slide Number Placeholder 3"/>
+          <p:cNvSpPr>
+            <a:spLocks noGrp="1"/>
+          </p:cNvSpPr>
+          <p:nvPr>
+            <p:ph type="sldNum" sz="quarter" idx="10"/>
+          </p:nvPr>
+        </p:nvSpPr>
+        <p:spPr/>
+        <p:txBody>
+          <a:bodyPr/>
+          <a:lstStyle/>
+          <a:p>
+            <a:fld id="{2BB6E61D-7567-8F48-BCF4-B7FD38D54E94}" type="slidenum">
+              <a:rPr lang="en-US" smtClean="0"/>
+              <a:t>19</a:t>
+            </a:fld>
+            <a:endParaRPr lang="en-US"/>
+          </a:p>
+        </p:txBody>
+      </p:sp>
+    </p:spTree>
+    <p:extLst>
+      <p:ext uri="{BB962C8B-B14F-4D97-AF65-F5344CB8AC3E}">
+        <p14:creationId xmlns:p14="http://schemas.microsoft.com/office/powerpoint/2010/main" val="893777463"/>
       </p:ext>
     </p:extLst>
   </p:cSld>
@@ -655,110 +747,7 @@
           <a:bodyPr/>
           <a:lstStyle/>
           <a:p>
-            <a:r>
-              <a:rPr lang="en-US" dirty="0" err="1" smtClean="0"/>
-              <a:t>tsne</a:t>
-            </a:r>
-            <a:r>
-              <a:rPr lang="en-US" dirty="0" smtClean="0"/>
-              <a:t> - </a:t>
-            </a:r>
-            <a:r>
-              <a:rPr lang="en-US" sz="1200" b="0" i="0" kern="1200" dirty="0" smtClean="0">
-                <a:solidFill>
-                  <a:schemeClr val="tx1"/>
-                </a:solidFill>
-                <a:effectLst/>
-                <a:latin typeface="+mn-lt"/>
-                <a:ea typeface="+mn-ea"/>
-                <a:cs typeface="+mn-cs"/>
-              </a:rPr>
-              <a:t>t-distributed Stochastic Neighbor Embedding.</a:t>
-            </a:r>
-          </a:p>
-          <a:p>
-            <a:endParaRPr lang="en-US" sz="1200" b="0" i="0" kern="1200" dirty="0" smtClean="0">
-              <a:solidFill>
-                <a:schemeClr val="tx1"/>
-              </a:solidFill>
-              <a:effectLst/>
-              <a:latin typeface="+mn-lt"/>
-              <a:ea typeface="+mn-ea"/>
-              <a:cs typeface="+mn-cs"/>
-            </a:endParaRPr>
-          </a:p>
-          <a:p>
-            <a:r>
-              <a:rPr lang="en-US" sz="1200" b="0" i="0" kern="1200" dirty="0" smtClean="0">
-                <a:solidFill>
-                  <a:schemeClr val="tx1"/>
-                </a:solidFill>
-                <a:effectLst/>
-                <a:latin typeface="+mn-lt"/>
-                <a:ea typeface="+mn-ea"/>
-                <a:cs typeface="+mn-cs"/>
-              </a:rPr>
-              <a:t>Caveats:</a:t>
-            </a:r>
-          </a:p>
-          <a:p>
-            <a:r>
-              <a:rPr lang="en-US" sz="1200" b="0" i="0" kern="1200" dirty="0" smtClean="0">
-                <a:solidFill>
-                  <a:schemeClr val="tx1"/>
-                </a:solidFill>
-                <a:effectLst/>
-                <a:latin typeface="+mn-lt"/>
-                <a:ea typeface="+mn-ea"/>
-                <a:cs typeface="+mn-cs"/>
-              </a:rPr>
-              <a:t>1.</a:t>
-            </a:r>
-            <a:r>
-              <a:rPr lang="en-US" sz="1200" b="0" i="0" kern="1200" baseline="0" dirty="0" smtClean="0">
-                <a:solidFill>
-                  <a:schemeClr val="tx1"/>
-                </a:solidFill>
-                <a:effectLst/>
-                <a:latin typeface="+mn-lt"/>
-                <a:ea typeface="+mn-ea"/>
-                <a:cs typeface="+mn-cs"/>
-              </a:rPr>
-              <a:t> Data can possibly be considered dense </a:t>
-            </a:r>
-            <a:r>
-              <a:rPr lang="mr-IN" sz="1200" b="0" i="0" kern="1200" baseline="0" dirty="0" smtClean="0">
-                <a:solidFill>
-                  <a:schemeClr val="tx1"/>
-                </a:solidFill>
-                <a:effectLst/>
-                <a:latin typeface="+mn-lt"/>
-                <a:ea typeface="+mn-ea"/>
-                <a:cs typeface="+mn-cs"/>
-              </a:rPr>
-              <a:t>–</a:t>
-            </a:r>
-            <a:r>
-              <a:rPr lang="en-US" sz="1200" b="0" i="0" kern="1200" baseline="0" dirty="0" smtClean="0">
-                <a:solidFill>
-                  <a:schemeClr val="tx1"/>
-                </a:solidFill>
-                <a:effectLst/>
-                <a:latin typeface="+mn-lt"/>
-                <a:ea typeface="+mn-ea"/>
-                <a:cs typeface="+mn-cs"/>
-              </a:rPr>
-              <a:t> points of travel are not wide-spread.</a:t>
-            </a:r>
-            <a:endParaRPr lang="en-US" sz="1200" b="0" i="0" kern="1200" dirty="0" smtClean="0">
-              <a:solidFill>
-                <a:schemeClr val="tx1"/>
-              </a:solidFill>
-              <a:effectLst/>
-              <a:latin typeface="+mn-lt"/>
-              <a:ea typeface="+mn-ea"/>
-              <a:cs typeface="+mn-cs"/>
-            </a:endParaRPr>
+            <a:endParaRPr lang="en-US" dirty="0"/>
           </a:p>
         </p:txBody>
       </p:sp>
@@ -779,7 +768,7 @@
           <a:p>
             <a:fld id="{2BB6E61D-7567-8F48-BCF4-B7FD38D54E94}" type="slidenum">
               <a:rPr lang="en-US" smtClean="0"/>
-              <a:t>10</a:t>
+              <a:t>3</a:t>
             </a:fld>
             <a:endParaRPr lang="en-US"/>
           </a:p>
@@ -788,7 +777,7 @@
     </p:spTree>
     <p:extLst>
       <p:ext uri="{BB962C8B-B14F-4D97-AF65-F5344CB8AC3E}">
-        <p14:creationId xmlns:p14="http://schemas.microsoft.com/office/powerpoint/2010/main" val="1602047797"/>
+        <p14:creationId xmlns:p14="http://schemas.microsoft.com/office/powerpoint/2010/main" val="361045374"/>
       </p:ext>
     </p:extLst>
   </p:cSld>
@@ -844,6 +833,643 @@
           <a:p>
             <a:r>
               <a:rPr lang="en-US" dirty="0" smtClean="0"/>
+              <a:t>What</a:t>
+            </a:r>
+            <a:r>
+              <a:rPr lang="en-US" baseline="0" dirty="0" smtClean="0"/>
+              <a:t> is something that we do every day? We move! </a:t>
+            </a:r>
+            <a:endParaRPr lang="en-US" dirty="0"/>
+          </a:p>
+        </p:txBody>
+      </p:sp>
+      <p:sp>
+        <p:nvSpPr>
+          <p:cNvPr id="4" name="Slide Number Placeholder 3"/>
+          <p:cNvSpPr>
+            <a:spLocks noGrp="1"/>
+          </p:cNvSpPr>
+          <p:nvPr>
+            <p:ph type="sldNum" sz="quarter" idx="10"/>
+          </p:nvPr>
+        </p:nvSpPr>
+        <p:spPr/>
+        <p:txBody>
+          <a:bodyPr/>
+          <a:lstStyle/>
+          <a:p>
+            <a:fld id="{2BB6E61D-7567-8F48-BCF4-B7FD38D54E94}" type="slidenum">
+              <a:rPr lang="en-US" smtClean="0"/>
+              <a:t>5</a:t>
+            </a:fld>
+            <a:endParaRPr lang="en-US"/>
+          </a:p>
+        </p:txBody>
+      </p:sp>
+    </p:spTree>
+    <p:extLst>
+      <p:ext uri="{BB962C8B-B14F-4D97-AF65-F5344CB8AC3E}">
+        <p14:creationId xmlns:p14="http://schemas.microsoft.com/office/powerpoint/2010/main" val="560940984"/>
+      </p:ext>
+    </p:extLst>
+  </p:cSld>
+  <p:clrMapOvr>
+    <a:masterClrMapping/>
+  </p:clrMapOvr>
+</p:notes>
+</file>
+
+<file path=ppt/notesSlides/notesSlide4.xml><?xml version="1.0" encoding="utf-8"?>
+<p:notes xmlns:a="http://schemas.openxmlformats.org/drawingml/2006/main" xmlns:r="http://schemas.openxmlformats.org/officeDocument/2006/relationships" xmlns:p="http://schemas.openxmlformats.org/presentationml/2006/main">
+  <p:cSld>
+    <p:spTree>
+      <p:nvGrpSpPr>
+        <p:cNvPr id="1" name=""/>
+        <p:cNvGrpSpPr/>
+        <p:nvPr/>
+      </p:nvGrpSpPr>
+      <p:grpSpPr>
+        <a:xfrm>
+          <a:off x="0" y="0"/>
+          <a:ext cx="0" cy="0"/>
+          <a:chOff x="0" y="0"/>
+          <a:chExt cx="0" cy="0"/>
+        </a:xfrm>
+      </p:grpSpPr>
+      <p:sp>
+        <p:nvSpPr>
+          <p:cNvPr id="2" name="Slide Image Placeholder 1"/>
+          <p:cNvSpPr>
+            <a:spLocks noGrp="1" noRot="1" noChangeAspect="1"/>
+          </p:cNvSpPr>
+          <p:nvPr>
+            <p:ph type="sldImg"/>
+          </p:nvPr>
+        </p:nvSpPr>
+        <p:spPr/>
+      </p:sp>
+      <p:sp>
+        <p:nvSpPr>
+          <p:cNvPr id="3" name="Notes Placeholder 2"/>
+          <p:cNvSpPr>
+            <a:spLocks noGrp="1"/>
+          </p:cNvSpPr>
+          <p:nvPr>
+            <p:ph type="body" idx="1"/>
+          </p:nvPr>
+        </p:nvSpPr>
+        <p:spPr/>
+        <p:txBody>
+          <a:bodyPr/>
+          <a:lstStyle/>
+          <a:p>
+            <a:r>
+              <a:rPr lang="en-US" dirty="0" smtClean="0"/>
+              <a:t>How</a:t>
+            </a:r>
+            <a:r>
+              <a:rPr lang="en-US" baseline="0" dirty="0" smtClean="0"/>
+              <a:t> to approach making sense of this data?</a:t>
+            </a:r>
+          </a:p>
+          <a:p>
+            <a:endParaRPr lang="en-US" baseline="0" dirty="0" smtClean="0"/>
+          </a:p>
+          <a:p>
+            <a:r>
+              <a:rPr lang="en-US" baseline="0" dirty="0" smtClean="0"/>
+              <a:t>Because we’re dealing with geospatial data, I figured an EDA approach around using methods and visualizations that were position sensitive would be the best approach. </a:t>
+            </a:r>
+            <a:endParaRPr lang="en-US" dirty="0"/>
+          </a:p>
+        </p:txBody>
+      </p:sp>
+      <p:sp>
+        <p:nvSpPr>
+          <p:cNvPr id="4" name="Slide Number Placeholder 3"/>
+          <p:cNvSpPr>
+            <a:spLocks noGrp="1"/>
+          </p:cNvSpPr>
+          <p:nvPr>
+            <p:ph type="sldNum" sz="quarter" idx="10"/>
+          </p:nvPr>
+        </p:nvSpPr>
+        <p:spPr/>
+        <p:txBody>
+          <a:bodyPr/>
+          <a:lstStyle/>
+          <a:p>
+            <a:fld id="{2BB6E61D-7567-8F48-BCF4-B7FD38D54E94}" type="slidenum">
+              <a:rPr lang="en-US" smtClean="0"/>
+              <a:t>7</a:t>
+            </a:fld>
+            <a:endParaRPr lang="en-US"/>
+          </a:p>
+        </p:txBody>
+      </p:sp>
+    </p:spTree>
+    <p:extLst>
+      <p:ext uri="{BB962C8B-B14F-4D97-AF65-F5344CB8AC3E}">
+        <p14:creationId xmlns:p14="http://schemas.microsoft.com/office/powerpoint/2010/main" val="434827459"/>
+      </p:ext>
+    </p:extLst>
+  </p:cSld>
+  <p:clrMapOvr>
+    <a:masterClrMapping/>
+  </p:clrMapOvr>
+</p:notes>
+</file>
+
+<file path=ppt/notesSlides/notesSlide5.xml><?xml version="1.0" encoding="utf-8"?>
+<p:notes xmlns:a="http://schemas.openxmlformats.org/drawingml/2006/main" xmlns:r="http://schemas.openxmlformats.org/officeDocument/2006/relationships" xmlns:p="http://schemas.openxmlformats.org/presentationml/2006/main">
+  <p:cSld>
+    <p:spTree>
+      <p:nvGrpSpPr>
+        <p:cNvPr id="1" name=""/>
+        <p:cNvGrpSpPr/>
+        <p:nvPr/>
+      </p:nvGrpSpPr>
+      <p:grpSpPr>
+        <a:xfrm>
+          <a:off x="0" y="0"/>
+          <a:ext cx="0" cy="0"/>
+          <a:chOff x="0" y="0"/>
+          <a:chExt cx="0" cy="0"/>
+        </a:xfrm>
+      </p:grpSpPr>
+      <p:sp>
+        <p:nvSpPr>
+          <p:cNvPr id="2" name="Slide Image Placeholder 1"/>
+          <p:cNvSpPr>
+            <a:spLocks noGrp="1" noRot="1" noChangeAspect="1"/>
+          </p:cNvSpPr>
+          <p:nvPr>
+            <p:ph type="sldImg"/>
+          </p:nvPr>
+        </p:nvSpPr>
+        <p:spPr/>
+      </p:sp>
+      <p:sp>
+        <p:nvSpPr>
+          <p:cNvPr id="3" name="Notes Placeholder 2"/>
+          <p:cNvSpPr>
+            <a:spLocks noGrp="1"/>
+          </p:cNvSpPr>
+          <p:nvPr>
+            <p:ph type="body" idx="1"/>
+          </p:nvPr>
+        </p:nvSpPr>
+        <p:spPr/>
+        <p:txBody>
+          <a:bodyPr/>
+          <a:lstStyle/>
+          <a:p>
+            <a:r>
+              <a:rPr lang="en-US" dirty="0" smtClean="0"/>
+              <a:t>Why silhouette</a:t>
+            </a:r>
+            <a:r>
+              <a:rPr lang="en-US" baseline="0" dirty="0" smtClean="0"/>
+              <a:t> score? </a:t>
+            </a:r>
+            <a:r>
+              <a:rPr lang="en-US" sz="1200" b="0" i="0" kern="1200" dirty="0" smtClean="0">
+                <a:solidFill>
+                  <a:schemeClr val="tx1"/>
+                </a:solidFill>
+                <a:effectLst/>
+                <a:latin typeface="+mn-lt"/>
+                <a:ea typeface="+mn-ea"/>
+                <a:cs typeface="+mn-cs"/>
+              </a:rPr>
+              <a:t>The Silhouette Coefficient is a measure of how well samples are clustered with samples that are similar to themselves. (</a:t>
+            </a:r>
+            <a:r>
+              <a:rPr lang="en-US" sz="1200" b="0" i="0" kern="1200" dirty="0" err="1" smtClean="0">
+                <a:solidFill>
+                  <a:schemeClr val="tx1"/>
+                </a:solidFill>
+                <a:effectLst/>
+                <a:latin typeface="+mn-lt"/>
+                <a:ea typeface="+mn-ea"/>
+                <a:cs typeface="+mn-cs"/>
+              </a:rPr>
+              <a:t>Sklearn</a:t>
+            </a:r>
+            <a:r>
+              <a:rPr lang="en-US" sz="1200" b="0" i="0" kern="1200" dirty="0" smtClean="0">
+                <a:solidFill>
+                  <a:schemeClr val="tx1"/>
+                </a:solidFill>
+                <a:effectLst/>
+                <a:latin typeface="+mn-lt"/>
+                <a:ea typeface="+mn-ea"/>
+                <a:cs typeface="+mn-cs"/>
+              </a:rPr>
+              <a:t> documentation)</a:t>
+            </a:r>
+            <a:endParaRPr lang="en-US" dirty="0"/>
+          </a:p>
+        </p:txBody>
+      </p:sp>
+      <p:sp>
+        <p:nvSpPr>
+          <p:cNvPr id="4" name="Slide Number Placeholder 3"/>
+          <p:cNvSpPr>
+            <a:spLocks noGrp="1"/>
+          </p:cNvSpPr>
+          <p:nvPr>
+            <p:ph type="sldNum" sz="quarter" idx="10"/>
+          </p:nvPr>
+        </p:nvSpPr>
+        <p:spPr/>
+        <p:txBody>
+          <a:bodyPr/>
+          <a:lstStyle/>
+          <a:p>
+            <a:fld id="{2BB6E61D-7567-8F48-BCF4-B7FD38D54E94}" type="slidenum">
+              <a:rPr lang="en-US" smtClean="0"/>
+              <a:t>9</a:t>
+            </a:fld>
+            <a:endParaRPr lang="en-US"/>
+          </a:p>
+        </p:txBody>
+      </p:sp>
+    </p:spTree>
+    <p:extLst>
+      <p:ext uri="{BB962C8B-B14F-4D97-AF65-F5344CB8AC3E}">
+        <p14:creationId xmlns:p14="http://schemas.microsoft.com/office/powerpoint/2010/main" val="361414145"/>
+      </p:ext>
+    </p:extLst>
+  </p:cSld>
+  <p:clrMapOvr>
+    <a:masterClrMapping/>
+  </p:clrMapOvr>
+</p:notes>
+</file>
+
+<file path=ppt/notesSlides/notesSlide6.xml><?xml version="1.0" encoding="utf-8"?>
+<p:notes xmlns:a="http://schemas.openxmlformats.org/drawingml/2006/main" xmlns:r="http://schemas.openxmlformats.org/officeDocument/2006/relationships" xmlns:p="http://schemas.openxmlformats.org/presentationml/2006/main">
+  <p:cSld>
+    <p:spTree>
+      <p:nvGrpSpPr>
+        <p:cNvPr id="1" name=""/>
+        <p:cNvGrpSpPr/>
+        <p:nvPr/>
+      </p:nvGrpSpPr>
+      <p:grpSpPr>
+        <a:xfrm>
+          <a:off x="0" y="0"/>
+          <a:ext cx="0" cy="0"/>
+          <a:chOff x="0" y="0"/>
+          <a:chExt cx="0" cy="0"/>
+        </a:xfrm>
+      </p:grpSpPr>
+      <p:sp>
+        <p:nvSpPr>
+          <p:cNvPr id="2" name="Slide Image Placeholder 1"/>
+          <p:cNvSpPr>
+            <a:spLocks noGrp="1" noRot="1" noChangeAspect="1"/>
+          </p:cNvSpPr>
+          <p:nvPr>
+            <p:ph type="sldImg"/>
+          </p:nvPr>
+        </p:nvSpPr>
+        <p:spPr/>
+      </p:sp>
+      <p:sp>
+        <p:nvSpPr>
+          <p:cNvPr id="3" name="Notes Placeholder 2"/>
+          <p:cNvSpPr>
+            <a:spLocks noGrp="1"/>
+          </p:cNvSpPr>
+          <p:nvPr>
+            <p:ph type="body" idx="1"/>
+          </p:nvPr>
+        </p:nvSpPr>
+        <p:spPr/>
+        <p:txBody>
+          <a:bodyPr/>
+          <a:lstStyle/>
+          <a:p>
+            <a:r>
+              <a:rPr lang="en-US" dirty="0" err="1" smtClean="0"/>
+              <a:t>tsne</a:t>
+            </a:r>
+            <a:r>
+              <a:rPr lang="en-US" dirty="0" smtClean="0"/>
+              <a:t> - </a:t>
+            </a:r>
+            <a:r>
+              <a:rPr lang="en-US" sz="1200" b="0" i="0" kern="1200" dirty="0" smtClean="0">
+                <a:solidFill>
+                  <a:schemeClr val="tx1"/>
+                </a:solidFill>
+                <a:effectLst/>
+                <a:latin typeface="+mn-lt"/>
+                <a:ea typeface="+mn-ea"/>
+                <a:cs typeface="+mn-cs"/>
+              </a:rPr>
+              <a:t>t-distributed Stochastic Neighbor Embedding.</a:t>
+            </a:r>
+          </a:p>
+          <a:p>
+            <a:endParaRPr lang="en-US" sz="1200" b="0" i="0" kern="1200" dirty="0" smtClean="0">
+              <a:solidFill>
+                <a:schemeClr val="tx1"/>
+              </a:solidFill>
+              <a:effectLst/>
+              <a:latin typeface="+mn-lt"/>
+              <a:ea typeface="+mn-ea"/>
+              <a:cs typeface="+mn-cs"/>
+            </a:endParaRPr>
+          </a:p>
+          <a:p>
+            <a:r>
+              <a:rPr lang="en-US" sz="1200" b="0" i="0" kern="1200" dirty="0" smtClean="0">
+                <a:solidFill>
+                  <a:schemeClr val="tx1"/>
+                </a:solidFill>
+                <a:effectLst/>
+                <a:latin typeface="+mn-lt"/>
+                <a:ea typeface="+mn-ea"/>
+                <a:cs typeface="+mn-cs"/>
+              </a:rPr>
+              <a:t>Caveats?</a:t>
+            </a:r>
+            <a:r>
+              <a:rPr lang="en-US" sz="1200" b="0" i="0" kern="1200" baseline="0" dirty="0" smtClean="0">
+                <a:solidFill>
+                  <a:schemeClr val="tx1"/>
+                </a:solidFill>
+                <a:effectLst/>
+                <a:latin typeface="+mn-lt"/>
+                <a:ea typeface="+mn-ea"/>
+                <a:cs typeface="+mn-cs"/>
+              </a:rPr>
+              <a:t> </a:t>
+            </a:r>
+            <a:endParaRPr lang="en-US" sz="1200" b="0" i="0" kern="1200" dirty="0" smtClean="0">
+              <a:solidFill>
+                <a:schemeClr val="tx1"/>
+              </a:solidFill>
+              <a:effectLst/>
+              <a:latin typeface="+mn-lt"/>
+              <a:ea typeface="+mn-ea"/>
+              <a:cs typeface="+mn-cs"/>
+            </a:endParaRPr>
+          </a:p>
+          <a:p>
+            <a:pPr marL="228600" indent="-228600">
+              <a:buAutoNum type="arabicPeriod"/>
+            </a:pPr>
+            <a:r>
+              <a:rPr lang="en-US" sz="1200" b="0" i="0" kern="1200" baseline="0" dirty="0" smtClean="0">
+                <a:solidFill>
+                  <a:schemeClr val="tx1"/>
+                </a:solidFill>
+                <a:effectLst/>
+                <a:latin typeface="+mn-lt"/>
+                <a:ea typeface="+mn-ea"/>
+                <a:cs typeface="+mn-cs"/>
+              </a:rPr>
+              <a:t>TSNE </a:t>
+            </a:r>
+            <a:r>
+              <a:rPr lang="mr-IN" sz="1200" b="0" i="0" kern="1200" baseline="0" dirty="0" smtClean="0">
+                <a:solidFill>
+                  <a:schemeClr val="tx1"/>
+                </a:solidFill>
+                <a:effectLst/>
+                <a:latin typeface="+mn-lt"/>
+                <a:ea typeface="+mn-ea"/>
+                <a:cs typeface="+mn-cs"/>
+              </a:rPr>
+              <a:t>–</a:t>
+            </a:r>
+            <a:r>
+              <a:rPr lang="en-US" sz="1200" b="0" i="0" kern="1200" baseline="0" dirty="0" smtClean="0">
+                <a:solidFill>
+                  <a:schemeClr val="tx1"/>
+                </a:solidFill>
+                <a:effectLst/>
+                <a:latin typeface="+mn-lt"/>
+                <a:ea typeface="+mn-ea"/>
+                <a:cs typeface="+mn-cs"/>
+              </a:rPr>
+              <a:t>used as a representation of high-dimensional data. My data may or may not be considered high-dimension, but given it’s demonstrated ability to provide a better visualization alternative it’s worth also considering in EDA.</a:t>
+            </a:r>
+          </a:p>
+          <a:p>
+            <a:pPr marL="228600" indent="-228600">
+              <a:buAutoNum type="arabicPeriod"/>
+            </a:pPr>
+            <a:r>
+              <a:rPr lang="en-US" sz="1200" b="0" i="0" kern="1200" baseline="0" dirty="0" smtClean="0">
+                <a:solidFill>
+                  <a:schemeClr val="tx1"/>
+                </a:solidFill>
+                <a:effectLst/>
+                <a:latin typeface="+mn-lt"/>
+                <a:ea typeface="+mn-ea"/>
+                <a:cs typeface="+mn-cs"/>
+              </a:rPr>
+              <a:t>If data had higher dimensions, would consider using PCA first before TSNE.</a:t>
+            </a:r>
+          </a:p>
+          <a:p>
+            <a:pPr marL="228600" indent="-228600">
+              <a:buAutoNum type="arabicPeriod"/>
+            </a:pPr>
+            <a:r>
+              <a:rPr lang="en-US" sz="1200" b="0" i="0" kern="1200" baseline="0" dirty="0" smtClean="0">
+                <a:solidFill>
+                  <a:schemeClr val="tx1"/>
+                </a:solidFill>
+                <a:effectLst/>
+                <a:latin typeface="+mn-lt"/>
+                <a:ea typeface="+mn-ea"/>
+                <a:cs typeface="+mn-cs"/>
+              </a:rPr>
+              <a:t>Mainly computational reasons</a:t>
+            </a:r>
+          </a:p>
+        </p:txBody>
+      </p:sp>
+      <p:sp>
+        <p:nvSpPr>
+          <p:cNvPr id="4" name="Slide Number Placeholder 3"/>
+          <p:cNvSpPr>
+            <a:spLocks noGrp="1"/>
+          </p:cNvSpPr>
+          <p:nvPr>
+            <p:ph type="sldNum" sz="quarter" idx="10"/>
+          </p:nvPr>
+        </p:nvSpPr>
+        <p:spPr/>
+        <p:txBody>
+          <a:bodyPr/>
+          <a:lstStyle/>
+          <a:p>
+            <a:fld id="{2BB6E61D-7567-8F48-BCF4-B7FD38D54E94}" type="slidenum">
+              <a:rPr lang="en-US" smtClean="0"/>
+              <a:t>10</a:t>
+            </a:fld>
+            <a:endParaRPr lang="en-US"/>
+          </a:p>
+        </p:txBody>
+      </p:sp>
+    </p:spTree>
+    <p:extLst>
+      <p:ext uri="{BB962C8B-B14F-4D97-AF65-F5344CB8AC3E}">
+        <p14:creationId xmlns:p14="http://schemas.microsoft.com/office/powerpoint/2010/main" val="1602047797"/>
+      </p:ext>
+    </p:extLst>
+  </p:cSld>
+  <p:clrMapOvr>
+    <a:masterClrMapping/>
+  </p:clrMapOvr>
+</p:notes>
+</file>
+
+<file path=ppt/notesSlides/notesSlide7.xml><?xml version="1.0" encoding="utf-8"?>
+<p:notes xmlns:a="http://schemas.openxmlformats.org/drawingml/2006/main" xmlns:r="http://schemas.openxmlformats.org/officeDocument/2006/relationships" xmlns:p="http://schemas.openxmlformats.org/presentationml/2006/main">
+  <p:cSld>
+    <p:spTree>
+      <p:nvGrpSpPr>
+        <p:cNvPr id="1" name=""/>
+        <p:cNvGrpSpPr/>
+        <p:nvPr/>
+      </p:nvGrpSpPr>
+      <p:grpSpPr>
+        <a:xfrm>
+          <a:off x="0" y="0"/>
+          <a:ext cx="0" cy="0"/>
+          <a:chOff x="0" y="0"/>
+          <a:chExt cx="0" cy="0"/>
+        </a:xfrm>
+      </p:grpSpPr>
+      <p:sp>
+        <p:nvSpPr>
+          <p:cNvPr id="2" name="Slide Image Placeholder 1"/>
+          <p:cNvSpPr>
+            <a:spLocks noGrp="1" noRot="1" noChangeAspect="1"/>
+          </p:cNvSpPr>
+          <p:nvPr>
+            <p:ph type="sldImg"/>
+          </p:nvPr>
+        </p:nvSpPr>
+        <p:spPr/>
+      </p:sp>
+      <p:sp>
+        <p:nvSpPr>
+          <p:cNvPr id="3" name="Notes Placeholder 2"/>
+          <p:cNvSpPr>
+            <a:spLocks noGrp="1"/>
+          </p:cNvSpPr>
+          <p:nvPr>
+            <p:ph type="body" idx="1"/>
+          </p:nvPr>
+        </p:nvSpPr>
+        <p:spPr/>
+        <p:txBody>
+          <a:bodyPr/>
+          <a:lstStyle/>
+          <a:p>
+            <a:r>
+              <a:rPr lang="en-US" dirty="0" smtClean="0"/>
+              <a:t>Mention : Clusters</a:t>
+            </a:r>
+            <a:r>
+              <a:rPr lang="en-US" baseline="0" dirty="0" smtClean="0"/>
+              <a:t> may change with each time. </a:t>
+            </a:r>
+            <a:endParaRPr lang="en-US" dirty="0"/>
+          </a:p>
+        </p:txBody>
+      </p:sp>
+      <p:sp>
+        <p:nvSpPr>
+          <p:cNvPr id="4" name="Slide Number Placeholder 3"/>
+          <p:cNvSpPr>
+            <a:spLocks noGrp="1"/>
+          </p:cNvSpPr>
+          <p:nvPr>
+            <p:ph type="sldNum" sz="quarter" idx="10"/>
+          </p:nvPr>
+        </p:nvSpPr>
+        <p:spPr/>
+        <p:txBody>
+          <a:bodyPr/>
+          <a:lstStyle/>
+          <a:p>
+            <a:fld id="{2BB6E61D-7567-8F48-BCF4-B7FD38D54E94}" type="slidenum">
+              <a:rPr lang="en-US" smtClean="0"/>
+              <a:t>11</a:t>
+            </a:fld>
+            <a:endParaRPr lang="en-US"/>
+          </a:p>
+        </p:txBody>
+      </p:sp>
+    </p:spTree>
+    <p:extLst>
+      <p:ext uri="{BB962C8B-B14F-4D97-AF65-F5344CB8AC3E}">
+        <p14:creationId xmlns:p14="http://schemas.microsoft.com/office/powerpoint/2010/main" val="1316717232"/>
+      </p:ext>
+    </p:extLst>
+  </p:cSld>
+  <p:clrMapOvr>
+    <a:masterClrMapping/>
+  </p:clrMapOvr>
+</p:notes>
+</file>
+
+<file path=ppt/notesSlides/notesSlide8.xml><?xml version="1.0" encoding="utf-8"?>
+<p:notes xmlns:a="http://schemas.openxmlformats.org/drawingml/2006/main" xmlns:r="http://schemas.openxmlformats.org/officeDocument/2006/relationships" xmlns:p="http://schemas.openxmlformats.org/presentationml/2006/main">
+  <p:cSld>
+    <p:spTree>
+      <p:nvGrpSpPr>
+        <p:cNvPr id="1" name=""/>
+        <p:cNvGrpSpPr/>
+        <p:nvPr/>
+      </p:nvGrpSpPr>
+      <p:grpSpPr>
+        <a:xfrm>
+          <a:off x="0" y="0"/>
+          <a:ext cx="0" cy="0"/>
+          <a:chOff x="0" y="0"/>
+          <a:chExt cx="0" cy="0"/>
+        </a:xfrm>
+      </p:grpSpPr>
+      <p:sp>
+        <p:nvSpPr>
+          <p:cNvPr id="2" name="Slide Image Placeholder 1"/>
+          <p:cNvSpPr>
+            <a:spLocks noGrp="1" noRot="1" noChangeAspect="1"/>
+          </p:cNvSpPr>
+          <p:nvPr>
+            <p:ph type="sldImg"/>
+          </p:nvPr>
+        </p:nvSpPr>
+        <p:spPr/>
+      </p:sp>
+      <p:sp>
+        <p:nvSpPr>
+          <p:cNvPr id="3" name="Notes Placeholder 2"/>
+          <p:cNvSpPr>
+            <a:spLocks noGrp="1"/>
+          </p:cNvSpPr>
+          <p:nvPr>
+            <p:ph type="body" idx="1"/>
+          </p:nvPr>
+        </p:nvSpPr>
+        <p:spPr/>
+        <p:txBody>
+          <a:bodyPr/>
+          <a:lstStyle/>
+          <a:p>
+            <a:r>
+              <a:rPr lang="en-US" dirty="0" smtClean="0"/>
               <a:t>2-3 </a:t>
             </a:r>
             <a:r>
@@ -906,6 +1532,118 @@
     <p:extLst>
       <p:ext uri="{BB962C8B-B14F-4D97-AF65-F5344CB8AC3E}">
         <p14:creationId xmlns:p14="http://schemas.microsoft.com/office/powerpoint/2010/main" val="1520570625"/>
+      </p:ext>
+    </p:extLst>
+  </p:cSld>
+  <p:clrMapOvr>
+    <a:masterClrMapping/>
+  </p:clrMapOvr>
+</p:notes>
+</file>
+
+<file path=ppt/notesSlides/notesSlide9.xml><?xml version="1.0" encoding="utf-8"?>
+<p:notes xmlns:a="http://schemas.openxmlformats.org/drawingml/2006/main" xmlns:r="http://schemas.openxmlformats.org/officeDocument/2006/relationships" xmlns:p="http://schemas.openxmlformats.org/presentationml/2006/main">
+  <p:cSld>
+    <p:spTree>
+      <p:nvGrpSpPr>
+        <p:cNvPr id="1" name=""/>
+        <p:cNvGrpSpPr/>
+        <p:nvPr/>
+      </p:nvGrpSpPr>
+      <p:grpSpPr>
+        <a:xfrm>
+          <a:off x="0" y="0"/>
+          <a:ext cx="0" cy="0"/>
+          <a:chOff x="0" y="0"/>
+          <a:chExt cx="0" cy="0"/>
+        </a:xfrm>
+      </p:grpSpPr>
+      <p:sp>
+        <p:nvSpPr>
+          <p:cNvPr id="2" name="Slide Image Placeholder 1"/>
+          <p:cNvSpPr>
+            <a:spLocks noGrp="1" noRot="1" noChangeAspect="1"/>
+          </p:cNvSpPr>
+          <p:nvPr>
+            <p:ph type="sldImg"/>
+          </p:nvPr>
+        </p:nvSpPr>
+        <p:spPr/>
+      </p:sp>
+      <p:sp>
+        <p:nvSpPr>
+          <p:cNvPr id="3" name="Notes Placeholder 2"/>
+          <p:cNvSpPr>
+            <a:spLocks noGrp="1"/>
+          </p:cNvSpPr>
+          <p:nvPr>
+            <p:ph type="body" idx="1"/>
+          </p:nvPr>
+        </p:nvSpPr>
+        <p:spPr/>
+        <p:txBody>
+          <a:bodyPr/>
+          <a:lstStyle/>
+          <a:p>
+            <a:r>
+              <a:rPr lang="en-US" dirty="0" smtClean="0"/>
+              <a:t>Low </a:t>
+            </a:r>
+            <a:r>
+              <a:rPr lang="en-US" dirty="0" err="1" smtClean="0"/>
+              <a:t>std</a:t>
+            </a:r>
+            <a:r>
+              <a:rPr lang="en-US" dirty="0" smtClean="0"/>
+              <a:t> dev given </a:t>
+            </a:r>
+            <a:r>
+              <a:rPr lang="en-US" dirty="0" err="1" smtClean="0"/>
+              <a:t>pref</a:t>
+            </a:r>
+            <a:r>
+              <a:rPr lang="en-US" dirty="0" smtClean="0"/>
+              <a:t> -&gt; low variance in </a:t>
+            </a:r>
+            <a:r>
+              <a:rPr lang="en-US" dirty="0" err="1" smtClean="0"/>
+              <a:t>datapoints</a:t>
+            </a:r>
+            <a:r>
+              <a:rPr lang="en-US" dirty="0" smtClean="0"/>
+              <a:t> suggests less movement in and around the location.</a:t>
+            </a:r>
+            <a:endParaRPr lang="en-US" dirty="0"/>
+          </a:p>
+        </p:txBody>
+      </p:sp>
+      <p:sp>
+        <p:nvSpPr>
+          <p:cNvPr id="4" name="Slide Number Placeholder 3"/>
+          <p:cNvSpPr>
+            <a:spLocks noGrp="1"/>
+          </p:cNvSpPr>
+          <p:nvPr>
+            <p:ph type="sldNum" sz="quarter" idx="10"/>
+          </p:nvPr>
+        </p:nvSpPr>
+        <p:spPr/>
+        <p:txBody>
+          <a:bodyPr/>
+          <a:lstStyle/>
+          <a:p>
+            <a:fld id="{2BB6E61D-7567-8F48-BCF4-B7FD38D54E94}" type="slidenum">
+              <a:rPr lang="en-US" smtClean="0"/>
+              <a:t>16</a:t>
+            </a:fld>
+            <a:endParaRPr lang="en-US"/>
+          </a:p>
+        </p:txBody>
+      </p:sp>
+    </p:spTree>
+    <p:extLst>
+      <p:ext uri="{BB962C8B-B14F-4D97-AF65-F5344CB8AC3E}">
+        <p14:creationId xmlns:p14="http://schemas.microsoft.com/office/powerpoint/2010/main" val="1765583277"/>
       </p:ext>
     </p:extLst>
   </p:cSld>
@@ -1129,7 +1867,7 @@
             <a:fld id="{B61BEF0D-F0BB-DE4B-95CE-6DB70DBA9567}" type="datetimeFigureOut">
               <a:rPr lang="en-US" dirty="0"/>
               <a:pPr/>
-              <a:t>11/22/16</a:t>
+              <a:t>11/23/16</a:t>
             </a:fld>
             <a:endParaRPr lang="en-US" dirty="0"/>
           </a:p>
@@ -1417,7 +2155,7 @@
             <a:fld id="{B61BEF0D-F0BB-DE4B-95CE-6DB70DBA9567}" type="datetimeFigureOut">
               <a:rPr lang="en-US" dirty="0"/>
               <a:pPr/>
-              <a:t>11/22/16</a:t>
+              <a:t>11/23/16</a:t>
             </a:fld>
             <a:endParaRPr lang="en-US" dirty="0"/>
           </a:p>
@@ -1673,7 +2411,7 @@
             <a:fld id="{B61BEF0D-F0BB-DE4B-95CE-6DB70DBA9567}" type="datetimeFigureOut">
               <a:rPr lang="en-US" dirty="0"/>
               <a:pPr/>
-              <a:t>11/22/16</a:t>
+              <a:t>11/23/16</a:t>
             </a:fld>
             <a:endParaRPr lang="en-US" dirty="0"/>
           </a:p>
@@ -2139,7 +2877,7 @@
             <a:fld id="{B61BEF0D-F0BB-DE4B-95CE-6DB70DBA9567}" type="datetimeFigureOut">
               <a:rPr lang="en-US" dirty="0"/>
               <a:pPr/>
-              <a:t>11/22/16</a:t>
+              <a:t>11/23/16</a:t>
             </a:fld>
             <a:endParaRPr lang="en-US" dirty="0"/>
           </a:p>
@@ -2316,7 +3054,7 @@
             <a:fld id="{B61BEF0D-F0BB-DE4B-95CE-6DB70DBA9567}" type="datetimeFigureOut">
               <a:rPr lang="en-US" dirty="0"/>
               <a:pPr/>
-              <a:t>11/22/16</a:t>
+              <a:t>11/23/16</a:t>
             </a:fld>
             <a:endParaRPr lang="en-US" dirty="0"/>
           </a:p>
@@ -2889,7 +3627,7 @@
             <a:fld id="{B61BEF0D-F0BB-DE4B-95CE-6DB70DBA9567}" type="datetimeFigureOut">
               <a:rPr lang="en-US" dirty="0"/>
               <a:pPr/>
-              <a:t>11/22/16</a:t>
+              <a:t>11/23/16</a:t>
             </a:fld>
             <a:endParaRPr lang="en-US" dirty="0"/>
           </a:p>
@@ -3218,7 +3956,7 @@
             <a:fld id="{B61BEF0D-F0BB-DE4B-95CE-6DB70DBA9567}" type="datetimeFigureOut">
               <a:rPr lang="en-US" dirty="0"/>
               <a:pPr/>
-              <a:t>11/22/16</a:t>
+              <a:t>11/23/16</a:t>
             </a:fld>
             <a:endParaRPr lang="en-US" dirty="0"/>
           </a:p>
@@ -3390,7 +4128,7 @@
             <a:fld id="{B61BEF0D-F0BB-DE4B-95CE-6DB70DBA9567}" type="datetimeFigureOut">
               <a:rPr lang="en-US" dirty="0"/>
               <a:pPr/>
-              <a:t>11/22/16</a:t>
+              <a:t>11/23/16</a:t>
             </a:fld>
             <a:endParaRPr lang="en-US" dirty="0"/>
           </a:p>
@@ -3567,7 +4305,7 @@
             <a:fld id="{B61BEF0D-F0BB-DE4B-95CE-6DB70DBA9567}" type="datetimeFigureOut">
               <a:rPr lang="en-US" dirty="0"/>
               <a:pPr/>
-              <a:t>11/22/16</a:t>
+              <a:t>11/23/16</a:t>
             </a:fld>
             <a:endParaRPr lang="en-US" dirty="0"/>
           </a:p>
@@ -3734,7 +4472,7 @@
             <a:fld id="{B61BEF0D-F0BB-DE4B-95CE-6DB70DBA9567}" type="datetimeFigureOut">
               <a:rPr lang="en-US" dirty="0"/>
               <a:pPr/>
-              <a:t>11/22/16</a:t>
+              <a:t>11/23/16</a:t>
             </a:fld>
             <a:endParaRPr lang="en-US" dirty="0"/>
           </a:p>
@@ -3988,7 +4726,7 @@
             <a:fld id="{B61BEF0D-F0BB-DE4B-95CE-6DB70DBA9567}" type="datetimeFigureOut">
               <a:rPr lang="en-US" dirty="0"/>
               <a:pPr/>
-              <a:t>11/22/16</a:t>
+              <a:t>11/23/16</a:t>
             </a:fld>
             <a:endParaRPr lang="en-US" dirty="0"/>
           </a:p>
@@ -4277,7 +5015,7 @@
             <a:fld id="{B61BEF0D-F0BB-DE4B-95CE-6DB70DBA9567}" type="datetimeFigureOut">
               <a:rPr lang="en-US" dirty="0"/>
               <a:pPr/>
-              <a:t>11/22/16</a:t>
+              <a:t>11/23/16</a:t>
             </a:fld>
             <a:endParaRPr lang="en-US" dirty="0"/>
           </a:p>
@@ -4704,7 +5442,7 @@
             <a:fld id="{B61BEF0D-F0BB-DE4B-95CE-6DB70DBA9567}" type="datetimeFigureOut">
               <a:rPr lang="en-US" dirty="0"/>
               <a:pPr/>
-              <a:t>11/22/16</a:t>
+              <a:t>11/23/16</a:t>
             </a:fld>
             <a:endParaRPr lang="en-US" dirty="0"/>
           </a:p>
@@ -4819,7 +5557,7 @@
             <a:fld id="{B61BEF0D-F0BB-DE4B-95CE-6DB70DBA9567}" type="datetimeFigureOut">
               <a:rPr lang="en-US" dirty="0"/>
               <a:pPr/>
-              <a:t>11/22/16</a:t>
+              <a:t>11/23/16</a:t>
             </a:fld>
             <a:endParaRPr lang="en-US" dirty="0"/>
           </a:p>
@@ -4911,7 +5649,7 @@
             <a:fld id="{B61BEF0D-F0BB-DE4B-95CE-6DB70DBA9567}" type="datetimeFigureOut">
               <a:rPr lang="en-US" dirty="0"/>
               <a:pPr/>
-              <a:t>11/22/16</a:t>
+              <a:t>11/23/16</a:t>
             </a:fld>
             <a:endParaRPr lang="en-US" dirty="0"/>
           </a:p>
@@ -5191,7 +5929,7 @@
             <a:fld id="{B61BEF0D-F0BB-DE4B-95CE-6DB70DBA9567}" type="datetimeFigureOut">
               <a:rPr lang="en-US" dirty="0"/>
               <a:pPr/>
-              <a:t>11/22/16</a:t>
+              <a:t>11/23/16</a:t>
             </a:fld>
             <a:endParaRPr lang="en-US" dirty="0"/>
           </a:p>
@@ -5479,7 +6217,7 @@
             <a:fld id="{B61BEF0D-F0BB-DE4B-95CE-6DB70DBA9567}" type="datetimeFigureOut">
               <a:rPr lang="en-US" dirty="0"/>
               <a:pPr/>
-              <a:t>11/22/16</a:t>
+              <a:t>11/23/16</a:t>
             </a:fld>
             <a:endParaRPr lang="en-US" dirty="0"/>
           </a:p>
@@ -5707,7 +6445,7 @@
             <a:fld id="{B61BEF0D-F0BB-DE4B-95CE-6DB70DBA9567}" type="datetimeFigureOut">
               <a:rPr lang="en-US" dirty="0"/>
               <a:pPr/>
-              <a:t>11/22/16</a:t>
+              <a:t>11/23/16</a:t>
             </a:fld>
             <a:endParaRPr lang="en-US" dirty="0"/>
           </a:p>
@@ -6518,7 +7256,7 @@
         </p:spPr>
         <p:txBody>
           <a:bodyPr>
-            <a:normAutofit/>
+            <a:normAutofit lnSpcReduction="10000"/>
           </a:bodyPr>
           <a:lstStyle/>
           <a:p>
@@ -6539,8 +7277,19 @@
           <a:p>
             <a:r>
               <a:rPr lang="en-US" sz="3200" b="1" dirty="0" smtClean="0"/>
-              <a:t>Aaron Kim</a:t>
-            </a:r>
+              <a:t>Aaron </a:t>
+            </a:r>
+            <a:r>
+              <a:rPr lang="en-US" sz="3200" b="1" dirty="0" smtClean="0"/>
+              <a:t>Kim</a:t>
+            </a:r>
+          </a:p>
+          <a:p>
+            <a:r>
+              <a:rPr lang="en-US" sz="2400" b="1" dirty="0" smtClean="0"/>
+              <a:t>Nov 23, 2016</a:t>
+            </a:r>
+            <a:endParaRPr lang="en-US" sz="2400" b="1" dirty="0" smtClean="0"/>
           </a:p>
         </p:txBody>
       </p:sp>
@@ -6554,6 +7303,13 @@
   <p:clrMapOvr>
     <a:masterClrMapping/>
   </p:clrMapOvr>
+  <p:timing>
+    <p:tnLst>
+      <p:par>
+        <p:cTn id="1" dur="indefinite" restart="never" nodeType="tmRoot"/>
+      </p:par>
+    </p:tnLst>
+  </p:timing>
 </p:sld>
 </file>
 
@@ -7071,7 +7827,7 @@
             </a:pPr>
             <a:r>
               <a:rPr lang="en-US" sz="2800" dirty="0" smtClean="0"/>
-              <a:t>Other options to improve clustering visualization? TSNE!</a:t>
+              <a:t>Other options to improve clustering visualization? </a:t>
             </a:r>
             <a:endParaRPr lang="en-US" sz="2800" dirty="0"/>
           </a:p>
@@ -7101,8 +7857,8 @@
         </p:blipFill>
         <p:spPr>
           <a:xfrm>
-            <a:off x="5685801" y="1409391"/>
-            <a:ext cx="5609728" cy="4601444"/>
+            <a:off x="5650992" y="1409391"/>
+            <a:ext cx="5644537" cy="4629996"/>
           </a:xfrm>
         </p:spPr>
       </p:pic>
@@ -7114,7 +7870,7 @@
         </p:nvSpPr>
         <p:spPr>
           <a:xfrm>
-            <a:off x="10287000" y="1701583"/>
+            <a:off x="10259568" y="1701583"/>
             <a:ext cx="470647" cy="469185"/>
           </a:xfrm>
           <a:prstGeom prst="ellipse">
@@ -7160,7 +7916,7 @@
         </p:nvSpPr>
         <p:spPr>
           <a:xfrm>
-            <a:off x="7709647" y="3379242"/>
+            <a:off x="7718791" y="3315234"/>
             <a:ext cx="470647" cy="469185"/>
           </a:xfrm>
           <a:prstGeom prst="ellipse">
@@ -7206,7 +7962,7 @@
         </p:nvSpPr>
         <p:spPr>
           <a:xfrm>
-            <a:off x="8132131" y="4005512"/>
+            <a:off x="8159563" y="3904928"/>
             <a:ext cx="470647" cy="469185"/>
           </a:xfrm>
           <a:prstGeom prst="ellipse">
@@ -7763,39 +8519,32 @@
             </a:pPr>
             <a:r>
               <a:rPr lang="en-US" sz="2800" dirty="0" smtClean="0"/>
-              <a:t>TSNE suggests existence of poi</a:t>
+              <a:t>TSNE suggests existence of </a:t>
+            </a:r>
+            <a:r>
+              <a:rPr lang="en-US" sz="2800" dirty="0" smtClean="0"/>
+              <a:t>poi</a:t>
             </a:r>
           </a:p>
           <a:p>
             <a:pPr marL="0" indent="0">
               <a:buNone/>
             </a:pPr>
+            <a:endParaRPr lang="en-US" sz="2800" dirty="0" smtClean="0"/>
+          </a:p>
+          <a:p>
+            <a:pPr marL="0" indent="0">
+              <a:buNone/>
+            </a:pPr>
             <a:r>
               <a:rPr lang="en-US" sz="2800" dirty="0" smtClean="0"/>
-              <a:t>user </a:t>
-            </a:r>
-            <a:r>
-              <a:rPr lang="en-US" sz="2800" dirty="0" smtClean="0"/>
-              <a:t>appears to frequent </a:t>
-            </a:r>
-            <a:r>
-              <a:rPr lang="en-US" sz="2800" dirty="0" smtClean="0"/>
-              <a:t>a few specific locations </a:t>
+              <a:t>user appears to frequent a few specific locations </a:t>
             </a:r>
             <a:r>
               <a:rPr lang="en-US" sz="2800" dirty="0" smtClean="0"/>
               <a:t>often</a:t>
             </a:r>
-          </a:p>
-          <a:p>
-            <a:pPr marL="0" indent="0">
-              <a:buNone/>
-            </a:pPr>
-            <a:r>
-              <a:rPr lang="en-US" sz="2800" dirty="0" smtClean="0"/>
-              <a:t>(circled in red)</a:t>
-            </a:r>
-            <a:endParaRPr lang="en-US" sz="2800" dirty="0"/>
+            <a:endParaRPr lang="en-US" sz="2800" dirty="0" smtClean="0"/>
           </a:p>
         </p:txBody>
       </p:sp>
@@ -7808,7 +8557,7 @@
           <p:nvPr/>
         </p:nvPicPr>
         <p:blipFill>
-          <a:blip r:embed="rId2">
+          <a:blip r:embed="rId3">
             <a:extLst>
               <a:ext uri="{28A0092B-C50C-407E-A947-70E740481C1C}">
                 <a14:useLocalDpi xmlns:a14="http://schemas.microsoft.com/office/drawing/2010/main" val="0"/>
@@ -8170,20 +8919,29 @@
             <a:pPr lvl="1"/>
             <a:r>
               <a:rPr lang="en-US" sz="3200" dirty="0" smtClean="0"/>
-              <a:t># of </a:t>
+              <a:t>Number </a:t>
+            </a:r>
+            <a:r>
+              <a:rPr lang="en-US" sz="3200" dirty="0" smtClean="0"/>
+              <a:t>of </a:t>
             </a:r>
             <a:r>
               <a:rPr lang="en-US" sz="3200" dirty="0" err="1" smtClean="0"/>
               <a:t>datapoints</a:t>
             </a:r>
+            <a:r>
+              <a:rPr lang="en-US" sz="3200" dirty="0" smtClean="0"/>
+              <a:t> (geolocation check-ins)</a:t>
+            </a:r>
             <a:endParaRPr lang="en-US" sz="3200" dirty="0" smtClean="0"/>
           </a:p>
           <a:p>
             <a:pPr lvl="1"/>
             <a:r>
               <a:rPr lang="en-US" sz="3200" dirty="0" smtClean="0"/>
-              <a:t>Standard deviation (lower=better)</a:t>
-            </a:r>
+              <a:t>Statistical measures from .describe() method</a:t>
+            </a:r>
+            <a:endParaRPr lang="en-US" sz="3200" dirty="0" smtClean="0"/>
           </a:p>
           <a:p>
             <a:pPr lvl="1"/>
@@ -8385,22 +9143,14 @@
             </a:pPr>
             <a:r>
               <a:rPr lang="en-US" sz="2400" dirty="0" smtClean="0"/>
-              <a:t>2. get distribution stats via the .describe() method, </a:t>
-            </a:r>
-            <a:r>
-              <a:rPr lang="en-US" sz="2400" dirty="0" smtClean="0"/>
-              <a:t>look</a:t>
+              <a:t>2. get distribution stats via the .describe() method, look</a:t>
             </a:r>
             <a:br>
               <a:rPr lang="en-US" sz="2400" dirty="0" smtClean="0"/>
             </a:br>
             <a:r>
               <a:rPr lang="en-US" sz="2400" dirty="0" smtClean="0"/>
-              <a:t>    </a:t>
-            </a:r>
-            <a:r>
-              <a:rPr lang="en-US" sz="2400" dirty="0" smtClean="0"/>
-              <a:t>for data points between 2~3 </a:t>
+              <a:t>    for data points between 2~3 </a:t>
             </a:r>
             <a:r>
               <a:rPr lang="en-US" sz="2400" dirty="0" err="1" smtClean="0"/>
@@ -8409,21 +9159,13 @@
             <a:r>
               <a:rPr lang="en-US" sz="2400" dirty="0" smtClean="0"/>
               <a:t> deviations from the </a:t>
-            </a:r>
-            <a:r>
-              <a:rPr lang="en-US" sz="2400" dirty="0" smtClean="0"/>
-              <a:t/>
             </a:r>
             <a:br>
               <a:rPr lang="en-US" sz="2400" dirty="0" smtClean="0"/>
             </a:br>
             <a:r>
               <a:rPr lang="en-US" sz="2400" dirty="0" smtClean="0"/>
-              <a:t>    mean </a:t>
-            </a:r>
-            <a:r>
-              <a:rPr lang="en-US" sz="2400" dirty="0" smtClean="0"/>
-              <a:t>towards the max</a:t>
+              <a:t>    mean towards the max</a:t>
             </a:r>
           </a:p>
         </p:txBody>
@@ -8881,19 +9623,7 @@
             </a:pPr>
             <a:r>
               <a:rPr lang="en-US" sz="2400" dirty="0" smtClean="0"/>
-              <a:t>After </a:t>
-            </a:r>
-            <a:r>
-              <a:rPr lang="en-US" sz="2400" dirty="0" smtClean="0"/>
-              <a:t>assignment of poi id (based on cluster labels</a:t>
-            </a:r>
-            <a:r>
-              <a:rPr lang="en-US" sz="2400" dirty="0" smtClean="0"/>
-              <a:t>),   group </a:t>
-            </a:r>
-            <a:r>
-              <a:rPr lang="en-US" sz="2400" dirty="0" smtClean="0"/>
-              <a:t>and order by count.</a:t>
+              <a:t>After assignment of poi id (based on cluster labels),   group and order by count.</a:t>
             </a:r>
           </a:p>
         </p:txBody>
@@ -8908,7 +9638,7 @@
         </p:nvSpPr>
         <p:spPr>
           <a:xfrm>
-            <a:off x="6826717" y="3974011"/>
+            <a:off x="6939243" y="4050008"/>
             <a:ext cx="4926012" cy="1310683"/>
           </a:xfrm>
           <a:prstGeom prst="rect">
@@ -9353,35 +10083,19 @@
               <a:rPr lang="en-US" sz="2400" dirty="0" smtClean="0"/>
               <a:t>3. selected poi ids considered </a:t>
             </a:r>
-            <a:r>
-              <a:rPr lang="en-US" sz="2400" dirty="0" smtClean="0"/>
-              <a:t/>
-            </a:r>
             <a:br>
               <a:rPr lang="en-US" sz="2400" dirty="0" smtClean="0"/>
             </a:br>
             <a:r>
               <a:rPr lang="en-US" sz="2400" dirty="0" smtClean="0"/>
-              <a:t>    significant </a:t>
-            </a:r>
-            <a:r>
-              <a:rPr lang="en-US" sz="2400" dirty="0" smtClean="0"/>
-              <a:t>(likely to be </a:t>
-            </a:r>
-            <a:r>
-              <a:rPr lang="en-US" sz="2400" dirty="0" smtClean="0"/>
-              <a:t>recalled</a:t>
+              <a:t>    significant (likely to be recalled</a:t>
             </a:r>
             <a:br>
               <a:rPr lang="en-US" sz="2400" dirty="0" smtClean="0"/>
             </a:br>
             <a:r>
               <a:rPr lang="en-US" sz="2400" dirty="0" smtClean="0"/>
-              <a:t>    </a:t>
-            </a:r>
-            <a:r>
-              <a:rPr lang="en-US" sz="2400" dirty="0" smtClean="0"/>
-              <a:t>correctly) </a:t>
+              <a:t>    correctly) </a:t>
             </a:r>
           </a:p>
         </p:txBody>
@@ -9604,7 +10318,7 @@
         <p:spPr>
           <a:xfrm>
             <a:off x="1141413" y="1674688"/>
-            <a:ext cx="7679858" cy="4514766"/>
+            <a:ext cx="7444803" cy="4514766"/>
           </a:xfrm>
         </p:spPr>
         <p:txBody>
@@ -9714,7 +10428,7 @@
           <p:nvPr/>
         </p:nvPicPr>
         <p:blipFill>
-          <a:blip r:embed="rId2">
+          <a:blip r:embed="rId3">
             <a:extLst>
               <a:ext uri="{28A0092B-C50C-407E-A947-70E740481C1C}">
                 <a14:useLocalDpi xmlns:a14="http://schemas.microsoft.com/office/drawing/2010/main" val="0"/>
@@ -9744,7 +10458,7 @@
           <p:nvPr/>
         </p:nvPicPr>
         <p:blipFill>
-          <a:blip r:embed="rId3">
+          <a:blip r:embed="rId4">
             <a:extLst>
               <a:ext uri="{28A0092B-C50C-407E-A947-70E740481C1C}">
                 <a14:useLocalDpi xmlns:a14="http://schemas.microsoft.com/office/drawing/2010/main" val="0"/>
@@ -10281,7 +10995,7 @@
           <a:p>
             <a:r>
               <a:rPr lang="en-US" sz="4400" b="1" dirty="0" smtClean="0"/>
-              <a:t>DEMO</a:t>
+              <a:t>DEMO - Screenshot</a:t>
             </a:r>
             <a:endParaRPr lang="en-US" sz="3600" b="1" dirty="0"/>
           </a:p>
@@ -10500,7 +11214,15 @@
           <a:p>
             <a:r>
               <a:rPr lang="en-US" sz="4400" b="1" dirty="0" smtClean="0"/>
-              <a:t>DEMO</a:t>
+              <a:t>Demo </a:t>
+            </a:r>
+            <a:r>
+              <a:rPr lang="mr-IN" sz="4400" b="1" dirty="0" smtClean="0"/>
+              <a:t>–</a:t>
+            </a:r>
+            <a:r>
+              <a:rPr lang="en-US" sz="4400" b="1" dirty="0" smtClean="0"/>
+              <a:t> wrap up</a:t>
             </a:r>
             <a:endParaRPr lang="en-US" sz="3600" b="1" dirty="0"/>
           </a:p>
@@ -10519,7 +11241,7 @@
         <p:spPr>
           <a:xfrm>
             <a:off x="1141413" y="1674688"/>
-            <a:ext cx="9905998" cy="4116512"/>
+            <a:ext cx="9905998" cy="4680392"/>
           </a:xfrm>
         </p:spPr>
         <p:txBody>
@@ -10529,21 +11251,37 @@
           <a:lstStyle/>
           <a:p>
             <a:r>
-              <a:rPr lang="en-US" sz="4000" dirty="0" smtClean="0"/>
-              <a:t>Not limited to a single answer</a:t>
-            </a:r>
-          </a:p>
-          <a:p>
-            <a:r>
-              <a:rPr lang="en-US" sz="4000" dirty="0" smtClean="0"/>
+              <a:rPr lang="en-US" sz="3600" dirty="0" smtClean="0"/>
+              <a:t>Can allow multiple answers</a:t>
+            </a:r>
+            <a:endParaRPr lang="en-US" sz="3600" dirty="0" smtClean="0"/>
+          </a:p>
+          <a:p>
+            <a:r>
+              <a:rPr lang="en-US" sz="3600" dirty="0" smtClean="0"/>
               <a:t>Challenge questions and responses are meaningful only to the user</a:t>
             </a:r>
           </a:p>
           <a:p>
             <a:r>
-              <a:rPr lang="en-US" sz="4000" dirty="0" smtClean="0"/>
-              <a:t>Challenge responses will change depending on user behavior</a:t>
-            </a:r>
+              <a:rPr lang="en-US" sz="3600" dirty="0" smtClean="0"/>
+              <a:t>Challenges will </a:t>
+            </a:r>
+            <a:r>
+              <a:rPr lang="en-US" sz="3600" dirty="0" smtClean="0"/>
+              <a:t>change depending on user </a:t>
+            </a:r>
+            <a:r>
+              <a:rPr lang="en-US" sz="3600" dirty="0" smtClean="0"/>
+              <a:t>behavior</a:t>
+            </a:r>
+          </a:p>
+          <a:p>
+            <a:r>
+              <a:rPr lang="en-US" sz="3600" dirty="0" smtClean="0"/>
+              <a:t>Repeat failures will disqualify the question class (prevent brute force)</a:t>
+            </a:r>
+            <a:endParaRPr lang="en-US" sz="3600" dirty="0" smtClean="0"/>
           </a:p>
         </p:txBody>
       </p:sp>
@@ -10803,6 +11541,13 @@
   <p:clrMapOvr>
     <a:masterClrMapping/>
   </p:clrMapOvr>
+  <p:timing>
+    <p:tnLst>
+      <p:par>
+        <p:cTn id="1" dur="indefinite" restart="never" nodeType="tmRoot"/>
+      </p:par>
+    </p:tnLst>
+  </p:timing>
 </p:sld>
 </file>
 
@@ -10881,7 +11626,19 @@
             </a:pPr>
             <a:r>
               <a:rPr lang="en-US" sz="4000" dirty="0" smtClean="0"/>
-              <a:t>how can we minimize recall failures / clicking on “forgot/reset password”?</a:t>
+              <a:t>how can we minimize </a:t>
+            </a:r>
+            <a:r>
+              <a:rPr lang="en-US" sz="4000" dirty="0" smtClean="0"/>
+              <a:t>login </a:t>
+            </a:r>
+            <a:r>
+              <a:rPr lang="en-US" sz="4000" dirty="0" smtClean="0"/>
+              <a:t>failures </a:t>
+            </a:r>
+            <a:r>
+              <a:rPr lang="en-US" sz="4000" dirty="0" smtClean="0"/>
+              <a:t>/ clicking on “forgot/reset password”?</a:t>
             </a:r>
             <a:endParaRPr lang="en-US" sz="4000" dirty="0"/>
           </a:p>
@@ -10915,15 +11672,7 @@
             </a:r>
             <a:r>
               <a:rPr lang="en-US" sz="4000" b="1" u="sng" dirty="0" smtClean="0"/>
-              <a:t>u</a:t>
-            </a:r>
-            <a:r>
-              <a:rPr lang="en-US" sz="4000" b="1" u="sng" dirty="0" smtClean="0"/>
-              <a:t>ser </a:t>
-            </a:r>
-            <a:r>
-              <a:rPr lang="en-US" sz="4000" b="1" u="sng" dirty="0" smtClean="0"/>
-              <a:t>behavior</a:t>
+              <a:t>user behavior</a:t>
             </a:r>
           </a:p>
         </p:txBody>
@@ -10938,6 +11687,13 @@
   <p:clrMapOvr>
     <a:masterClrMapping/>
   </p:clrMapOvr>
+  <p:timing>
+    <p:tnLst>
+      <p:par>
+        <p:cTn id="1" dur="indefinite" restart="never" nodeType="tmRoot"/>
+      </p:par>
+    </p:tnLst>
+  </p:timing>
 </p:sld>
 </file>
 
@@ -11031,38 +11787,21 @@
             <a:pPr marL="0" indent="0" algn="ctr">
               <a:buNone/>
             </a:pPr>
-            <a:endParaRPr lang="en-US" sz="3600" dirty="0" smtClean="0"/>
+            <a:endParaRPr lang="en-US" dirty="0" smtClean="0"/>
           </a:p>
           <a:p>
             <a:pPr marL="0" indent="0" algn="ctr">
               <a:buNone/>
             </a:pPr>
+            <a:endParaRPr lang="en-US" dirty="0" smtClean="0"/>
+          </a:p>
+          <a:p>
+            <a:pPr marL="0" indent="0" algn="ctr">
+              <a:buNone/>
+            </a:pPr>
             <a:r>
               <a:rPr lang="en-US" sz="3600" dirty="0" smtClean="0"/>
-              <a:t>Replace </a:t>
-            </a:r>
-            <a:r>
-              <a:rPr lang="en-US" sz="3600" dirty="0" smtClean="0"/>
-              <a:t>current concept of a “password”</a:t>
-            </a:r>
-          </a:p>
-          <a:p>
-            <a:pPr marL="0" indent="0" algn="ctr">
-              <a:buNone/>
-            </a:pPr>
-            <a:endParaRPr lang="en-US" sz="3600" dirty="0" smtClean="0"/>
-          </a:p>
-          <a:p>
-            <a:pPr marL="0" indent="0" algn="ctr">
-              <a:buNone/>
-            </a:pPr>
-            <a:r>
-              <a:rPr lang="en-US" sz="3600" dirty="0" smtClean="0"/>
-              <a:t>Improve </a:t>
-            </a:r>
-            <a:r>
-              <a:rPr lang="en-US" sz="3600" dirty="0" smtClean="0"/>
-              <a:t>security by ”training” security to the user</a:t>
+              <a:t>Improve security by ”training” security to the user</a:t>
             </a:r>
           </a:p>
         </p:txBody>
@@ -11077,6 +11816,13 @@
   <p:clrMapOvr>
     <a:masterClrMapping/>
   </p:clrMapOvr>
+  <p:timing>
+    <p:tnLst>
+      <p:par>
+        <p:cTn id="1" dur="indefinite" restart="never" nodeType="tmRoot"/>
+      </p:par>
+    </p:tnLst>
+  </p:timing>
 </p:sld>
 </file>
 
@@ -11155,13 +11901,8 @@
             </a:pPr>
             <a:r>
               <a:rPr lang="en-US" sz="4000" dirty="0" smtClean="0"/>
-              <a:t>Companies like google already aggregate a considerable amounts and dimensions of user data across </a:t>
-            </a:r>
-            <a:r>
-              <a:rPr lang="en-US" sz="4000" smtClean="0"/>
-              <a:t>their products/services </a:t>
-            </a:r>
-            <a:endParaRPr lang="en-US" sz="4000" dirty="0" smtClean="0"/>
+              <a:t>Companies like google already aggregate a considerable amounts and dimensions of user data across their products/services </a:t>
+            </a:r>
           </a:p>
         </p:txBody>
       </p:sp>
@@ -11174,7 +11915,7 @@
           <p:nvPr/>
         </p:nvPicPr>
         <p:blipFill>
-          <a:blip r:embed="rId2">
+          <a:blip r:embed="rId3">
             <a:extLst>
               <a:ext uri="{28A0092B-C50C-407E-A947-70E740481C1C}">
                 <a14:useLocalDpi xmlns:a14="http://schemas.microsoft.com/office/drawing/2010/main" val="0"/>
@@ -11205,6 +11946,13 @@
   <p:clrMapOvr>
     <a:masterClrMapping/>
   </p:clrMapOvr>
+  <p:timing>
+    <p:tnLst>
+      <p:par>
+        <p:cTn id="1" dur="indefinite" restart="never" nodeType="tmRoot"/>
+      </p:par>
+    </p:tnLst>
+  </p:timing>
 </p:sld>
 </file>
 
@@ -11301,6 +12049,13 @@
   <p:clrMapOvr>
     <a:masterClrMapping/>
   </p:clrMapOvr>
+  <p:timing>
+    <p:tnLst>
+      <p:par>
+        <p:cTn id="1" dur="indefinite" restart="never" nodeType="tmRoot"/>
+      </p:par>
+    </p:tnLst>
+  </p:timing>
 </p:sld>
 </file>
 
@@ -11364,7 +12119,7 @@
         </p:nvSpPr>
         <p:spPr>
           <a:xfrm>
-            <a:off x="1141413" y="1692303"/>
+            <a:off x="1283712" y="1562608"/>
             <a:ext cx="5747067" cy="1381760"/>
           </a:xfrm>
         </p:spPr>
@@ -11379,57 +12134,14 @@
             </a:pPr>
             <a:r>
               <a:rPr lang="en-US" sz="2800" dirty="0" smtClean="0"/>
-              <a:t>Google maps locations </a:t>
-            </a:r>
-            <a:r>
-              <a:rPr lang="en-US" sz="2800" dirty="0" smtClean="0"/>
-              <a:t>data come prepared </a:t>
-            </a:r>
-            <a:r>
-              <a:rPr lang="en-US" sz="2800" dirty="0" smtClean="0"/>
-              <a:t>in JSON </a:t>
-            </a:r>
-            <a:r>
-              <a:rPr lang="en-US" sz="2800" dirty="0" smtClean="0"/>
-              <a:t>format</a:t>
-            </a:r>
-            <a:endParaRPr lang="en-US" sz="2800" dirty="0" smtClean="0"/>
+              <a:t>Google maps locations data come prepared in JSON format</a:t>
+            </a:r>
           </a:p>
         </p:txBody>
       </p:sp>
       <p:pic>
         <p:nvPicPr>
           <p:cNvPr id="4" name="Picture 3"/>
-          <p:cNvPicPr>
-            <a:picLocks noChangeAspect="1"/>
-          </p:cNvPicPr>
-          <p:nvPr/>
-        </p:nvPicPr>
-        <p:blipFill>
-          <a:blip r:embed="rId2">
-            <a:extLst>
-              <a:ext uri="{28A0092B-C50C-407E-A947-70E740481C1C}">
-                <a14:useLocalDpi xmlns:a14="http://schemas.microsoft.com/office/drawing/2010/main" val="0"/>
-              </a:ext>
-            </a:extLst>
-          </a:blip>
-          <a:stretch>
-            <a:fillRect/>
-          </a:stretch>
-        </p:blipFill>
-        <p:spPr>
-          <a:xfrm>
-            <a:off x="8592820" y="1593408"/>
-            <a:ext cx="2822553" cy="4561012"/>
-          </a:xfrm>
-          <a:prstGeom prst="rect">
-            <a:avLst/>
-          </a:prstGeom>
-        </p:spPr>
-      </p:pic>
-      <p:pic>
-        <p:nvPicPr>
-          <p:cNvPr id="5" name="Picture 4"/>
           <p:cNvPicPr>
             <a:picLocks noChangeAspect="1"/>
           </p:cNvPicPr>
@@ -11449,8 +12161,38 @@
         </p:blipFill>
         <p:spPr>
           <a:xfrm>
-            <a:off x="1431834" y="3388360"/>
-            <a:ext cx="4346666" cy="2766060"/>
+            <a:off x="8183880" y="932595"/>
+            <a:ext cx="3231493" cy="5221825"/>
+          </a:xfrm>
+          <a:prstGeom prst="rect">
+            <a:avLst/>
+          </a:prstGeom>
+        </p:spPr>
+      </p:pic>
+      <p:pic>
+        <p:nvPicPr>
+          <p:cNvPr id="5" name="Picture 4"/>
+          <p:cNvPicPr>
+            <a:picLocks noChangeAspect="1"/>
+          </p:cNvPicPr>
+          <p:nvPr/>
+        </p:nvPicPr>
+        <p:blipFill>
+          <a:blip r:embed="rId4">
+            <a:extLst>
+              <a:ext uri="{28A0092B-C50C-407E-A947-70E740481C1C}">
+                <a14:useLocalDpi xmlns:a14="http://schemas.microsoft.com/office/drawing/2010/main" val="0"/>
+              </a:ext>
+            </a:extLst>
+          </a:blip>
+          <a:stretch>
+            <a:fillRect/>
+          </a:stretch>
+        </p:blipFill>
+        <p:spPr>
+          <a:xfrm>
+            <a:off x="775835" y="2944368"/>
+            <a:ext cx="5101844" cy="3246628"/>
           </a:xfrm>
           <a:prstGeom prst="rect">
             <a:avLst/>
@@ -11466,7 +12208,7 @@
         <p:spPr>
           <a:xfrm>
             <a:off x="6888480" y="2184400"/>
-            <a:ext cx="1391920" cy="254000"/>
+            <a:ext cx="1057656" cy="193040"/>
           </a:xfrm>
           <a:prstGeom prst="straightConnector1">
             <a:avLst/>
@@ -11501,8 +12243,8 @@
         </p:nvCxnSpPr>
         <p:spPr>
           <a:xfrm flipH="1">
-            <a:off x="6252583" y="4771390"/>
-            <a:ext cx="1882888" cy="0"/>
+            <a:off x="6252583" y="4745736"/>
+            <a:ext cx="1556393" cy="25654"/>
           </a:xfrm>
           <a:prstGeom prst="straightConnector1">
             <a:avLst/>
@@ -12101,6 +12843,13 @@
   <p:clrMapOvr>
     <a:masterClrMapping/>
   </p:clrMapOvr>
+  <p:timing>
+    <p:tnLst>
+      <p:par>
+        <p:cTn id="1" dur="indefinite" restart="never" nodeType="tmRoot"/>
+      </p:par>
+    </p:tnLst>
+  </p:timing>
 </p:sld>
 </file>
 
@@ -12161,8 +12910,8 @@
         </p:nvSpPr>
         <p:spPr>
           <a:xfrm>
-            <a:off x="1141414" y="1674688"/>
-            <a:ext cx="4129834" cy="4265084"/>
+            <a:off x="1141412" y="1674688"/>
+            <a:ext cx="4408996" cy="4265084"/>
           </a:xfrm>
           <a:prstGeom prst="rect">
             <a:avLst/>
@@ -12602,12 +13351,8 @@
               <a:buNone/>
             </a:pPr>
             <a:r>
-              <a:rPr lang="en-US" sz="2800" dirty="0" smtClean="0"/>
-              <a:t>Use K-means </a:t>
-            </a:r>
-            <a:r>
-              <a:rPr lang="en-US" sz="2800" dirty="0" smtClean="0"/>
-              <a:t>on an estimated range of 2 to 100 possible POI</a:t>
+              <a:rPr lang="en-US" sz="3000" dirty="0" smtClean="0"/>
+              <a:t>Use K-means on an estimated range of 2 to 100 possible POI</a:t>
             </a:r>
           </a:p>
           <a:p>
@@ -12621,33 +13366,20 @@
               <a:buNone/>
             </a:pPr>
             <a:r>
-              <a:rPr lang="en-US" sz="2800" dirty="0" smtClean="0"/>
-              <a:t>optimal </a:t>
-            </a:r>
-            <a:r>
-              <a:rPr lang="en-US" sz="2800" dirty="0" smtClean="0"/>
-              <a:t>number of clusters chosen at n=33 </a:t>
-            </a:r>
-            <a:r>
-              <a:rPr lang="en-US" sz="2800" dirty="0" smtClean="0"/>
+              <a:rPr lang="en-US" sz="3000" dirty="0" smtClean="0"/>
+              <a:t>optimal number of clusters chosen at n=33 </a:t>
+            </a:r>
+            <a:r>
+              <a:rPr lang="en-US" sz="3200" dirty="0" smtClean="0"/>
               <a:t/>
             </a:r>
             <a:br>
-              <a:rPr lang="en-US" sz="2800" dirty="0" smtClean="0"/>
+              <a:rPr lang="en-US" sz="3200" dirty="0" smtClean="0"/>
             </a:br>
             <a:r>
               <a:rPr lang="en-US" sz="2400" dirty="0" smtClean="0"/>
-              <a:t>(based </a:t>
-            </a:r>
-            <a:r>
-              <a:rPr lang="en-US" sz="2400" dirty="0" smtClean="0"/>
-              <a:t>on silhouette </a:t>
-            </a:r>
-            <a:r>
-              <a:rPr lang="en-US" sz="2400" dirty="0" smtClean="0"/>
-              <a:t>score)</a:t>
-            </a:r>
-            <a:endParaRPr lang="en-US" sz="2400" dirty="0" smtClean="0"/>
+              <a:t>(based on silhouette score)</a:t>
+            </a:r>
           </a:p>
         </p:txBody>
       </p:sp>
@@ -12675,156 +13407,11 @@
         </p:blipFill>
         <p:spPr>
           <a:xfrm>
-            <a:off x="5755725" y="1376737"/>
-            <a:ext cx="5442656" cy="4563035"/>
+            <a:off x="5925311" y="1376737"/>
+            <a:ext cx="5273069" cy="4563035"/>
           </a:xfrm>
         </p:spPr>
       </p:pic>
-      <p:sp>
-        <p:nvSpPr>
-          <p:cNvPr id="5" name="Oval 4"/>
-          <p:cNvSpPr/>
-          <p:nvPr/>
-        </p:nvSpPr>
-        <p:spPr>
-          <a:xfrm>
-            <a:off x="5502479" y="2861328"/>
-            <a:ext cx="1187042" cy="1135344"/>
-          </a:xfrm>
-          <a:prstGeom prst="ellipse">
-            <a:avLst/>
-          </a:prstGeom>
-          <a:noFill/>
-          <a:ln>
-            <a:solidFill>
-              <a:srgbClr val="FF0000"/>
-            </a:solidFill>
-          </a:ln>
-        </p:spPr>
-        <p:style>
-          <a:lnRef idx="2">
-            <a:schemeClr val="accent1">
-              <a:shade val="50000"/>
-            </a:schemeClr>
-          </a:lnRef>
-          <a:fillRef idx="1">
-            <a:schemeClr val="accent1"/>
-          </a:fillRef>
-          <a:effectRef idx="0">
-            <a:schemeClr val="accent1"/>
-          </a:effectRef>
-          <a:fontRef idx="minor">
-            <a:schemeClr val="lt1"/>
-          </a:fontRef>
-        </p:style>
-        <p:txBody>
-          <a:bodyPr rot="0" spcFirstLastPara="0" vert="horz" wrap="square" lIns="91440" tIns="45720" rIns="91440" bIns="45720" numCol="1" spcCol="0" rtlCol="0" fromWordArt="0" anchor="ctr" anchorCtr="0" forceAA="0" compatLnSpc="1">
-            <a:prstTxWarp prst="textNoShape">
-              <a:avLst/>
-            </a:prstTxWarp>
-            <a:noAutofit/>
-          </a:bodyPr>
-          <a:lstStyle>
-            <a:defPPr>
-              <a:defRPr lang="en-US"/>
-            </a:defPPr>
-            <a:lvl1pPr marL="0" algn="l" defTabSz="457200" rtl="0" eaLnBrk="1" latinLnBrk="0" hangingPunct="1">
-              <a:defRPr sz="1800" kern="1200">
-                <a:solidFill>
-                  <a:schemeClr val="lt1"/>
-                </a:solidFill>
-                <a:latin typeface="+mn-lt"/>
-                <a:ea typeface="+mn-ea"/>
-                <a:cs typeface="+mn-cs"/>
-              </a:defRPr>
-            </a:lvl1pPr>
-            <a:lvl2pPr marL="457200" algn="l" defTabSz="457200" rtl="0" eaLnBrk="1" latinLnBrk="0" hangingPunct="1">
-              <a:defRPr sz="1800" kern="1200">
-                <a:solidFill>
-                  <a:schemeClr val="lt1"/>
-                </a:solidFill>
-                <a:latin typeface="+mn-lt"/>
-                <a:ea typeface="+mn-ea"/>
-                <a:cs typeface="+mn-cs"/>
-              </a:defRPr>
-            </a:lvl2pPr>
-            <a:lvl3pPr marL="914400" algn="l" defTabSz="457200" rtl="0" eaLnBrk="1" latinLnBrk="0" hangingPunct="1">
-              <a:defRPr sz="1800" kern="1200">
-                <a:solidFill>
-                  <a:schemeClr val="lt1"/>
-                </a:solidFill>
-                <a:latin typeface="+mn-lt"/>
-                <a:ea typeface="+mn-ea"/>
-                <a:cs typeface="+mn-cs"/>
-              </a:defRPr>
-            </a:lvl3pPr>
-            <a:lvl4pPr marL="1371600" algn="l" defTabSz="457200" rtl="0" eaLnBrk="1" latinLnBrk="0" hangingPunct="1">
-              <a:defRPr sz="1800" kern="1200">
-                <a:solidFill>
-                  <a:schemeClr val="lt1"/>
-                </a:solidFill>
-                <a:latin typeface="+mn-lt"/>
-                <a:ea typeface="+mn-ea"/>
-                <a:cs typeface="+mn-cs"/>
-              </a:defRPr>
-            </a:lvl4pPr>
-            <a:lvl5pPr marL="1828800" algn="l" defTabSz="457200" rtl="0" eaLnBrk="1" latinLnBrk="0" hangingPunct="1">
-              <a:defRPr sz="1800" kern="1200">
-                <a:solidFill>
-                  <a:schemeClr val="lt1"/>
-                </a:solidFill>
-                <a:latin typeface="+mn-lt"/>
-                <a:ea typeface="+mn-ea"/>
-                <a:cs typeface="+mn-cs"/>
-              </a:defRPr>
-            </a:lvl5pPr>
-            <a:lvl6pPr marL="2286000" algn="l" defTabSz="457200" rtl="0" eaLnBrk="1" latinLnBrk="0" hangingPunct="1">
-              <a:defRPr sz="1800" kern="1200">
-                <a:solidFill>
-                  <a:schemeClr val="lt1"/>
-                </a:solidFill>
-                <a:latin typeface="+mn-lt"/>
-                <a:ea typeface="+mn-ea"/>
-                <a:cs typeface="+mn-cs"/>
-              </a:defRPr>
-            </a:lvl6pPr>
-            <a:lvl7pPr marL="2743200" algn="l" defTabSz="457200" rtl="0" eaLnBrk="1" latinLnBrk="0" hangingPunct="1">
-              <a:defRPr sz="1800" kern="1200">
-                <a:solidFill>
-                  <a:schemeClr val="lt1"/>
-                </a:solidFill>
-                <a:latin typeface="+mn-lt"/>
-                <a:ea typeface="+mn-ea"/>
-                <a:cs typeface="+mn-cs"/>
-              </a:defRPr>
-            </a:lvl7pPr>
-            <a:lvl8pPr marL="3200400" algn="l" defTabSz="457200" rtl="0" eaLnBrk="1" latinLnBrk="0" hangingPunct="1">
-              <a:defRPr sz="1800" kern="1200">
-                <a:solidFill>
-                  <a:schemeClr val="lt1"/>
-                </a:solidFill>
-                <a:latin typeface="+mn-lt"/>
-                <a:ea typeface="+mn-ea"/>
-                <a:cs typeface="+mn-cs"/>
-              </a:defRPr>
-            </a:lvl8pPr>
-            <a:lvl9pPr marL="3657600" algn="l" defTabSz="457200" rtl="0" eaLnBrk="1" latinLnBrk="0" hangingPunct="1">
-              <a:defRPr sz="1800" kern="1200">
-                <a:solidFill>
-                  <a:schemeClr val="lt1"/>
-                </a:solidFill>
-                <a:latin typeface="+mn-lt"/>
-                <a:ea typeface="+mn-ea"/>
-                <a:cs typeface="+mn-cs"/>
-              </a:defRPr>
-            </a:lvl9pPr>
-          </a:lstStyle>
-          <a:p>
-            <a:pPr algn="ctr"/>
-            <a:endParaRPr lang="en-US"/>
-          </a:p>
-        </p:txBody>
-      </p:sp>
     </p:spTree>
     <p:extLst>
       <p:ext uri="{BB962C8B-B14F-4D97-AF65-F5344CB8AC3E}">
@@ -12835,6 +13422,13 @@
   <p:clrMapOvr>
     <a:masterClrMapping/>
   </p:clrMapOvr>
+  <p:timing>
+    <p:tnLst>
+      <p:par>
+        <p:cTn id="1" dur="indefinite" restart="never" nodeType="tmRoot"/>
+      </p:par>
+    </p:tnLst>
+  </p:timing>
 </p:sld>
 </file>
 

--- a/capstone-aaronkim.pptx
+++ b/capstone-aaronkim.pptx
@@ -215,7 +215,7 @@
           <a:p>
             <a:fld id="{F803246A-F97C-B84F-B8B6-D95C715A7367}" type="datetimeFigureOut">
               <a:rPr lang="en-US" smtClean="0"/>
-              <a:t>11/23/16</a:t>
+              <a:t>12/13/16</a:t>
             </a:fld>
             <a:endParaRPr lang="en-US"/>
           </a:p>
@@ -1291,8 +1291,94 @@
                 <a:ea typeface="+mn-ea"/>
                 <a:cs typeface="+mn-cs"/>
               </a:rPr>
-              <a:t>Mainly computational reasons</a:t>
-            </a:r>
+              <a:t>Mainly computational </a:t>
+            </a:r>
+            <a:r>
+              <a:rPr lang="en-US" sz="1200" b="0" i="0" kern="1200" baseline="0" dirty="0" smtClean="0">
+                <a:solidFill>
+                  <a:schemeClr val="tx1"/>
+                </a:solidFill>
+                <a:effectLst/>
+                <a:latin typeface="+mn-lt"/>
+                <a:ea typeface="+mn-ea"/>
+                <a:cs typeface="+mn-cs"/>
+              </a:rPr>
+              <a:t>reasons</a:t>
+            </a:r>
+          </a:p>
+          <a:p>
+            <a:pPr marL="228600" indent="-228600">
+              <a:buAutoNum type="arabicPeriod"/>
+            </a:pPr>
+            <a:r>
+              <a:rPr lang="en-US" sz="1200" b="0" i="0" kern="1200" baseline="0" dirty="0" smtClean="0">
+                <a:solidFill>
+                  <a:schemeClr val="tx1"/>
+                </a:solidFill>
+                <a:effectLst/>
+                <a:latin typeface="+mn-lt"/>
+                <a:ea typeface="+mn-ea"/>
+                <a:cs typeface="+mn-cs"/>
+              </a:rPr>
+              <a:t>Test for density </a:t>
+            </a:r>
+            <a:r>
+              <a:rPr lang="mr-IN" sz="1200" b="0" i="0" kern="1200" baseline="0" dirty="0" smtClean="0">
+                <a:solidFill>
+                  <a:schemeClr val="tx1"/>
+                </a:solidFill>
+                <a:effectLst/>
+                <a:latin typeface="+mn-lt"/>
+                <a:ea typeface="+mn-ea"/>
+                <a:cs typeface="+mn-cs"/>
+              </a:rPr>
+              <a:t>–</a:t>
+            </a:r>
+            <a:r>
+              <a:rPr lang="en-US" sz="1200" b="0" i="0" kern="1200" baseline="0" dirty="0" smtClean="0">
+                <a:solidFill>
+                  <a:schemeClr val="tx1"/>
+                </a:solidFill>
+                <a:effectLst/>
+                <a:latin typeface="+mn-lt"/>
+                <a:ea typeface="+mn-ea"/>
+                <a:cs typeface="+mn-cs"/>
+              </a:rPr>
+              <a:t> in future versions, should eventually try adding tests for </a:t>
+            </a:r>
+            <a:r>
+              <a:rPr lang="en-US" sz="1200" b="0" i="0" kern="1200" baseline="0" dirty="0" err="1" smtClean="0">
+                <a:solidFill>
+                  <a:schemeClr val="tx1"/>
+                </a:solidFill>
+                <a:effectLst/>
+                <a:latin typeface="+mn-lt"/>
+                <a:ea typeface="+mn-ea"/>
+                <a:cs typeface="+mn-cs"/>
+              </a:rPr>
+              <a:t>datapoint</a:t>
+            </a:r>
+            <a:r>
+              <a:rPr lang="en-US" sz="1200" b="0" i="0" kern="1200" baseline="0" dirty="0" smtClean="0">
+                <a:solidFill>
+                  <a:schemeClr val="tx1"/>
+                </a:solidFill>
+                <a:effectLst/>
+                <a:latin typeface="+mn-lt"/>
+                <a:ea typeface="+mn-ea"/>
+                <a:cs typeface="+mn-cs"/>
+              </a:rPr>
+              <a:t> density. In our case, we want dense data. If not dense, it would signify that the user is highly mobile thus the likelihood of successfully selecting a POI with HRP is reduced. </a:t>
+            </a:r>
+            <a:endParaRPr lang="en-US" sz="1200" b="0" i="0" kern="1200" baseline="0" dirty="0" smtClean="0">
+              <a:solidFill>
+                <a:schemeClr val="tx1"/>
+              </a:solidFill>
+              <a:effectLst/>
+              <a:latin typeface="+mn-lt"/>
+              <a:ea typeface="+mn-ea"/>
+              <a:cs typeface="+mn-cs"/>
+            </a:endParaRPr>
           </a:p>
         </p:txBody>
       </p:sp>
@@ -1382,7 +1468,11 @@
             </a:r>
             <a:r>
               <a:rPr lang="en-US" baseline="0" dirty="0" smtClean="0"/>
-              <a:t> may change with each time. </a:t>
+              <a:t> may change with each </a:t>
+            </a:r>
+            <a:r>
+              <a:rPr lang="en-US" baseline="0" dirty="0" smtClean="0"/>
+              <a:t>run. </a:t>
             </a:r>
             <a:endParaRPr lang="en-US" dirty="0"/>
           </a:p>
@@ -1867,7 +1957,7 @@
             <a:fld id="{B61BEF0D-F0BB-DE4B-95CE-6DB70DBA9567}" type="datetimeFigureOut">
               <a:rPr lang="en-US" dirty="0"/>
               <a:pPr/>
-              <a:t>11/23/16</a:t>
+              <a:t>12/13/16</a:t>
             </a:fld>
             <a:endParaRPr lang="en-US" dirty="0"/>
           </a:p>
@@ -2155,7 +2245,7 @@
             <a:fld id="{B61BEF0D-F0BB-DE4B-95CE-6DB70DBA9567}" type="datetimeFigureOut">
               <a:rPr lang="en-US" dirty="0"/>
               <a:pPr/>
-              <a:t>11/23/16</a:t>
+              <a:t>12/13/16</a:t>
             </a:fld>
             <a:endParaRPr lang="en-US" dirty="0"/>
           </a:p>
@@ -2411,7 +2501,7 @@
             <a:fld id="{B61BEF0D-F0BB-DE4B-95CE-6DB70DBA9567}" type="datetimeFigureOut">
               <a:rPr lang="en-US" dirty="0"/>
               <a:pPr/>
-              <a:t>11/23/16</a:t>
+              <a:t>12/13/16</a:t>
             </a:fld>
             <a:endParaRPr lang="en-US" dirty="0"/>
           </a:p>
@@ -2877,7 +2967,7 @@
             <a:fld id="{B61BEF0D-F0BB-DE4B-95CE-6DB70DBA9567}" type="datetimeFigureOut">
               <a:rPr lang="en-US" dirty="0"/>
               <a:pPr/>
-              <a:t>11/23/16</a:t>
+              <a:t>12/13/16</a:t>
             </a:fld>
             <a:endParaRPr lang="en-US" dirty="0"/>
           </a:p>
@@ -3054,7 +3144,7 @@
             <a:fld id="{B61BEF0D-F0BB-DE4B-95CE-6DB70DBA9567}" type="datetimeFigureOut">
               <a:rPr lang="en-US" dirty="0"/>
               <a:pPr/>
-              <a:t>11/23/16</a:t>
+              <a:t>12/13/16</a:t>
             </a:fld>
             <a:endParaRPr lang="en-US" dirty="0"/>
           </a:p>
@@ -3627,7 +3717,7 @@
             <a:fld id="{B61BEF0D-F0BB-DE4B-95CE-6DB70DBA9567}" type="datetimeFigureOut">
               <a:rPr lang="en-US" dirty="0"/>
               <a:pPr/>
-              <a:t>11/23/16</a:t>
+              <a:t>12/13/16</a:t>
             </a:fld>
             <a:endParaRPr lang="en-US" dirty="0"/>
           </a:p>
@@ -3956,7 +4046,7 @@
             <a:fld id="{B61BEF0D-F0BB-DE4B-95CE-6DB70DBA9567}" type="datetimeFigureOut">
               <a:rPr lang="en-US" dirty="0"/>
               <a:pPr/>
-              <a:t>11/23/16</a:t>
+              <a:t>12/13/16</a:t>
             </a:fld>
             <a:endParaRPr lang="en-US" dirty="0"/>
           </a:p>
@@ -4128,7 +4218,7 @@
             <a:fld id="{B61BEF0D-F0BB-DE4B-95CE-6DB70DBA9567}" type="datetimeFigureOut">
               <a:rPr lang="en-US" dirty="0"/>
               <a:pPr/>
-              <a:t>11/23/16</a:t>
+              <a:t>12/13/16</a:t>
             </a:fld>
             <a:endParaRPr lang="en-US" dirty="0"/>
           </a:p>
@@ -4305,7 +4395,7 @@
             <a:fld id="{B61BEF0D-F0BB-DE4B-95CE-6DB70DBA9567}" type="datetimeFigureOut">
               <a:rPr lang="en-US" dirty="0"/>
               <a:pPr/>
-              <a:t>11/23/16</a:t>
+              <a:t>12/13/16</a:t>
             </a:fld>
             <a:endParaRPr lang="en-US" dirty="0"/>
           </a:p>
@@ -4472,7 +4562,7 @@
             <a:fld id="{B61BEF0D-F0BB-DE4B-95CE-6DB70DBA9567}" type="datetimeFigureOut">
               <a:rPr lang="en-US" dirty="0"/>
               <a:pPr/>
-              <a:t>11/23/16</a:t>
+              <a:t>12/13/16</a:t>
             </a:fld>
             <a:endParaRPr lang="en-US" dirty="0"/>
           </a:p>
@@ -4726,7 +4816,7 @@
             <a:fld id="{B61BEF0D-F0BB-DE4B-95CE-6DB70DBA9567}" type="datetimeFigureOut">
               <a:rPr lang="en-US" dirty="0"/>
               <a:pPr/>
-              <a:t>11/23/16</a:t>
+              <a:t>12/13/16</a:t>
             </a:fld>
             <a:endParaRPr lang="en-US" dirty="0"/>
           </a:p>
@@ -5015,7 +5105,7 @@
             <a:fld id="{B61BEF0D-F0BB-DE4B-95CE-6DB70DBA9567}" type="datetimeFigureOut">
               <a:rPr lang="en-US" dirty="0"/>
               <a:pPr/>
-              <a:t>11/23/16</a:t>
+              <a:t>12/13/16</a:t>
             </a:fld>
             <a:endParaRPr lang="en-US" dirty="0"/>
           </a:p>
@@ -5442,7 +5532,7 @@
             <a:fld id="{B61BEF0D-F0BB-DE4B-95CE-6DB70DBA9567}" type="datetimeFigureOut">
               <a:rPr lang="en-US" dirty="0"/>
               <a:pPr/>
-              <a:t>11/23/16</a:t>
+              <a:t>12/13/16</a:t>
             </a:fld>
             <a:endParaRPr lang="en-US" dirty="0"/>
           </a:p>
@@ -5557,7 +5647,7 @@
             <a:fld id="{B61BEF0D-F0BB-DE4B-95CE-6DB70DBA9567}" type="datetimeFigureOut">
               <a:rPr lang="en-US" dirty="0"/>
               <a:pPr/>
-              <a:t>11/23/16</a:t>
+              <a:t>12/13/16</a:t>
             </a:fld>
             <a:endParaRPr lang="en-US" dirty="0"/>
           </a:p>
@@ -5649,7 +5739,7 @@
             <a:fld id="{B61BEF0D-F0BB-DE4B-95CE-6DB70DBA9567}" type="datetimeFigureOut">
               <a:rPr lang="en-US" dirty="0"/>
               <a:pPr/>
-              <a:t>11/23/16</a:t>
+              <a:t>12/13/16</a:t>
             </a:fld>
             <a:endParaRPr lang="en-US" dirty="0"/>
           </a:p>
@@ -5929,7 +6019,7 @@
             <a:fld id="{B61BEF0D-F0BB-DE4B-95CE-6DB70DBA9567}" type="datetimeFigureOut">
               <a:rPr lang="en-US" dirty="0"/>
               <a:pPr/>
-              <a:t>11/23/16</a:t>
+              <a:t>12/13/16</a:t>
             </a:fld>
             <a:endParaRPr lang="en-US" dirty="0"/>
           </a:p>
@@ -6217,7 +6307,7 @@
             <a:fld id="{B61BEF0D-F0BB-DE4B-95CE-6DB70DBA9567}" type="datetimeFigureOut">
               <a:rPr lang="en-US" dirty="0"/>
               <a:pPr/>
-              <a:t>11/23/16</a:t>
+              <a:t>12/13/16</a:t>
             </a:fld>
             <a:endParaRPr lang="en-US" dirty="0"/>
           </a:p>
@@ -6445,7 +6535,7 @@
             <a:fld id="{B61BEF0D-F0BB-DE4B-95CE-6DB70DBA9567}" type="datetimeFigureOut">
               <a:rPr lang="en-US" dirty="0"/>
               <a:pPr/>
-              <a:t>11/23/16</a:t>
+              <a:t>12/13/16</a:t>
             </a:fld>
             <a:endParaRPr lang="en-US" dirty="0"/>
           </a:p>
@@ -7277,11 +7367,7 @@
           <a:p>
             <a:r>
               <a:rPr lang="en-US" sz="3200" b="1" dirty="0" smtClean="0"/>
-              <a:t>Aaron </a:t>
-            </a:r>
-            <a:r>
-              <a:rPr lang="en-US" sz="3200" b="1" dirty="0" smtClean="0"/>
-              <a:t>Kim</a:t>
+              <a:t>Aaron Kim</a:t>
             </a:r>
           </a:p>
           <a:p>
@@ -7289,7 +7375,6 @@
               <a:rPr lang="en-US" sz="2400" b="1" dirty="0" smtClean="0"/>
               <a:t>Nov 23, 2016</a:t>
             </a:r>
-            <a:endParaRPr lang="en-US" sz="2400" b="1" dirty="0" smtClean="0"/>
           </a:p>
         </p:txBody>
       </p:sp>
@@ -8519,11 +8604,7 @@
             </a:pPr>
             <a:r>
               <a:rPr lang="en-US" sz="2800" dirty="0" smtClean="0"/>
-              <a:t>TSNE suggests existence of </a:t>
-            </a:r>
-            <a:r>
-              <a:rPr lang="en-US" sz="2800" dirty="0" smtClean="0"/>
-              <a:t>poi</a:t>
+              <a:t>TSNE suggests existence of poi</a:t>
             </a:r>
           </a:p>
           <a:p>
@@ -8538,13 +8619,8 @@
             </a:pPr>
             <a:r>
               <a:rPr lang="en-US" sz="2800" dirty="0" smtClean="0"/>
-              <a:t>user appears to frequent a few specific locations </a:t>
-            </a:r>
-            <a:r>
-              <a:rPr lang="en-US" sz="2800" dirty="0" smtClean="0"/>
-              <a:t>often</a:t>
-            </a:r>
-            <a:endParaRPr lang="en-US" sz="2800" dirty="0" smtClean="0"/>
+              <a:t>user appears to frequent a few specific locations often</a:t>
+            </a:r>
           </a:p>
         </p:txBody>
       </p:sp>
@@ -8919,11 +8995,7 @@
             <a:pPr lvl="1"/>
             <a:r>
               <a:rPr lang="en-US" sz="3200" dirty="0" smtClean="0"/>
-              <a:t>Number </a:t>
-            </a:r>
-            <a:r>
-              <a:rPr lang="en-US" sz="3200" dirty="0" smtClean="0"/>
-              <a:t>of </a:t>
+              <a:t>Number of </a:t>
             </a:r>
             <a:r>
               <a:rPr lang="en-US" sz="3200" dirty="0" err="1" smtClean="0"/>
@@ -8933,7 +9005,6 @@
               <a:rPr lang="en-US" sz="3200" dirty="0" smtClean="0"/>
               <a:t> (geolocation check-ins)</a:t>
             </a:r>
-            <a:endParaRPr lang="en-US" sz="3200" dirty="0" smtClean="0"/>
           </a:p>
           <a:p>
             <a:pPr lvl="1"/>
@@ -8941,7 +9012,6 @@
               <a:rPr lang="en-US" sz="3200" dirty="0" smtClean="0"/>
               <a:t>Statistical measures from .describe() method</a:t>
             </a:r>
-            <a:endParaRPr lang="en-US" sz="3200" dirty="0" smtClean="0"/>
           </a:p>
           <a:p>
             <a:pPr lvl="1"/>
@@ -11254,7 +11324,6 @@
               <a:rPr lang="en-US" sz="3600" dirty="0" smtClean="0"/>
               <a:t>Can allow multiple answers</a:t>
             </a:r>
-            <a:endParaRPr lang="en-US" sz="3600" dirty="0" smtClean="0"/>
           </a:p>
           <a:p>
             <a:r>
@@ -11265,15 +11334,7 @@
           <a:p>
             <a:r>
               <a:rPr lang="en-US" sz="3600" dirty="0" smtClean="0"/>
-              <a:t>Challenges will </a:t>
-            </a:r>
-            <a:r>
-              <a:rPr lang="en-US" sz="3600" dirty="0" smtClean="0"/>
-              <a:t>change depending on user </a:t>
-            </a:r>
-            <a:r>
-              <a:rPr lang="en-US" sz="3600" dirty="0" smtClean="0"/>
-              <a:t>behavior</a:t>
+              <a:t>Challenges will change depending on user behavior</a:t>
             </a:r>
           </a:p>
           <a:p>
@@ -11281,7 +11342,6 @@
               <a:rPr lang="en-US" sz="3600" dirty="0" smtClean="0"/>
               <a:t>Repeat failures will disqualify the question class (prevent brute force)</a:t>
             </a:r>
-            <a:endParaRPr lang="en-US" sz="3600" dirty="0" smtClean="0"/>
           </a:p>
         </p:txBody>
       </p:sp>
@@ -11626,19 +11686,7 @@
             </a:pPr>
             <a:r>
               <a:rPr lang="en-US" sz="4000" dirty="0" smtClean="0"/>
-              <a:t>how can we minimize </a:t>
-            </a:r>
-            <a:r>
-              <a:rPr lang="en-US" sz="4000" dirty="0" smtClean="0"/>
-              <a:t>login </a:t>
-            </a:r>
-            <a:r>
-              <a:rPr lang="en-US" sz="4000" dirty="0" smtClean="0"/>
-              <a:t>failures </a:t>
-            </a:r>
-            <a:r>
-              <a:rPr lang="en-US" sz="4000" dirty="0" smtClean="0"/>
-              <a:t>/ clicking on “forgot/reset password”?</a:t>
+              <a:t>how can we minimize login failures / clicking on “forgot/reset password”?</a:t>
             </a:r>
             <a:endParaRPr lang="en-US" sz="4000" dirty="0"/>
           </a:p>
